--- a/documentation/quickstart-airbeam2-de4l-app.pptx
+++ b/documentation/quickstart-airbeam2-de4l-app.pptx
@@ -5,23 +5,25 @@
     <p:sldMasterId id="2147483648" r:id="rId1"/>
   </p:sldMasterIdLst>
   <p:notesMasterIdLst>
-    <p:notesMasterId r:id="rId13"/>
+    <p:notesMasterId r:id="rId15"/>
   </p:notesMasterIdLst>
   <p:handoutMasterIdLst>
-    <p:handoutMasterId r:id="rId14"/>
+    <p:handoutMasterId r:id="rId16"/>
   </p:handoutMasterIdLst>
   <p:sldIdLst>
     <p:sldId id="256" r:id="rId2"/>
     <p:sldId id="257" r:id="rId3"/>
     <p:sldId id="287" r:id="rId4"/>
-    <p:sldId id="286" r:id="rId5"/>
-    <p:sldId id="283" r:id="rId6"/>
-    <p:sldId id="284" r:id="rId7"/>
-    <p:sldId id="262" r:id="rId8"/>
-    <p:sldId id="270" r:id="rId9"/>
-    <p:sldId id="268" r:id="rId10"/>
-    <p:sldId id="285" r:id="rId11"/>
-    <p:sldId id="272" r:id="rId12"/>
+    <p:sldId id="289" r:id="rId5"/>
+    <p:sldId id="288" r:id="rId6"/>
+    <p:sldId id="286" r:id="rId7"/>
+    <p:sldId id="283" r:id="rId8"/>
+    <p:sldId id="284" r:id="rId9"/>
+    <p:sldId id="262" r:id="rId10"/>
+    <p:sldId id="270" r:id="rId11"/>
+    <p:sldId id="268" r:id="rId12"/>
+    <p:sldId id="285" r:id="rId13"/>
+    <p:sldId id="272" r:id="rId14"/>
   </p:sldIdLst>
   <p:sldSz cx="12192000" cy="6858000"/>
   <p:notesSz cx="6858000" cy="9144000"/>
@@ -224,7 +226,7 @@
           <a:p>
             <a:fld id="{E2440F30-AF0D-4948-BF63-0C09B748AFDA}" type="datetimeFigureOut">
               <a:rPr lang="de-DE" smtClean="0"/>
-              <a:t>04.03.2021</a:t>
+              <a:t>02.06.2022</a:t>
             </a:fld>
             <a:endParaRPr lang="de-DE"/>
           </a:p>
@@ -389,7 +391,7 @@
           <a:p>
             <a:fld id="{4BD734AE-5F6B-4058-B4B8-2DA1EE8DA227}" type="datetimeFigureOut">
               <a:rPr lang="de-DE" smtClean="0"/>
-              <a:t>04.03.2021</a:t>
+              <a:t>02.06.2022</a:t>
             </a:fld>
             <a:endParaRPr lang="de-DE"/>
           </a:p>
@@ -785,7 +787,7 @@
           <a:p>
             <a:fld id="{86116E5B-40E7-4147-927F-FD7E05449C5C}" type="datetime1">
               <a:rPr lang="de-DE" smtClean="0"/>
-              <a:t>04.03.2021</a:t>
+              <a:t>02.06.2022</a:t>
             </a:fld>
             <a:endParaRPr lang="de-DE" dirty="0"/>
           </a:p>
@@ -836,6 +838,42 @@
           </a:p>
         </p:txBody>
       </p:sp>
+      <p:pic>
+        <p:nvPicPr>
+          <p:cNvPr id="8" name="Grafik 7">
+            <a:extLst>
+              <a:ext uri="{FF2B5EF4-FFF2-40B4-BE49-F238E27FC236}">
+                <a16:creationId xmlns:a16="http://schemas.microsoft.com/office/drawing/2014/main" id="{FEFDE2B9-E9AA-49DA-99F6-BBEE1E99D6E1}"/>
+              </a:ext>
+            </a:extLst>
+          </p:cNvPr>
+          <p:cNvPicPr>
+            <a:picLocks noChangeAspect="1"/>
+          </p:cNvPicPr>
+          <p:nvPr userDrawn="1"/>
+        </p:nvPicPr>
+        <p:blipFill>
+          <a:blip r:embed="rId2" cstate="print">
+            <a:extLst>
+              <a:ext uri="{28A0092B-C50C-407E-A947-70E740481C1C}">
+                <a14:useLocalDpi xmlns:a14="http://schemas.microsoft.com/office/drawing/2010/main" val="0"/>
+              </a:ext>
+            </a:extLst>
+          </a:blip>
+          <a:stretch>
+            <a:fillRect/>
+          </a:stretch>
+        </p:blipFill>
+        <p:spPr>
+          <a:xfrm>
+            <a:off x="10809288" y="0"/>
+            <a:ext cx="1301991" cy="1340285"/>
+          </a:xfrm>
+          <a:prstGeom prst="rect">
+            <a:avLst/>
+          </a:prstGeom>
+        </p:spPr>
+      </p:pic>
     </p:spTree>
     <p:extLst>
       <p:ext uri="{BB962C8B-B14F-4D97-AF65-F5344CB8AC3E}">
@@ -956,7 +994,7 @@
           <a:p>
             <a:fld id="{EF581199-33F1-421A-91B4-74C948AFC3F9}" type="datetime1">
               <a:rPr lang="de-DE" smtClean="0"/>
-              <a:t>04.03.2021</a:t>
+              <a:t>02.06.2022</a:t>
             </a:fld>
             <a:endParaRPr lang="de-DE"/>
           </a:p>
@@ -1137,7 +1175,7 @@
           <a:p>
             <a:fld id="{34ECDCA4-4B5A-44CB-A76A-683329B1BE56}" type="datetime1">
               <a:rPr lang="de-DE" smtClean="0"/>
-              <a:t>04.03.2021</a:t>
+              <a:t>02.06.2022</a:t>
             </a:fld>
             <a:endParaRPr lang="de-DE"/>
           </a:p>
@@ -1322,7 +1360,7 @@
           <a:p>
             <a:fld id="{9B7FDC79-3A10-4D3E-8D3A-910B010F3C2E}" type="datetime1">
               <a:rPr lang="de-DE" smtClean="0"/>
-              <a:t>04.03.2021</a:t>
+              <a:t>02.06.2022</a:t>
             </a:fld>
             <a:endParaRPr lang="de-DE"/>
           </a:p>
@@ -1600,7 +1638,7 @@
           <a:p>
             <a:fld id="{DB279F28-DDE3-421A-9BEE-E1CB7BDF96E2}" type="datetime1">
               <a:rPr lang="de-DE" smtClean="0"/>
-              <a:t>04.03.2021</a:t>
+              <a:t>02.06.2022</a:t>
             </a:fld>
             <a:endParaRPr lang="de-DE"/>
           </a:p>
@@ -1832,7 +1870,7 @@
           <a:p>
             <a:fld id="{EC510DA0-0DB0-400F-9025-3CAECC7A5869}" type="datetime1">
               <a:rPr lang="de-DE" smtClean="0"/>
-              <a:t>04.03.2021</a:t>
+              <a:t>02.06.2022</a:t>
             </a:fld>
             <a:endParaRPr lang="de-DE"/>
           </a:p>
@@ -2199,7 +2237,7 @@
           <a:p>
             <a:fld id="{2930F2C1-0554-4993-816F-2A36DD454A9B}" type="datetime1">
               <a:rPr lang="de-DE" smtClean="0"/>
-              <a:t>04.03.2021</a:t>
+              <a:t>02.06.2022</a:t>
             </a:fld>
             <a:endParaRPr lang="de-DE"/>
           </a:p>
@@ -2319,7 +2357,7 @@
           <a:p>
             <a:fld id="{532900DE-B7F2-43BC-8073-87CB4392C074}" type="datetime1">
               <a:rPr lang="de-DE" smtClean="0"/>
-              <a:t>04.03.2021</a:t>
+              <a:t>02.06.2022</a:t>
             </a:fld>
             <a:endParaRPr lang="de-DE"/>
           </a:p>
@@ -2417,7 +2455,7 @@
           <a:p>
             <a:fld id="{5F561459-DBD3-44D6-ABED-C1D1AFD755A0}" type="datetime1">
               <a:rPr lang="de-DE" smtClean="0"/>
-              <a:t>04.03.2021</a:t>
+              <a:t>02.06.2022</a:t>
             </a:fld>
             <a:endParaRPr lang="de-DE"/>
           </a:p>
@@ -2695,7 +2733,7 @@
           <a:p>
             <a:fld id="{D01F91BD-B406-4724-8CB9-F814ED4C9CEC}" type="datetime1">
               <a:rPr lang="de-DE" smtClean="0"/>
-              <a:t>04.03.2021</a:t>
+              <a:t>02.06.2022</a:t>
             </a:fld>
             <a:endParaRPr lang="de-DE"/>
           </a:p>
@@ -2950,7 +2988,7 @@
           <a:p>
             <a:fld id="{9724EFE0-A60E-4C6A-A1C8-75153CE8CC63}" type="datetime1">
               <a:rPr lang="de-DE" smtClean="0"/>
-              <a:t>04.03.2021</a:t>
+              <a:t>02.06.2022</a:t>
             </a:fld>
             <a:endParaRPr lang="de-DE"/>
           </a:p>
@@ -3164,7 +3202,7 @@
           <a:p>
             <a:fld id="{FD1BCEB6-04F8-4650-9005-590AD902B746}" type="datetime1">
               <a:rPr lang="de-DE" smtClean="0"/>
-              <a:t>04.03.2021</a:t>
+              <a:t>02.06.2022</a:t>
             </a:fld>
             <a:endParaRPr lang="de-DE"/>
           </a:p>
@@ -3484,51 +3522,6 @@
           </p:txBody>
         </p:sp>
       </p:grpSp>
-      <p:pic>
-        <p:nvPicPr>
-          <p:cNvPr id="8" name="Picture 2" descr="partners &amp; supporters - SDE21">
-            <a:extLst>
-              <a:ext uri="{FF2B5EF4-FFF2-40B4-BE49-F238E27FC236}">
-                <a16:creationId xmlns:a16="http://schemas.microsoft.com/office/drawing/2014/main" id="{C8711FE6-68B3-4D2F-BA5E-E8F1B0D325B8}"/>
-              </a:ext>
-            </a:extLst>
-          </p:cNvPr>
-          <p:cNvPicPr>
-            <a:picLocks noChangeAspect="1" noChangeArrowheads="1"/>
-          </p:cNvPicPr>
-          <p:nvPr userDrawn="1"/>
-        </p:nvPicPr>
-        <p:blipFill rotWithShape="1">
-          <a:blip r:embed="rId14" cstate="print">
-            <a:extLst>
-              <a:ext uri="{28A0092B-C50C-407E-A947-70E740481C1C}">
-                <a14:useLocalDpi xmlns:a14="http://schemas.microsoft.com/office/drawing/2010/main" val="0"/>
-              </a:ext>
-            </a:extLst>
-          </a:blip>
-          <a:srcRect l="26940" t="6078" r="22460" b="4719"/>
-          <a:stretch/>
-        </p:blipFill>
-        <p:spPr bwMode="auto">
-          <a:xfrm>
-            <a:off x="11044303" y="114613"/>
-            <a:ext cx="1033397" cy="1024770"/>
-          </a:xfrm>
-          <a:prstGeom prst="rect">
-            <a:avLst/>
-          </a:prstGeom>
-          <a:noFill/>
-          <a:extLst>
-            <a:ext uri="{909E8E84-426E-40DD-AFC4-6F175D3DCCD1}">
-              <a14:hiddenFill xmlns:a14="http://schemas.microsoft.com/office/drawing/2010/main">
-                <a:solidFill>
-                  <a:srgbClr val="FFFFFF"/>
-                </a:solidFill>
-              </a14:hiddenFill>
-            </a:ext>
-          </a:extLst>
-        </p:spPr>
-      </p:pic>
     </p:spTree>
     <p:extLst>
       <p:ext uri="{BB962C8B-B14F-4D97-AF65-F5344CB8AC3E}">
@@ -3899,7 +3892,7 @@
         </p:spPr>
         <p:txBody>
           <a:bodyPr anchor="ctr">
-            <a:normAutofit fontScale="90000"/>
+            <a:normAutofit/>
           </a:bodyPr>
           <a:lstStyle/>
           <a:p>
@@ -3925,7 +3918,7 @@
               <a:rPr lang="en-US" dirty="0">
                 <a:latin typeface="Trebuchet MS" panose="020B0603020202020204" pitchFamily="34" charset="0"/>
               </a:rPr>
-              <a:t>AirBeam2 + DE4L Sensing App</a:t>
+              <a:t>DE4L Sensing App</a:t>
             </a:r>
             <a:endParaRPr lang="de-DE" dirty="0">
               <a:latin typeface="Trebuchet MS" panose="020B0603020202020204" pitchFamily="34" charset="0"/>
@@ -3974,7 +3967,7 @@
           <a:p>
             <a:fld id="{0B1F5E93-2082-4E61-851D-EB746B52BEFB}" type="datetime1">
               <a:rPr lang="de-DE" smtClean="0"/>
-              <a:t>04.03.2021</a:t>
+              <a:t>02.06.2022</a:t>
             </a:fld>
             <a:endParaRPr lang="de-DE" dirty="0"/>
           </a:p>
@@ -4102,39 +4095,198 @@
       </p:grpSpPr>
       <p:pic>
         <p:nvPicPr>
-          <p:cNvPr id="6" name="Inhaltsplatzhalter 5">
+          <p:cNvPr id="8" name="Grafik 7">
             <a:extLst>
               <a:ext uri="{FF2B5EF4-FFF2-40B4-BE49-F238E27FC236}">
-                <a16:creationId xmlns:a16="http://schemas.microsoft.com/office/drawing/2014/main" id="{9E6B7676-CDFB-4F75-8863-1FBDF825A949}"/>
+                <a16:creationId xmlns:a16="http://schemas.microsoft.com/office/drawing/2014/main" id="{D766FA01-8453-4FCB-9A53-AE3CE2635C7B}"/>
               </a:ext>
             </a:extLst>
           </p:cNvPr>
           <p:cNvPicPr>
-            <a:picLocks noGrp="1" noChangeAspect="1"/>
+            <a:picLocks noChangeAspect="1"/>
           </p:cNvPicPr>
-          <p:nvPr>
-            <p:ph idx="1"/>
-          </p:nvPr>
+          <p:nvPr/>
         </p:nvPicPr>
         <p:blipFill>
-          <a:blip r:embed="rId2"/>
+          <a:blip r:embed="rId2" cstate="print">
+            <a:extLst>
+              <a:ext uri="{28A0092B-C50C-407E-A947-70E740481C1C}">
+                <a14:useLocalDpi xmlns:a14="http://schemas.microsoft.com/office/drawing/2010/main" val="0"/>
+              </a:ext>
+            </a:extLst>
+          </a:blip>
           <a:stretch>
             <a:fillRect/>
           </a:stretch>
         </p:blipFill>
         <p:spPr>
           <a:xfrm>
-            <a:off x="7915494" y="580888"/>
-            <a:ext cx="2723845" cy="5599017"/>
+            <a:off x="6106553" y="1219863"/>
+            <a:ext cx="2199444" cy="4765462"/>
+          </a:xfrm>
+          <a:prstGeom prst="rect">
+            <a:avLst/>
+          </a:prstGeom>
+        </p:spPr>
+      </p:pic>
+      <p:sp>
+        <p:nvSpPr>
+          <p:cNvPr id="2" name="Titel 1">
+            <a:extLst>
+              <a:ext uri="{FF2B5EF4-FFF2-40B4-BE49-F238E27FC236}">
+                <a16:creationId xmlns:a16="http://schemas.microsoft.com/office/drawing/2014/main" id="{05D33809-8A21-41B0-AEE4-6E14BDBCF535}"/>
+              </a:ext>
+            </a:extLst>
+          </p:cNvPr>
+          <p:cNvSpPr>
+            <a:spLocks noGrp="1"/>
+          </p:cNvSpPr>
+          <p:nvPr>
+            <p:ph type="title"/>
+          </p:nvPr>
+        </p:nvSpPr>
+        <p:spPr/>
+        <p:txBody>
+          <a:bodyPr/>
+          <a:lstStyle/>
+          <a:p>
+            <a:r>
+              <a:rPr lang="de-DE" dirty="0"/>
+              <a:t>App – Start Tracking</a:t>
+            </a:r>
+          </a:p>
+        </p:txBody>
+      </p:sp>
+      <p:sp>
+        <p:nvSpPr>
+          <p:cNvPr id="3" name="Inhaltsplatzhalter 2">
+            <a:extLst>
+              <a:ext uri="{FF2B5EF4-FFF2-40B4-BE49-F238E27FC236}">
+                <a16:creationId xmlns:a16="http://schemas.microsoft.com/office/drawing/2014/main" id="{E8E1A594-BDAB-4674-B822-BD2B5AC824D8}"/>
+              </a:ext>
+            </a:extLst>
+          </p:cNvPr>
+          <p:cNvSpPr>
+            <a:spLocks noGrp="1"/>
+          </p:cNvSpPr>
+          <p:nvPr>
+            <p:ph idx="1"/>
+          </p:nvPr>
+        </p:nvSpPr>
+        <p:spPr>
+          <a:xfrm>
+            <a:off x="677334" y="2160589"/>
+            <a:ext cx="4395707" cy="3880773"/>
           </a:xfrm>
         </p:spPr>
-      </p:pic>
+        <p:txBody>
+          <a:bodyPr/>
+          <a:lstStyle/>
+          <a:p>
+            <a:r>
+              <a:rPr lang="de-DE" sz="1600" dirty="0"/>
+              <a:t>Tracking </a:t>
+            </a:r>
+            <a:r>
+              <a:rPr lang="de-DE" sz="1600" dirty="0" err="1"/>
+              <a:t>can</a:t>
+            </a:r>
+            <a:r>
+              <a:rPr lang="de-DE" sz="1600" dirty="0"/>
+              <a:t> </a:t>
+            </a:r>
+            <a:r>
+              <a:rPr lang="de-DE" sz="1600" dirty="0" err="1"/>
+              <a:t>only</a:t>
+            </a:r>
+            <a:r>
+              <a:rPr lang="de-DE" sz="1600" dirty="0"/>
+              <a:t> </a:t>
+            </a:r>
+            <a:r>
+              <a:rPr lang="de-DE" sz="1600" dirty="0" err="1"/>
+              <a:t>be</a:t>
+            </a:r>
+            <a:r>
+              <a:rPr lang="de-DE" sz="1600" dirty="0"/>
+              <a:t> </a:t>
+            </a:r>
+            <a:r>
+              <a:rPr lang="de-DE" sz="1600" dirty="0" err="1"/>
+              <a:t>started</a:t>
+            </a:r>
+            <a:r>
+              <a:rPr lang="de-DE" sz="1600" dirty="0"/>
+              <a:t> </a:t>
+            </a:r>
+            <a:r>
+              <a:rPr lang="de-DE" sz="1600" dirty="0" err="1"/>
+              <a:t>when</a:t>
+            </a:r>
+            <a:r>
+              <a:rPr lang="de-DE" sz="1600" dirty="0"/>
+              <a:t> at least </a:t>
+            </a:r>
+            <a:r>
+              <a:rPr lang="de-DE" sz="1600" dirty="0" err="1"/>
+              <a:t>one</a:t>
+            </a:r>
+            <a:r>
+              <a:rPr lang="de-DE" sz="1600" dirty="0"/>
+              <a:t> </a:t>
+            </a:r>
+            <a:r>
+              <a:rPr lang="de-DE" sz="1600" dirty="0" err="1"/>
+              <a:t>sensor</a:t>
+            </a:r>
+            <a:r>
+              <a:rPr lang="de-DE" sz="1600" dirty="0"/>
+              <a:t> </a:t>
+            </a:r>
+            <a:r>
+              <a:rPr lang="de-DE" sz="1600" dirty="0" err="1"/>
+              <a:t>is</a:t>
+            </a:r>
+            <a:r>
+              <a:rPr lang="de-DE" sz="1600" dirty="0"/>
+              <a:t> </a:t>
+            </a:r>
+            <a:r>
+              <a:rPr lang="de-DE" sz="1600" dirty="0" err="1"/>
+              <a:t>connected</a:t>
+            </a:r>
+            <a:r>
+              <a:rPr lang="de-DE" sz="1600" dirty="0"/>
+              <a:t> and a </a:t>
+            </a:r>
+            <a:r>
+              <a:rPr lang="de-DE" sz="1600" dirty="0" err="1"/>
+              <a:t>user</a:t>
+            </a:r>
+            <a:r>
+              <a:rPr lang="de-DE" sz="1600" dirty="0"/>
+              <a:t> </a:t>
+            </a:r>
+            <a:r>
+              <a:rPr lang="de-DE" sz="1600" dirty="0" err="1"/>
+              <a:t>logged</a:t>
+            </a:r>
+            <a:r>
+              <a:rPr lang="de-DE" sz="1600" dirty="0"/>
+              <a:t> in</a:t>
+            </a:r>
+          </a:p>
+          <a:p>
+            <a:endParaRPr lang="de-DE" dirty="0"/>
+          </a:p>
+        </p:txBody>
+      </p:sp>
       <p:sp>
         <p:nvSpPr>
           <p:cNvPr id="4" name="Foliennummernplatzhalter 3">
             <a:extLst>
               <a:ext uri="{FF2B5EF4-FFF2-40B4-BE49-F238E27FC236}">
-                <a16:creationId xmlns:a16="http://schemas.microsoft.com/office/drawing/2014/main" id="{F9836F3C-53D9-4888-8E7B-CE1A797F9F28}"/>
+                <a16:creationId xmlns:a16="http://schemas.microsoft.com/office/drawing/2014/main" id="{50B7BBC7-9902-4D6E-A458-9C2FC00B0D3F}"/>
               </a:ext>
             </a:extLst>
           </p:cNvPr>
@@ -4153,6 +4305,890 @@
             <a:fld id="{519954A3-9DFD-4C44-94BA-B95130A3BA1C}" type="slidenum">
               <a:rPr lang="en-US" smtClean="0"/>
               <a:t>10</a:t>
+            </a:fld>
+            <a:endParaRPr lang="en-US" dirty="0"/>
+          </a:p>
+        </p:txBody>
+      </p:sp>
+      <p:sp>
+        <p:nvSpPr>
+          <p:cNvPr id="7" name="Pfeil: nach unten 6">
+            <a:extLst>
+              <a:ext uri="{FF2B5EF4-FFF2-40B4-BE49-F238E27FC236}">
+                <a16:creationId xmlns:a16="http://schemas.microsoft.com/office/drawing/2014/main" id="{11477B4C-A9BA-408E-A58F-EAF3A2B79811}"/>
+              </a:ext>
+            </a:extLst>
+          </p:cNvPr>
+          <p:cNvSpPr/>
+          <p:nvPr/>
+        </p:nvSpPr>
+        <p:spPr>
+          <a:xfrm rot="5400000">
+            <a:off x="8144274" y="1645849"/>
+            <a:ext cx="323447" cy="422012"/>
+          </a:xfrm>
+          <a:prstGeom prst="downArrow">
+            <a:avLst/>
+          </a:prstGeom>
+        </p:spPr>
+        <p:style>
+          <a:lnRef idx="2">
+            <a:schemeClr val="accent1">
+              <a:shade val="50000"/>
+            </a:schemeClr>
+          </a:lnRef>
+          <a:fillRef idx="1">
+            <a:schemeClr val="accent1"/>
+          </a:fillRef>
+          <a:effectRef idx="0">
+            <a:schemeClr val="accent1"/>
+          </a:effectRef>
+          <a:fontRef idx="minor">
+            <a:schemeClr val="lt1"/>
+          </a:fontRef>
+        </p:style>
+        <p:txBody>
+          <a:bodyPr rot="0" spcFirstLastPara="0" vert="horz" wrap="square" lIns="91440" tIns="45720" rIns="91440" bIns="45720" numCol="1" spcCol="0" rtlCol="0" fromWordArt="0" anchor="ctr" anchorCtr="0" forceAA="0" compatLnSpc="1">
+            <a:prstTxWarp prst="textNoShape">
+              <a:avLst/>
+            </a:prstTxWarp>
+            <a:noAutofit/>
+          </a:bodyPr>
+          <a:lstStyle/>
+          <a:p>
+            <a:endParaRPr lang="de-DE"/>
+          </a:p>
+        </p:txBody>
+      </p:sp>
+    </p:spTree>
+    <p:extLst>
+      <p:ext uri="{BB962C8B-B14F-4D97-AF65-F5344CB8AC3E}">
+        <p14:creationId xmlns:p14="http://schemas.microsoft.com/office/powerpoint/2010/main" val="335423106"/>
+      </p:ext>
+    </p:extLst>
+  </p:cSld>
+  <p:clrMapOvr>
+    <a:masterClrMapping/>
+  </p:clrMapOvr>
+</p:sld>
+</file>
+
+<file path=ppt/slides/slide11.xml><?xml version="1.0" encoding="utf-8"?>
+<p:sld xmlns:a="http://schemas.openxmlformats.org/drawingml/2006/main" xmlns:r="http://schemas.openxmlformats.org/officeDocument/2006/relationships" xmlns:p="http://schemas.openxmlformats.org/presentationml/2006/main">
+  <p:cSld>
+    <p:spTree>
+      <p:nvGrpSpPr>
+        <p:cNvPr id="1" name=""/>
+        <p:cNvGrpSpPr/>
+        <p:nvPr/>
+      </p:nvGrpSpPr>
+      <p:grpSpPr>
+        <a:xfrm>
+          <a:off x="0" y="0"/>
+          <a:ext cx="0" cy="0"/>
+          <a:chOff x="0" y="0"/>
+          <a:chExt cx="0" cy="0"/>
+        </a:xfrm>
+      </p:grpSpPr>
+      <p:pic>
+        <p:nvPicPr>
+          <p:cNvPr id="3" name="Grafik 2">
+            <a:extLst>
+              <a:ext uri="{FF2B5EF4-FFF2-40B4-BE49-F238E27FC236}">
+                <a16:creationId xmlns:a16="http://schemas.microsoft.com/office/drawing/2014/main" id="{9CD9DDF3-27E5-46F3-93FE-F75CB3C2C8AB}"/>
+              </a:ext>
+            </a:extLst>
+          </p:cNvPr>
+          <p:cNvPicPr>
+            <a:picLocks noChangeAspect="1"/>
+          </p:cNvPicPr>
+          <p:nvPr/>
+        </p:nvPicPr>
+        <p:blipFill>
+          <a:blip r:embed="rId2" cstate="print">
+            <a:extLst>
+              <a:ext uri="{28A0092B-C50C-407E-A947-70E740481C1C}">
+                <a14:useLocalDpi xmlns:a14="http://schemas.microsoft.com/office/drawing/2010/main" val="0"/>
+              </a:ext>
+            </a:extLst>
+          </a:blip>
+          <a:stretch>
+            <a:fillRect/>
+          </a:stretch>
+        </p:blipFill>
+        <p:spPr>
+          <a:xfrm>
+            <a:off x="5660733" y="1143828"/>
+            <a:ext cx="2321017" cy="5028869"/>
+          </a:xfrm>
+          <a:prstGeom prst="rect">
+            <a:avLst/>
+          </a:prstGeom>
+        </p:spPr>
+      </p:pic>
+      <p:sp>
+        <p:nvSpPr>
+          <p:cNvPr id="4" name="Inhaltsplatzhalter 3">
+            <a:extLst>
+              <a:ext uri="{FF2B5EF4-FFF2-40B4-BE49-F238E27FC236}">
+                <a16:creationId xmlns:a16="http://schemas.microsoft.com/office/drawing/2014/main" id="{1992DFB9-A614-498E-9446-3FA83C7617EA}"/>
+              </a:ext>
+            </a:extLst>
+          </p:cNvPr>
+          <p:cNvSpPr>
+            <a:spLocks noGrp="1"/>
+          </p:cNvSpPr>
+          <p:nvPr>
+            <p:ph idx="1"/>
+          </p:nvPr>
+        </p:nvSpPr>
+        <p:spPr>
+          <a:xfrm>
+            <a:off x="677333" y="2160589"/>
+            <a:ext cx="4851178" cy="3880773"/>
+          </a:xfrm>
+        </p:spPr>
+        <p:txBody>
+          <a:bodyPr>
+            <a:normAutofit/>
+          </a:bodyPr>
+          <a:lstStyle/>
+          <a:p>
+            <a:r>
+              <a:rPr lang="de-DE" sz="1600" dirty="0"/>
+              <a:t>1. </a:t>
+            </a:r>
+            <a:r>
+              <a:rPr lang="de-DE" sz="1600" dirty="0" err="1"/>
+              <a:t>Disconnect</a:t>
+            </a:r>
+            <a:r>
+              <a:rPr lang="de-DE" sz="1600" dirty="0"/>
+              <a:t> Sensor</a:t>
+            </a:r>
+          </a:p>
+          <a:p>
+            <a:pPr marL="457200" lvl="1" indent="0">
+              <a:buNone/>
+            </a:pPr>
+            <a:r>
+              <a:rPr lang="de-DE" sz="1600" i="1" dirty="0"/>
+              <a:t>(Data </a:t>
+            </a:r>
+            <a:r>
+              <a:rPr lang="de-DE" sz="1600" i="1" dirty="0" err="1"/>
+              <a:t>transmission</a:t>
+            </a:r>
+            <a:r>
+              <a:rPr lang="de-DE" sz="1600" i="1" dirty="0"/>
+              <a:t> and </a:t>
+            </a:r>
+            <a:r>
+              <a:rPr lang="de-DE" sz="1600" i="1" dirty="0" err="1"/>
+              <a:t>tracking</a:t>
+            </a:r>
+            <a:r>
+              <a:rPr lang="de-DE" sz="1600" i="1" dirty="0"/>
+              <a:t> </a:t>
+            </a:r>
+            <a:r>
+              <a:rPr lang="de-DE" sz="1600" i="1" dirty="0" err="1"/>
+              <a:t>is</a:t>
+            </a:r>
+            <a:r>
+              <a:rPr lang="de-DE" sz="1600" i="1" dirty="0"/>
+              <a:t> </a:t>
+            </a:r>
+            <a:r>
+              <a:rPr lang="de-DE" sz="1600" i="1" dirty="0" err="1"/>
+              <a:t>stopped</a:t>
+            </a:r>
+            <a:r>
+              <a:rPr lang="de-DE" sz="1600" i="1" dirty="0"/>
+              <a:t> </a:t>
+            </a:r>
+            <a:r>
+              <a:rPr lang="de-DE" sz="1600" i="1" dirty="0" err="1"/>
+              <a:t>automatically</a:t>
+            </a:r>
+            <a:r>
+              <a:rPr lang="de-DE" sz="1600" i="1" dirty="0"/>
+              <a:t>)</a:t>
+            </a:r>
+          </a:p>
+          <a:p>
+            <a:r>
+              <a:rPr lang="de-DE" sz="1600" dirty="0"/>
+              <a:t>2. Log out</a:t>
+            </a:r>
+          </a:p>
+          <a:p>
+            <a:pPr marL="457200" lvl="1" indent="0">
+              <a:buNone/>
+            </a:pPr>
+            <a:r>
+              <a:rPr lang="de-DE" sz="1600" i="1" dirty="0"/>
+              <a:t>(Data </a:t>
+            </a:r>
+            <a:r>
+              <a:rPr lang="de-DE" sz="1600" i="1" dirty="0" err="1"/>
+              <a:t>transmission</a:t>
+            </a:r>
+            <a:r>
+              <a:rPr lang="de-DE" sz="1600" i="1" dirty="0"/>
+              <a:t> and </a:t>
+            </a:r>
+            <a:r>
+              <a:rPr lang="de-DE" sz="1600" i="1" dirty="0" err="1"/>
+              <a:t>tracking</a:t>
+            </a:r>
+            <a:r>
+              <a:rPr lang="de-DE" sz="1600" i="1" dirty="0"/>
+              <a:t> </a:t>
+            </a:r>
+            <a:r>
+              <a:rPr lang="de-DE" sz="1600" i="1" dirty="0" err="1"/>
+              <a:t>is</a:t>
+            </a:r>
+            <a:r>
+              <a:rPr lang="de-DE" sz="1600" i="1" dirty="0"/>
+              <a:t> </a:t>
+            </a:r>
+            <a:r>
+              <a:rPr lang="de-DE" sz="1600" i="1" dirty="0" err="1"/>
+              <a:t>stopped</a:t>
+            </a:r>
+            <a:r>
+              <a:rPr lang="de-DE" sz="1600" i="1" dirty="0"/>
+              <a:t> </a:t>
+            </a:r>
+            <a:r>
+              <a:rPr lang="de-DE" sz="1600" i="1" dirty="0" err="1"/>
+              <a:t>automatically</a:t>
+            </a:r>
+            <a:r>
+              <a:rPr lang="de-DE" sz="1600" i="1" dirty="0"/>
+              <a:t>)</a:t>
+            </a:r>
+          </a:p>
+          <a:p>
+            <a:r>
+              <a:rPr lang="de-DE" sz="1600" dirty="0"/>
+              <a:t>3. </a:t>
+            </a:r>
+            <a:r>
+              <a:rPr lang="de-DE" sz="1600" dirty="0" err="1"/>
+              <a:t>Stop</a:t>
+            </a:r>
+            <a:r>
+              <a:rPr lang="de-DE" sz="1600" dirty="0"/>
+              <a:t> Tracking</a:t>
+            </a:r>
+          </a:p>
+          <a:p>
+            <a:pPr marL="0" indent="0">
+              <a:buNone/>
+            </a:pPr>
+            <a:endParaRPr lang="de-DE" sz="1600" dirty="0"/>
+          </a:p>
+          <a:p>
+            <a:pPr marL="0" indent="0">
+              <a:buNone/>
+            </a:pPr>
+            <a:r>
+              <a:rPr lang="de-DE" sz="1600" dirty="0" err="1"/>
+              <a:t>Notification</a:t>
+            </a:r>
+            <a:r>
+              <a:rPr lang="de-DE" sz="1600" dirty="0"/>
+              <a:t> in </a:t>
+            </a:r>
+            <a:r>
+              <a:rPr lang="de-DE" sz="1600" dirty="0" err="1"/>
+              <a:t>status</a:t>
+            </a:r>
+            <a:r>
+              <a:rPr lang="de-DE" sz="1600" dirty="0"/>
+              <a:t> bar</a:t>
+            </a:r>
+          </a:p>
+          <a:p>
+            <a:r>
+              <a:rPr lang="de-DE" sz="1600" dirty="0"/>
+              <a:t>4. </a:t>
+            </a:r>
+            <a:r>
+              <a:rPr lang="de-DE" sz="1600" dirty="0" err="1"/>
+              <a:t>Stop</a:t>
+            </a:r>
+            <a:r>
+              <a:rPr lang="de-DE" sz="1600" dirty="0"/>
+              <a:t> Tracking and </a:t>
+            </a:r>
+            <a:r>
+              <a:rPr lang="de-DE" sz="1600" dirty="0" err="1"/>
+              <a:t>disconnect</a:t>
+            </a:r>
+            <a:r>
+              <a:rPr lang="de-DE" sz="1600" dirty="0"/>
+              <a:t> </a:t>
+            </a:r>
+            <a:r>
+              <a:rPr lang="de-DE" sz="1600" dirty="0" err="1"/>
+              <a:t>sensor</a:t>
+            </a:r>
+            <a:endParaRPr lang="de-DE" sz="1600" dirty="0"/>
+          </a:p>
+        </p:txBody>
+      </p:sp>
+      <p:sp>
+        <p:nvSpPr>
+          <p:cNvPr id="12" name="Foliennummernplatzhalter 11">
+            <a:extLst>
+              <a:ext uri="{FF2B5EF4-FFF2-40B4-BE49-F238E27FC236}">
+                <a16:creationId xmlns:a16="http://schemas.microsoft.com/office/drawing/2014/main" id="{6E4F5A51-010B-4E6E-9631-876509AB5EF1}"/>
+              </a:ext>
+            </a:extLst>
+          </p:cNvPr>
+          <p:cNvSpPr>
+            <a:spLocks noGrp="1"/>
+          </p:cNvSpPr>
+          <p:nvPr>
+            <p:ph type="sldNum" sz="quarter" idx="12"/>
+          </p:nvPr>
+        </p:nvSpPr>
+        <p:spPr>
+          <a:xfrm>
+            <a:off x="9617250" y="5967311"/>
+            <a:ext cx="2359025" cy="236842"/>
+          </a:xfrm>
+        </p:spPr>
+        <p:txBody>
+          <a:bodyPr/>
+          <a:lstStyle/>
+          <a:p>
+            <a:fld id="{519954A3-9DFD-4C44-94BA-B95130A3BA1C}" type="slidenum">
+              <a:rPr lang="en-US" smtClean="0"/>
+              <a:t>11</a:t>
+            </a:fld>
+            <a:endParaRPr lang="en-US" dirty="0"/>
+          </a:p>
+        </p:txBody>
+      </p:sp>
+      <p:sp>
+        <p:nvSpPr>
+          <p:cNvPr id="9" name="Pfeil: nach unten 8">
+            <a:extLst>
+              <a:ext uri="{FF2B5EF4-FFF2-40B4-BE49-F238E27FC236}">
+                <a16:creationId xmlns:a16="http://schemas.microsoft.com/office/drawing/2014/main" id="{155E3093-D228-472B-8BE8-8A6C01A4DA4B}"/>
+              </a:ext>
+            </a:extLst>
+          </p:cNvPr>
+          <p:cNvSpPr/>
+          <p:nvPr/>
+        </p:nvSpPr>
+        <p:spPr>
+          <a:xfrm>
+            <a:off x="5930695" y="1075661"/>
+            <a:ext cx="323447" cy="422012"/>
+          </a:xfrm>
+          <a:prstGeom prst="downArrow">
+            <a:avLst/>
+          </a:prstGeom>
+        </p:spPr>
+        <p:style>
+          <a:lnRef idx="2">
+            <a:schemeClr val="accent1">
+              <a:shade val="50000"/>
+            </a:schemeClr>
+          </a:lnRef>
+          <a:fillRef idx="1">
+            <a:schemeClr val="accent1"/>
+          </a:fillRef>
+          <a:effectRef idx="0">
+            <a:schemeClr val="accent1"/>
+          </a:effectRef>
+          <a:fontRef idx="minor">
+            <a:schemeClr val="lt1"/>
+          </a:fontRef>
+        </p:style>
+        <p:txBody>
+          <a:bodyPr rot="0" spcFirstLastPara="0" vert="horz" wrap="square" lIns="91440" tIns="45720" rIns="91440" bIns="45720" numCol="1" spcCol="0" rtlCol="0" fromWordArt="0" anchor="ctr" anchorCtr="0" forceAA="0" compatLnSpc="1">
+            <a:prstTxWarp prst="textNoShape">
+              <a:avLst/>
+            </a:prstTxWarp>
+            <a:noAutofit/>
+          </a:bodyPr>
+          <a:lstStyle/>
+          <a:p>
+            <a:endParaRPr lang="de-DE"/>
+          </a:p>
+        </p:txBody>
+      </p:sp>
+      <p:sp>
+        <p:nvSpPr>
+          <p:cNvPr id="11" name="Pfeil: nach unten 10">
+            <a:extLst>
+              <a:ext uri="{FF2B5EF4-FFF2-40B4-BE49-F238E27FC236}">
+                <a16:creationId xmlns:a16="http://schemas.microsoft.com/office/drawing/2014/main" id="{F0BE4876-F68B-4A03-A1A8-2A385991779D}"/>
+              </a:ext>
+            </a:extLst>
+          </p:cNvPr>
+          <p:cNvSpPr/>
+          <p:nvPr/>
+        </p:nvSpPr>
+        <p:spPr>
+          <a:xfrm>
+            <a:off x="6659519" y="1075661"/>
+            <a:ext cx="323447" cy="422012"/>
+          </a:xfrm>
+          <a:prstGeom prst="downArrow">
+            <a:avLst/>
+          </a:prstGeom>
+        </p:spPr>
+        <p:style>
+          <a:lnRef idx="2">
+            <a:schemeClr val="accent1">
+              <a:shade val="50000"/>
+            </a:schemeClr>
+          </a:lnRef>
+          <a:fillRef idx="1">
+            <a:schemeClr val="accent1"/>
+          </a:fillRef>
+          <a:effectRef idx="0">
+            <a:schemeClr val="accent1"/>
+          </a:effectRef>
+          <a:fontRef idx="minor">
+            <a:schemeClr val="lt1"/>
+          </a:fontRef>
+        </p:style>
+        <p:txBody>
+          <a:bodyPr rot="0" spcFirstLastPara="0" vert="horz" wrap="square" lIns="91440" tIns="45720" rIns="91440" bIns="45720" numCol="1" spcCol="0" rtlCol="0" fromWordArt="0" anchor="ctr" anchorCtr="0" forceAA="0" compatLnSpc="1">
+            <a:prstTxWarp prst="textNoShape">
+              <a:avLst/>
+            </a:prstTxWarp>
+            <a:noAutofit/>
+          </a:bodyPr>
+          <a:lstStyle/>
+          <a:p>
+            <a:endParaRPr lang="de-DE"/>
+          </a:p>
+        </p:txBody>
+      </p:sp>
+      <p:sp>
+        <p:nvSpPr>
+          <p:cNvPr id="13" name="Pfeil: nach unten 12">
+            <a:extLst>
+              <a:ext uri="{FF2B5EF4-FFF2-40B4-BE49-F238E27FC236}">
+                <a16:creationId xmlns:a16="http://schemas.microsoft.com/office/drawing/2014/main" id="{3F5638FE-3C5A-40DD-9C7D-9840C97A8989}"/>
+              </a:ext>
+            </a:extLst>
+          </p:cNvPr>
+          <p:cNvSpPr/>
+          <p:nvPr/>
+        </p:nvSpPr>
+        <p:spPr>
+          <a:xfrm>
+            <a:off x="7390455" y="1075661"/>
+            <a:ext cx="323447" cy="422012"/>
+          </a:xfrm>
+          <a:prstGeom prst="downArrow">
+            <a:avLst/>
+          </a:prstGeom>
+        </p:spPr>
+        <p:style>
+          <a:lnRef idx="2">
+            <a:schemeClr val="accent1">
+              <a:shade val="50000"/>
+            </a:schemeClr>
+          </a:lnRef>
+          <a:fillRef idx="1">
+            <a:schemeClr val="accent1"/>
+          </a:fillRef>
+          <a:effectRef idx="0">
+            <a:schemeClr val="accent1"/>
+          </a:effectRef>
+          <a:fontRef idx="minor">
+            <a:schemeClr val="lt1"/>
+          </a:fontRef>
+        </p:style>
+        <p:txBody>
+          <a:bodyPr rot="0" spcFirstLastPara="0" vert="horz" wrap="square" lIns="91440" tIns="45720" rIns="91440" bIns="45720" numCol="1" spcCol="0" rtlCol="0" fromWordArt="0" anchor="ctr" anchorCtr="0" forceAA="0" compatLnSpc="1">
+            <a:prstTxWarp prst="textNoShape">
+              <a:avLst/>
+            </a:prstTxWarp>
+            <a:noAutofit/>
+          </a:bodyPr>
+          <a:lstStyle/>
+          <a:p>
+            <a:endParaRPr lang="de-DE"/>
+          </a:p>
+        </p:txBody>
+      </p:sp>
+      <p:sp>
+        <p:nvSpPr>
+          <p:cNvPr id="7" name="Textfeld 6">
+            <a:extLst>
+              <a:ext uri="{FF2B5EF4-FFF2-40B4-BE49-F238E27FC236}">
+                <a16:creationId xmlns:a16="http://schemas.microsoft.com/office/drawing/2014/main" id="{4048FB40-7856-48E8-9FA1-1F7B50960A7C}"/>
+              </a:ext>
+            </a:extLst>
+          </p:cNvPr>
+          <p:cNvSpPr txBox="1"/>
+          <p:nvPr/>
+        </p:nvSpPr>
+        <p:spPr>
+          <a:xfrm>
+            <a:off x="5904706" y="682266"/>
+            <a:ext cx="391454" cy="369332"/>
+          </a:xfrm>
+          <a:prstGeom prst="rect">
+            <a:avLst/>
+          </a:prstGeom>
+          <a:noFill/>
+        </p:spPr>
+        <p:txBody>
+          <a:bodyPr wrap="none" rtlCol="0">
+            <a:spAutoFit/>
+          </a:bodyPr>
+          <a:lstStyle/>
+          <a:p>
+            <a:r>
+              <a:rPr lang="de-DE" dirty="0"/>
+              <a:t>1.</a:t>
+            </a:r>
+          </a:p>
+        </p:txBody>
+      </p:sp>
+      <p:sp>
+        <p:nvSpPr>
+          <p:cNvPr id="14" name="Textfeld 13">
+            <a:extLst>
+              <a:ext uri="{FF2B5EF4-FFF2-40B4-BE49-F238E27FC236}">
+                <a16:creationId xmlns:a16="http://schemas.microsoft.com/office/drawing/2014/main" id="{05DEC054-0264-4024-8708-EB7DFB63EFF3}"/>
+              </a:ext>
+            </a:extLst>
+          </p:cNvPr>
+          <p:cNvSpPr txBox="1"/>
+          <p:nvPr/>
+        </p:nvSpPr>
+        <p:spPr>
+          <a:xfrm>
+            <a:off x="6659518" y="685303"/>
+            <a:ext cx="391454" cy="369332"/>
+          </a:xfrm>
+          <a:prstGeom prst="rect">
+            <a:avLst/>
+          </a:prstGeom>
+          <a:noFill/>
+        </p:spPr>
+        <p:txBody>
+          <a:bodyPr wrap="none" rtlCol="0">
+            <a:spAutoFit/>
+          </a:bodyPr>
+          <a:lstStyle/>
+          <a:p>
+            <a:r>
+              <a:rPr lang="de-DE" dirty="0"/>
+              <a:t>2.</a:t>
+            </a:r>
+          </a:p>
+        </p:txBody>
+      </p:sp>
+      <p:sp>
+        <p:nvSpPr>
+          <p:cNvPr id="15" name="Textfeld 14">
+            <a:extLst>
+              <a:ext uri="{FF2B5EF4-FFF2-40B4-BE49-F238E27FC236}">
+                <a16:creationId xmlns:a16="http://schemas.microsoft.com/office/drawing/2014/main" id="{AC96B3FF-955C-4A84-9789-A6145DBE732D}"/>
+              </a:ext>
+            </a:extLst>
+          </p:cNvPr>
+          <p:cNvSpPr txBox="1"/>
+          <p:nvPr/>
+        </p:nvSpPr>
+        <p:spPr>
+          <a:xfrm>
+            <a:off x="7390455" y="682266"/>
+            <a:ext cx="391454" cy="369332"/>
+          </a:xfrm>
+          <a:prstGeom prst="rect">
+            <a:avLst/>
+          </a:prstGeom>
+          <a:noFill/>
+        </p:spPr>
+        <p:txBody>
+          <a:bodyPr wrap="none" rtlCol="0">
+            <a:spAutoFit/>
+          </a:bodyPr>
+          <a:lstStyle/>
+          <a:p>
+            <a:r>
+              <a:rPr lang="de-DE" dirty="0"/>
+              <a:t>3.</a:t>
+            </a:r>
+          </a:p>
+        </p:txBody>
+      </p:sp>
+      <p:pic>
+        <p:nvPicPr>
+          <p:cNvPr id="16" name="Inhaltsplatzhalter 5">
+            <a:extLst>
+              <a:ext uri="{FF2B5EF4-FFF2-40B4-BE49-F238E27FC236}">
+                <a16:creationId xmlns:a16="http://schemas.microsoft.com/office/drawing/2014/main" id="{0224D1DC-D87C-4D2B-82E7-F9216F8BCB85}"/>
+              </a:ext>
+            </a:extLst>
+          </p:cNvPr>
+          <p:cNvPicPr>
+            <a:picLocks noChangeAspect="1"/>
+          </p:cNvPicPr>
+          <p:nvPr/>
+        </p:nvPicPr>
+        <p:blipFill>
+          <a:blip r:embed="rId3"/>
+          <a:stretch>
+            <a:fillRect/>
+          </a:stretch>
+        </p:blipFill>
+        <p:spPr>
+          <a:xfrm>
+            <a:off x="9048560" y="1280341"/>
+            <a:ext cx="2397210" cy="4927600"/>
+          </a:xfrm>
+          <a:prstGeom prst="rect">
+            <a:avLst/>
+          </a:prstGeom>
+        </p:spPr>
+      </p:pic>
+      <p:sp>
+        <p:nvSpPr>
+          <p:cNvPr id="17" name="Pfeil: nach unten 16">
+            <a:extLst>
+              <a:ext uri="{FF2B5EF4-FFF2-40B4-BE49-F238E27FC236}">
+                <a16:creationId xmlns:a16="http://schemas.microsoft.com/office/drawing/2014/main" id="{DDEF5F96-B951-48D5-9EBA-55A224AB3E1D}"/>
+              </a:ext>
+            </a:extLst>
+          </p:cNvPr>
+          <p:cNvSpPr/>
+          <p:nvPr/>
+        </p:nvSpPr>
+        <p:spPr>
+          <a:xfrm rot="16200000">
+            <a:off x="9687467" y="2816046"/>
+            <a:ext cx="323447" cy="422012"/>
+          </a:xfrm>
+          <a:prstGeom prst="downArrow">
+            <a:avLst/>
+          </a:prstGeom>
+        </p:spPr>
+        <p:style>
+          <a:lnRef idx="2">
+            <a:schemeClr val="accent1">
+              <a:shade val="50000"/>
+            </a:schemeClr>
+          </a:lnRef>
+          <a:fillRef idx="1">
+            <a:schemeClr val="accent1"/>
+          </a:fillRef>
+          <a:effectRef idx="0">
+            <a:schemeClr val="accent1"/>
+          </a:effectRef>
+          <a:fontRef idx="minor">
+            <a:schemeClr val="lt1"/>
+          </a:fontRef>
+        </p:style>
+        <p:txBody>
+          <a:bodyPr rot="0" spcFirstLastPara="0" vert="horz" wrap="square" lIns="91440" tIns="45720" rIns="91440" bIns="45720" numCol="1" spcCol="0" rtlCol="0" fromWordArt="0" anchor="ctr" anchorCtr="0" forceAA="0" compatLnSpc="1">
+            <a:prstTxWarp prst="textNoShape">
+              <a:avLst/>
+            </a:prstTxWarp>
+            <a:noAutofit/>
+          </a:bodyPr>
+          <a:lstStyle/>
+          <a:p>
+            <a:endParaRPr lang="de-DE"/>
+          </a:p>
+        </p:txBody>
+      </p:sp>
+      <p:sp>
+        <p:nvSpPr>
+          <p:cNvPr id="18" name="Textfeld 17">
+            <a:extLst>
+              <a:ext uri="{FF2B5EF4-FFF2-40B4-BE49-F238E27FC236}">
+                <a16:creationId xmlns:a16="http://schemas.microsoft.com/office/drawing/2014/main" id="{9C28B872-0531-441D-A557-53F31C937B40}"/>
+              </a:ext>
+            </a:extLst>
+          </p:cNvPr>
+          <p:cNvSpPr txBox="1"/>
+          <p:nvPr/>
+        </p:nvSpPr>
+        <p:spPr>
+          <a:xfrm>
+            <a:off x="9261476" y="2842386"/>
+            <a:ext cx="391454" cy="369332"/>
+          </a:xfrm>
+          <a:prstGeom prst="rect">
+            <a:avLst/>
+          </a:prstGeom>
+          <a:noFill/>
+        </p:spPr>
+        <p:txBody>
+          <a:bodyPr wrap="none" rtlCol="0">
+            <a:spAutoFit/>
+          </a:bodyPr>
+          <a:lstStyle/>
+          <a:p>
+            <a:r>
+              <a:rPr lang="de-DE" dirty="0"/>
+              <a:t>4.</a:t>
+            </a:r>
+          </a:p>
+        </p:txBody>
+      </p:sp>
+      <p:sp>
+        <p:nvSpPr>
+          <p:cNvPr id="19" name="Titel 1">
+            <a:extLst>
+              <a:ext uri="{FF2B5EF4-FFF2-40B4-BE49-F238E27FC236}">
+                <a16:creationId xmlns:a16="http://schemas.microsoft.com/office/drawing/2014/main" id="{81D7085F-F1FE-494A-87B4-89CE96A74521}"/>
+              </a:ext>
+            </a:extLst>
+          </p:cNvPr>
+          <p:cNvSpPr txBox="1">
+            <a:spLocks/>
+          </p:cNvSpPr>
+          <p:nvPr/>
+        </p:nvSpPr>
+        <p:spPr>
+          <a:xfrm>
+            <a:off x="838200" y="1219863"/>
+            <a:ext cx="10515600" cy="950536"/>
+          </a:xfrm>
+          <a:prstGeom prst="rect">
+            <a:avLst/>
+          </a:prstGeom>
+        </p:spPr>
+        <p:txBody>
+          <a:bodyPr vert="horz" lIns="91440" tIns="45720" rIns="91440" bIns="45720" rtlCol="0" anchor="ctr">
+            <a:normAutofit/>
+          </a:bodyPr>
+          <a:lstStyle>
+            <a:lvl1pPr algn="l" defTabSz="914400" rtl="0" eaLnBrk="1" latinLnBrk="0" hangingPunct="1">
+              <a:lnSpc>
+                <a:spcPct val="90000"/>
+              </a:lnSpc>
+              <a:spcBef>
+                <a:spcPct val="0"/>
+              </a:spcBef>
+              <a:buNone/>
+              <a:defRPr sz="3600" kern="1200">
+                <a:solidFill>
+                  <a:srgbClr val="65A3C4"/>
+                </a:solidFill>
+                <a:latin typeface="Trebuchet MS (Überschriften)"/>
+                <a:ea typeface="+mj-ea"/>
+                <a:cs typeface="+mj-cs"/>
+              </a:defRPr>
+            </a:lvl1pPr>
+          </a:lstStyle>
+          <a:p>
+            <a:r>
+              <a:rPr lang="de-DE" dirty="0"/>
+              <a:t>App – Start Tracking</a:t>
+            </a:r>
+          </a:p>
+        </p:txBody>
+      </p:sp>
+    </p:spTree>
+    <p:extLst>
+      <p:ext uri="{BB962C8B-B14F-4D97-AF65-F5344CB8AC3E}">
+        <p14:creationId xmlns:p14="http://schemas.microsoft.com/office/powerpoint/2010/main" val="3310952278"/>
+      </p:ext>
+    </p:extLst>
+  </p:cSld>
+  <p:clrMapOvr>
+    <a:masterClrMapping/>
+  </p:clrMapOvr>
+</p:sld>
+</file>
+
+<file path=ppt/slides/slide12.xml><?xml version="1.0" encoding="utf-8"?>
+<p:sld xmlns:a="http://schemas.openxmlformats.org/drawingml/2006/main" xmlns:r="http://schemas.openxmlformats.org/officeDocument/2006/relationships" xmlns:p="http://schemas.openxmlformats.org/presentationml/2006/main">
+  <p:cSld>
+    <p:spTree>
+      <p:nvGrpSpPr>
+        <p:cNvPr id="1" name=""/>
+        <p:cNvGrpSpPr/>
+        <p:nvPr/>
+      </p:nvGrpSpPr>
+      <p:grpSpPr>
+        <a:xfrm>
+          <a:off x="0" y="0"/>
+          <a:ext cx="0" cy="0"/>
+          <a:chOff x="0" y="0"/>
+          <a:chExt cx="0" cy="0"/>
+        </a:xfrm>
+      </p:grpSpPr>
+      <p:pic>
+        <p:nvPicPr>
+          <p:cNvPr id="10" name="Grafik 9">
+            <a:extLst>
+              <a:ext uri="{FF2B5EF4-FFF2-40B4-BE49-F238E27FC236}">
+                <a16:creationId xmlns:a16="http://schemas.microsoft.com/office/drawing/2014/main" id="{04764E78-D011-462D-AB22-6081125EC6D9}"/>
+              </a:ext>
+            </a:extLst>
+          </p:cNvPr>
+          <p:cNvPicPr>
+            <a:picLocks noChangeAspect="1"/>
+          </p:cNvPicPr>
+          <p:nvPr/>
+        </p:nvPicPr>
+        <p:blipFill>
+          <a:blip r:embed="rId2" cstate="print">
+            <a:extLst>
+              <a:ext uri="{28A0092B-C50C-407E-A947-70E740481C1C}">
+                <a14:useLocalDpi xmlns:a14="http://schemas.microsoft.com/office/drawing/2010/main" val="0"/>
+              </a:ext>
+            </a:extLst>
+          </a:blip>
+          <a:stretch>
+            <a:fillRect/>
+          </a:stretch>
+        </p:blipFill>
+        <p:spPr>
+          <a:xfrm>
+            <a:off x="7325371" y="704589"/>
+            <a:ext cx="2514841" cy="5448822"/>
+          </a:xfrm>
+          <a:prstGeom prst="rect">
+            <a:avLst/>
+          </a:prstGeom>
+        </p:spPr>
+      </p:pic>
+      <p:sp>
+        <p:nvSpPr>
+          <p:cNvPr id="4" name="Foliennummernplatzhalter 3">
+            <a:extLst>
+              <a:ext uri="{FF2B5EF4-FFF2-40B4-BE49-F238E27FC236}">
+                <a16:creationId xmlns:a16="http://schemas.microsoft.com/office/drawing/2014/main" id="{F9836F3C-53D9-4888-8E7B-CE1A797F9F28}"/>
+              </a:ext>
+            </a:extLst>
+          </p:cNvPr>
+          <p:cNvSpPr>
+            <a:spLocks noGrp="1"/>
+          </p:cNvSpPr>
+          <p:nvPr>
+            <p:ph type="sldNum" sz="quarter" idx="12"/>
+          </p:nvPr>
+        </p:nvSpPr>
+        <p:spPr/>
+        <p:txBody>
+          <a:bodyPr/>
+          <a:lstStyle/>
+          <a:p>
+            <a:fld id="{519954A3-9DFD-4C44-94BA-B95130A3BA1C}" type="slidenum">
+              <a:rPr lang="en-US" smtClean="0"/>
+              <a:t>12</a:t>
             </a:fld>
             <a:endParaRPr lang="en-US" dirty="0"/>
           </a:p>
@@ -4601,7 +5637,7 @@
         </p:nvSpPr>
         <p:spPr>
           <a:xfrm>
-            <a:off x="8303186" y="369882"/>
+            <a:off x="7633043" y="540214"/>
             <a:ext cx="323447" cy="422012"/>
           </a:xfrm>
           <a:prstGeom prst="downArrow">
@@ -4709,7 +5745,7 @@
 </p:sld>
 </file>
 
-<file path=ppt/slides/slide11.xml><?xml version="1.0" encoding="utf-8"?>
+<file path=ppt/slides/slide13.xml><?xml version="1.0" encoding="utf-8"?>
 <p:sld xmlns:a="http://schemas.openxmlformats.org/drawingml/2006/main" xmlns:r="http://schemas.openxmlformats.org/officeDocument/2006/relationships" xmlns:p="http://schemas.openxmlformats.org/presentationml/2006/main">
   <p:cSld>
     <p:spTree>
@@ -4950,7 +5986,7 @@
           <a:p>
             <a:fld id="{519954A3-9DFD-4C44-94BA-B95130A3BA1C}" type="slidenum">
               <a:rPr lang="en-US" smtClean="0"/>
-              <a:t>11</a:t>
+              <a:t>13</a:t>
             </a:fld>
             <a:endParaRPr lang="en-US" dirty="0"/>
           </a:p>
@@ -4958,10 +5994,10 @@
       </p:sp>
       <p:pic>
         <p:nvPicPr>
-          <p:cNvPr id="5" name="Grafik 4">
+          <p:cNvPr id="6" name="Grafik 5">
             <a:extLst>
               <a:ext uri="{FF2B5EF4-FFF2-40B4-BE49-F238E27FC236}">
-                <a16:creationId xmlns:a16="http://schemas.microsoft.com/office/drawing/2014/main" id="{492D6A86-51A3-4936-A3D3-DAD0A4E3EDF8}"/>
+                <a16:creationId xmlns:a16="http://schemas.microsoft.com/office/drawing/2014/main" id="{96528DAE-9056-4411-8B82-404127B13406}"/>
               </a:ext>
             </a:extLst>
           </p:cNvPr>
@@ -4970,16 +6006,15 @@
           </p:cNvPicPr>
           <p:nvPr/>
         </p:nvPicPr>
-        <p:blipFill>
+        <p:blipFill rotWithShape="1">
           <a:blip r:embed="rId2"/>
-          <a:stretch>
-            <a:fillRect/>
-          </a:stretch>
+          <a:srcRect l="5856"/>
+          <a:stretch/>
         </p:blipFill>
         <p:spPr>
           <a:xfrm>
-            <a:off x="1722013" y="3469050"/>
-            <a:ext cx="7542797" cy="2722918"/>
+            <a:off x="1748961" y="3232694"/>
+            <a:ext cx="8694078" cy="3040693"/>
           </a:xfrm>
           <a:prstGeom prst="rect">
             <a:avLst/>
@@ -5244,6 +6279,18 @@
             <a:endParaRPr lang="de-DE" dirty="0"/>
           </a:p>
           <a:p>
+            <a:r>
+              <a:rPr lang="de-DE" dirty="0"/>
+              <a:t>Bluetooth Classic</a:t>
+            </a:r>
+          </a:p>
+          <a:p>
+            <a:r>
+              <a:rPr lang="de-DE" dirty="0"/>
+              <a:t>PM1, PM2.5, PM10</a:t>
+            </a:r>
+          </a:p>
+          <a:p>
             <a:pPr marL="0" indent="0">
               <a:buNone/>
             </a:pPr>
@@ -5274,7 +6321,7 @@
           <a:p>
             <a:fld id="{9B7FDC79-3A10-4D3E-8D3A-910B010F3C2E}" type="datetime1">
               <a:rPr lang="de-DE" smtClean="0"/>
-              <a:t>04.03.2021</a:t>
+              <a:t>02.06.2022</a:t>
             </a:fld>
             <a:endParaRPr lang="de-DE"/>
           </a:p>
@@ -5364,8 +6411,12 @@
           <a:lstStyle/>
           <a:p>
             <a:r>
+              <a:rPr lang="de-DE" dirty="0" err="1"/>
+              <a:t>AirBeam</a:t>
+            </a:r>
+            <a:r>
               <a:rPr lang="de-DE" dirty="0"/>
-              <a:t>AirBeam2</a:t>
+              <a:t> 2</a:t>
             </a:r>
           </a:p>
         </p:txBody>
@@ -5399,8 +6450,8 @@
         </p:blipFill>
         <p:spPr bwMode="auto">
           <a:xfrm>
-            <a:off x="8745777" y="2501611"/>
-            <a:ext cx="2608023" cy="3690357"/>
+            <a:off x="8214943" y="2120595"/>
+            <a:ext cx="2731228" cy="3864693"/>
           </a:xfrm>
           <a:prstGeom prst="rect">
             <a:avLst/>
@@ -5417,6 +6468,51 @@
           </a:extLst>
         </p:spPr>
       </p:pic>
+      <p:sp>
+        <p:nvSpPr>
+          <p:cNvPr id="8" name="AutoShape 4" descr="https://www.habitatmap.org/assets/img/airbeam-buy-it-now.jpg?nf_resize=fit&amp;w=750">
+            <a:extLst>
+              <a:ext uri="{FF2B5EF4-FFF2-40B4-BE49-F238E27FC236}">
+                <a16:creationId xmlns:a16="http://schemas.microsoft.com/office/drawing/2014/main" id="{6BD95D20-FADF-4EC8-99AC-EF9583BA81AF}"/>
+              </a:ext>
+            </a:extLst>
+          </p:cNvPr>
+          <p:cNvSpPr>
+            <a:spLocks noChangeAspect="1" noChangeArrowheads="1"/>
+          </p:cNvSpPr>
+          <p:nvPr/>
+        </p:nvSpPr>
+        <p:spPr bwMode="auto">
+          <a:xfrm>
+            <a:off x="5943600" y="3276600"/>
+            <a:ext cx="304800" cy="304800"/>
+          </a:xfrm>
+          <a:prstGeom prst="rect">
+            <a:avLst/>
+          </a:prstGeom>
+          <a:noFill/>
+          <a:extLst>
+            <a:ext uri="{909E8E84-426E-40DD-AFC4-6F175D3DCCD1}">
+              <a14:hiddenFill xmlns:a14="http://schemas.microsoft.com/office/drawing/2010/main">
+                <a:solidFill>
+                  <a:srgbClr val="FFFFFF"/>
+                </a:solidFill>
+              </a14:hiddenFill>
+            </a:ext>
+          </a:extLst>
+        </p:spPr>
+        <p:txBody>
+          <a:bodyPr vert="horz" wrap="square" lIns="91440" tIns="45720" rIns="91440" bIns="45720" numCol="1" anchor="t" anchorCtr="0" compatLnSpc="1">
+            <a:prstTxWarp prst="textNoShape">
+              <a:avLst/>
+            </a:prstTxWarp>
+          </a:bodyPr>
+          <a:lstStyle/>
+          <a:p>
+            <a:endParaRPr lang="de-DE"/>
+          </a:p>
+        </p:txBody>
+      </p:sp>
     </p:spTree>
     <p:extLst>
       <p:ext uri="{BB962C8B-B14F-4D97-AF65-F5344CB8AC3E}">
@@ -5449,10 +6545,10 @@
       </p:grpSpPr>
       <p:sp>
         <p:nvSpPr>
-          <p:cNvPr id="2" name="Titel 1">
+          <p:cNvPr id="2" name="Inhaltsplatzhalter 1">
             <a:extLst>
               <a:ext uri="{FF2B5EF4-FFF2-40B4-BE49-F238E27FC236}">
-                <a16:creationId xmlns:a16="http://schemas.microsoft.com/office/drawing/2014/main" id="{9264AD3F-86AB-4360-883C-56271EA2C893}"/>
+                <a16:creationId xmlns:a16="http://schemas.microsoft.com/office/drawing/2014/main" id="{0DC71F74-59E1-47A9-B00C-20F0C24F1952}"/>
               </a:ext>
             </a:extLst>
           </p:cNvPr>
@@ -5460,7 +6556,7 @@
             <a:spLocks noGrp="1"/>
           </p:cNvSpPr>
           <p:nvPr>
-            <p:ph type="title"/>
+            <p:ph idx="1"/>
           </p:nvPr>
         </p:nvSpPr>
         <p:spPr/>
@@ -5469,26 +6565,36 @@
           <a:lstStyle/>
           <a:p>
             <a:r>
+              <a:rPr lang="de-DE" dirty="0">
+                <a:hlinkClick r:id="rId2"/>
+              </a:rPr>
+              <a:t>https://www.habitatmap.org/airbeam</a:t>
+            </a:r>
+            <a:endParaRPr lang="de-DE" dirty="0"/>
+          </a:p>
+          <a:p>
+            <a:r>
               <a:rPr lang="de-DE" dirty="0"/>
-              <a:t>App – </a:t>
-            </a:r>
-            <a:r>
-              <a:rPr lang="de-DE" dirty="0" err="1"/>
-              <a:t>Permissions</a:t>
-            </a:r>
+              <a:t>Bluetooth LE</a:t>
+            </a:r>
+          </a:p>
+          <a:p>
             <a:r>
               <a:rPr lang="de-DE" dirty="0"/>
-              <a:t> - Location</a:t>
-            </a:r>
-          </a:p>
-        </p:txBody>
-      </p:sp>
-      <p:sp>
-        <p:nvSpPr>
-          <p:cNvPr id="3" name="Inhaltsplatzhalter 2">
+              <a:t>PM1, PM2.5, PM10</a:t>
+            </a:r>
+          </a:p>
+          <a:p>
+            <a:endParaRPr lang="de-DE" dirty="0"/>
+          </a:p>
+        </p:txBody>
+      </p:sp>
+      <p:sp>
+        <p:nvSpPr>
+          <p:cNvPr id="3" name="Datumsplatzhalter 2">
             <a:extLst>
               <a:ext uri="{FF2B5EF4-FFF2-40B4-BE49-F238E27FC236}">
-                <a16:creationId xmlns:a16="http://schemas.microsoft.com/office/drawing/2014/main" id="{C42120DB-69B1-465B-B677-085C180D6509}"/>
+                <a16:creationId xmlns:a16="http://schemas.microsoft.com/office/drawing/2014/main" id="{11ED001F-D4D8-462E-B453-3EA1BA65AEDA}"/>
               </a:ext>
             </a:extLst>
           </p:cNvPr>
@@ -5496,138 +6602,28 @@
             <a:spLocks noGrp="1"/>
           </p:cNvSpPr>
           <p:nvPr>
-            <p:ph idx="1"/>
-          </p:nvPr>
-        </p:nvSpPr>
-        <p:spPr>
-          <a:xfrm>
-            <a:off x="838200" y="2327275"/>
-            <a:ext cx="4466573" cy="3864693"/>
-          </a:xfrm>
-        </p:spPr>
+            <p:ph type="dt" sz="half" idx="10"/>
+          </p:nvPr>
+        </p:nvSpPr>
+        <p:spPr/>
         <p:txBody>
           <a:bodyPr/>
           <a:lstStyle/>
           <a:p>
-            <a:r>
-              <a:rPr lang="de-DE" sz="1600" dirty="0"/>
-              <a:t>App </a:t>
-            </a:r>
-            <a:r>
-              <a:rPr lang="de-DE" sz="1600" dirty="0" err="1"/>
-              <a:t>uses</a:t>
-            </a:r>
-            <a:r>
-              <a:rPr lang="de-DE" sz="1600" dirty="0"/>
-              <a:t> </a:t>
-            </a:r>
-            <a:r>
-              <a:rPr lang="de-DE" sz="1600" dirty="0" err="1"/>
-              <a:t>location</a:t>
-            </a:r>
-            <a:r>
-              <a:rPr lang="de-DE" sz="1600" dirty="0"/>
-              <a:t> </a:t>
-            </a:r>
-            <a:r>
-              <a:rPr lang="de-DE" sz="1600" dirty="0" err="1"/>
-              <a:t>services</a:t>
-            </a:r>
-            <a:r>
-              <a:rPr lang="de-DE" sz="1600" dirty="0"/>
-              <a:t> and </a:t>
-            </a:r>
-            <a:r>
-              <a:rPr lang="de-DE" sz="1600" dirty="0" err="1"/>
-              <a:t>within</a:t>
-            </a:r>
-            <a:r>
-              <a:rPr lang="de-DE" sz="1600" dirty="0"/>
-              <a:t> a </a:t>
-            </a:r>
-            <a:r>
-              <a:rPr lang="de-DE" sz="1600" dirty="0" err="1"/>
-              <a:t>foreground</a:t>
-            </a:r>
-            <a:r>
-              <a:rPr lang="de-DE" sz="1600" dirty="0"/>
-              <a:t> </a:t>
-            </a:r>
-            <a:r>
-              <a:rPr lang="de-DE" sz="1600" dirty="0" err="1"/>
-              <a:t>service</a:t>
-            </a:r>
-            <a:r>
-              <a:rPr lang="de-DE" sz="1600" dirty="0"/>
-              <a:t> </a:t>
-            </a:r>
-            <a:r>
-              <a:rPr lang="de-DE" sz="1600" dirty="0" err="1"/>
-              <a:t>when</a:t>
-            </a:r>
-            <a:r>
-              <a:rPr lang="de-DE" sz="1600" dirty="0"/>
-              <a:t> </a:t>
-            </a:r>
-            <a:r>
-              <a:rPr lang="de-DE" sz="1600" dirty="0" err="1"/>
-              <a:t>active</a:t>
-            </a:r>
-            <a:r>
-              <a:rPr lang="de-DE" sz="1600" dirty="0"/>
-              <a:t> - </a:t>
-            </a:r>
-            <a:r>
-              <a:rPr lang="de-DE" sz="1600" dirty="0" err="1"/>
-              <a:t>no</a:t>
-            </a:r>
-            <a:r>
-              <a:rPr lang="de-DE" sz="1600" dirty="0"/>
-              <a:t> </a:t>
-            </a:r>
-            <a:r>
-              <a:rPr lang="de-DE" sz="1600" dirty="0" err="1"/>
-              <a:t>hidden</a:t>
-            </a:r>
-            <a:r>
-              <a:rPr lang="de-DE" sz="1600" dirty="0"/>
-              <a:t> </a:t>
-            </a:r>
-            <a:r>
-              <a:rPr lang="de-DE" sz="1600" dirty="0" err="1"/>
-              <a:t>location</a:t>
-            </a:r>
-            <a:r>
-              <a:rPr lang="de-DE" sz="1600" dirty="0"/>
-              <a:t> </a:t>
-            </a:r>
-            <a:r>
-              <a:rPr lang="de-DE" sz="1600" dirty="0" err="1"/>
-              <a:t>tracking</a:t>
-            </a:r>
-            <a:endParaRPr lang="de-DE" sz="1600" dirty="0"/>
-          </a:p>
-          <a:p>
-            <a:r>
-              <a:rPr lang="en-US" sz="1600" dirty="0"/>
-              <a:t>Select “Allowed only while in use” when asked for permission</a:t>
-            </a:r>
-            <a:endParaRPr lang="de-DE" sz="1600" dirty="0"/>
-          </a:p>
-          <a:p>
-            <a:pPr marL="0" indent="0">
-              <a:buNone/>
-            </a:pPr>
-            <a:endParaRPr lang="de-DE" dirty="0"/>
-          </a:p>
-        </p:txBody>
-      </p:sp>
-      <p:sp>
-        <p:nvSpPr>
-          <p:cNvPr id="4" name="Foliennummernplatzhalter 3">
+            <a:fld id="{9B7FDC79-3A10-4D3E-8D3A-910B010F3C2E}" type="datetime1">
+              <a:rPr lang="de-DE" smtClean="0"/>
+              <a:t>02.06.2022</a:t>
+            </a:fld>
+            <a:endParaRPr lang="de-DE"/>
+          </a:p>
+        </p:txBody>
+      </p:sp>
+      <p:sp>
+        <p:nvSpPr>
+          <p:cNvPr id="4" name="Fußzeilenplatzhalter 3">
             <a:extLst>
               <a:ext uri="{FF2B5EF4-FFF2-40B4-BE49-F238E27FC236}">
-                <a16:creationId xmlns:a16="http://schemas.microsoft.com/office/drawing/2014/main" id="{3D9D80E7-CB1C-47A0-996A-1DC6B992F558}"/>
+                <a16:creationId xmlns:a16="http://schemas.microsoft.com/office/drawing/2014/main" id="{147268A8-2178-40E9-8D85-758F625E113D}"/>
               </a:ext>
             </a:extLst>
           </p:cNvPr>
@@ -5635,6 +6631,34 @@
             <a:spLocks noGrp="1"/>
           </p:cNvSpPr>
           <p:nvPr>
+            <p:ph type="ftr" sz="quarter" idx="11"/>
+          </p:nvPr>
+        </p:nvSpPr>
+        <p:spPr/>
+        <p:txBody>
+          <a:bodyPr/>
+          <a:lstStyle/>
+          <a:p>
+            <a:r>
+              <a:rPr lang="de-DE"/>
+              <a:t>InfAI</a:t>
+            </a:r>
+          </a:p>
+        </p:txBody>
+      </p:sp>
+      <p:sp>
+        <p:nvSpPr>
+          <p:cNvPr id="5" name="Foliennummernplatzhalter 4">
+            <a:extLst>
+              <a:ext uri="{FF2B5EF4-FFF2-40B4-BE49-F238E27FC236}">
+                <a16:creationId xmlns:a16="http://schemas.microsoft.com/office/drawing/2014/main" id="{714FD128-98D8-4BCE-9DB1-F35DB4A31D65}"/>
+              </a:ext>
+            </a:extLst>
+          </p:cNvPr>
+          <p:cNvSpPr>
+            <a:spLocks noGrp="1"/>
+          </p:cNvSpPr>
+          <p:nvPr>
             <p:ph type="sldNum" sz="quarter" idx="12"/>
           </p:nvPr>
         </p:nvSpPr>
@@ -5643,98 +6667,144 @@
           <a:bodyPr/>
           <a:lstStyle/>
           <a:p>
-            <a:fld id="{519954A3-9DFD-4C44-94BA-B95130A3BA1C}" type="slidenum">
-              <a:rPr lang="en-US" smtClean="0"/>
+            <a:fld id="{C6EF3B3B-EC1F-4A1A-87ED-86BA59647E28}" type="slidenum">
+              <a:rPr lang="de-DE" smtClean="0"/>
               <a:t>4</a:t>
             </a:fld>
-            <a:endParaRPr lang="en-US" dirty="0"/>
+            <a:endParaRPr lang="de-DE"/>
+          </a:p>
+        </p:txBody>
+      </p:sp>
+      <p:sp>
+        <p:nvSpPr>
+          <p:cNvPr id="6" name="Titel 5">
+            <a:extLst>
+              <a:ext uri="{FF2B5EF4-FFF2-40B4-BE49-F238E27FC236}">
+                <a16:creationId xmlns:a16="http://schemas.microsoft.com/office/drawing/2014/main" id="{710B8FCA-CCDE-4D5C-B716-53FA59430EFA}"/>
+              </a:ext>
+            </a:extLst>
+          </p:cNvPr>
+          <p:cNvSpPr>
+            <a:spLocks noGrp="1"/>
+          </p:cNvSpPr>
+          <p:nvPr>
+            <p:ph type="title"/>
+          </p:nvPr>
+        </p:nvSpPr>
+        <p:spPr/>
+        <p:txBody>
+          <a:bodyPr/>
+          <a:lstStyle/>
+          <a:p>
+            <a:r>
+              <a:rPr lang="de-DE" dirty="0" err="1"/>
+              <a:t>AirBeam</a:t>
+            </a:r>
+            <a:r>
+              <a:rPr lang="de-DE" dirty="0"/>
+              <a:t> 3</a:t>
+            </a:r>
           </a:p>
         </p:txBody>
       </p:sp>
       <p:pic>
         <p:nvPicPr>
-          <p:cNvPr id="7" name="Inhaltsplatzhalter 7">
+          <p:cNvPr id="2050" name="Picture 2" descr="https://www.habitatmap.org/images/uploads/ab3features-dimensions.png?nf_resize=fit&amp;w=1200">
             <a:extLst>
               <a:ext uri="{FF2B5EF4-FFF2-40B4-BE49-F238E27FC236}">
-                <a16:creationId xmlns:a16="http://schemas.microsoft.com/office/drawing/2014/main" id="{6DDBCE55-C144-4576-83D2-8FE71E36844D}"/>
+                <a16:creationId xmlns:a16="http://schemas.microsoft.com/office/drawing/2014/main" id="{D643B513-E701-41A6-8BD5-C2102AFE40A9}"/>
               </a:ext>
             </a:extLst>
           </p:cNvPr>
           <p:cNvPicPr>
-            <a:picLocks noChangeAspect="1"/>
+            <a:picLocks noChangeAspect="1" noChangeArrowheads="1"/>
           </p:cNvPicPr>
           <p:nvPr/>
         </p:nvPicPr>
         <p:blipFill>
-          <a:blip r:embed="rId2"/>
+          <a:blip r:embed="rId3" cstate="print">
+            <a:extLst>
+              <a:ext uri="{28A0092B-C50C-407E-A947-70E740481C1C}">
+                <a14:useLocalDpi xmlns:a14="http://schemas.microsoft.com/office/drawing/2010/main" val="0"/>
+              </a:ext>
+            </a:extLst>
+          </a:blip>
+          <a:srcRect/>
           <a:stretch>
             <a:fillRect/>
           </a:stretch>
         </p:blipFill>
-        <p:spPr>
+        <p:spPr bwMode="auto">
           <a:xfrm>
-            <a:off x="8430087" y="2170399"/>
-            <a:ext cx="1888266" cy="3881437"/>
+            <a:off x="8301827" y="3352647"/>
+            <a:ext cx="2316504" cy="2996197"/>
           </a:xfrm>
           <a:prstGeom prst="rect">
             <a:avLst/>
           </a:prstGeom>
+          <a:noFill/>
+          <a:extLst>
+            <a:ext uri="{909E8E84-426E-40DD-AFC4-6F175D3DCCD1}">
+              <a14:hiddenFill xmlns:a14="http://schemas.microsoft.com/office/drawing/2010/main">
+                <a:solidFill>
+                  <a:srgbClr val="FFFFFF"/>
+                </a:solidFill>
+              </a14:hiddenFill>
+            </a:ext>
+          </a:extLst>
         </p:spPr>
       </p:pic>
-      <p:sp>
-        <p:nvSpPr>
-          <p:cNvPr id="8" name="Pfeil: nach unten 7">
+      <p:pic>
+        <p:nvPicPr>
+          <p:cNvPr id="2052" name="Picture 4" descr="Airbeam">
             <a:extLst>
               <a:ext uri="{FF2B5EF4-FFF2-40B4-BE49-F238E27FC236}">
-                <a16:creationId xmlns:a16="http://schemas.microsoft.com/office/drawing/2014/main" id="{15B21F98-89CC-40E4-9163-3707FB1A6DB9}"/>
+                <a16:creationId xmlns:a16="http://schemas.microsoft.com/office/drawing/2014/main" id="{609DBB0D-75DF-4007-9C7E-6BB86F2A717C}"/>
               </a:ext>
             </a:extLst>
           </p:cNvPr>
-          <p:cNvSpPr/>
+          <p:cNvPicPr>
+            <a:picLocks noChangeAspect="1" noChangeArrowheads="1"/>
+          </p:cNvPicPr>
           <p:nvPr/>
-        </p:nvSpPr>
-        <p:spPr>
-          <a:xfrm rot="5400000">
-            <a:off x="10462038" y="5141415"/>
-            <a:ext cx="323447" cy="422012"/>
+        </p:nvPicPr>
+        <p:blipFill>
+          <a:blip r:embed="rId4">
+            <a:extLst>
+              <a:ext uri="{28A0092B-C50C-407E-A947-70E740481C1C}">
+                <a14:useLocalDpi xmlns:a14="http://schemas.microsoft.com/office/drawing/2010/main" val="0"/>
+              </a:ext>
+            </a:extLst>
+          </a:blip>
+          <a:srcRect/>
+          <a:stretch>
+            <a:fillRect/>
+          </a:stretch>
+        </p:blipFill>
+        <p:spPr bwMode="auto">
+          <a:xfrm>
+            <a:off x="7155355" y="188613"/>
+            <a:ext cx="4609448" cy="3072965"/>
           </a:xfrm>
-          <a:prstGeom prst="downArrow">
+          <a:prstGeom prst="rect">
             <a:avLst/>
           </a:prstGeom>
+          <a:noFill/>
+          <a:extLst>
+            <a:ext uri="{909E8E84-426E-40DD-AFC4-6F175D3DCCD1}">
+              <a14:hiddenFill xmlns:a14="http://schemas.microsoft.com/office/drawing/2010/main">
+                <a:solidFill>
+                  <a:srgbClr val="FFFFFF"/>
+                </a:solidFill>
+              </a14:hiddenFill>
+            </a:ext>
+          </a:extLst>
         </p:spPr>
-        <p:style>
-          <a:lnRef idx="2">
-            <a:schemeClr val="accent1">
-              <a:shade val="50000"/>
-            </a:schemeClr>
-          </a:lnRef>
-          <a:fillRef idx="1">
-            <a:schemeClr val="accent1"/>
-          </a:fillRef>
-          <a:effectRef idx="0">
-            <a:schemeClr val="accent1"/>
-          </a:effectRef>
-          <a:fontRef idx="minor">
-            <a:schemeClr val="lt1"/>
-          </a:fontRef>
-        </p:style>
-        <p:txBody>
-          <a:bodyPr rot="0" spcFirstLastPara="0" vert="horz" wrap="square" lIns="91440" tIns="45720" rIns="91440" bIns="45720" numCol="1" spcCol="0" rtlCol="0" fromWordArt="0" anchor="ctr" anchorCtr="0" forceAA="0" compatLnSpc="1">
-            <a:prstTxWarp prst="textNoShape">
-              <a:avLst/>
-            </a:prstTxWarp>
-            <a:noAutofit/>
-          </a:bodyPr>
-          <a:lstStyle/>
-          <a:p>
-            <a:endParaRPr lang="de-DE"/>
-          </a:p>
-        </p:txBody>
-      </p:sp>
+      </p:pic>
     </p:spTree>
     <p:extLst>
       <p:ext uri="{BB962C8B-B14F-4D97-AF65-F5344CB8AC3E}">
-        <p14:creationId xmlns:p14="http://schemas.microsoft.com/office/powerpoint/2010/main" val="2818590253"/>
+        <p14:creationId xmlns:p14="http://schemas.microsoft.com/office/powerpoint/2010/main" val="4245699886"/>
       </p:ext>
     </p:extLst>
   </p:cSld>
@@ -5761,118 +6831,168 @@
           <a:chExt cx="0" cy="0"/>
         </a:xfrm>
       </p:grpSpPr>
-      <p:grpSp>
-        <p:nvGrpSpPr>
-          <p:cNvPr id="24" name="Gruppieren 23">
+      <p:sp>
+        <p:nvSpPr>
+          <p:cNvPr id="2" name="Inhaltsplatzhalter 1">
             <a:extLst>
               <a:ext uri="{FF2B5EF4-FFF2-40B4-BE49-F238E27FC236}">
-                <a16:creationId xmlns:a16="http://schemas.microsoft.com/office/drawing/2014/main" id="{2A0680BB-A03A-4871-9669-A3A68CFDA1F8}"/>
+                <a16:creationId xmlns:a16="http://schemas.microsoft.com/office/drawing/2014/main" id="{A2EA18B8-E1C8-435F-88D5-A46DC6FF07DA}"/>
               </a:ext>
             </a:extLst>
           </p:cNvPr>
-          <p:cNvGrpSpPr/>
-          <p:nvPr/>
-        </p:nvGrpSpPr>
-        <p:grpSpPr>
+          <p:cNvSpPr>
+            <a:spLocks noGrp="1"/>
+          </p:cNvSpPr>
+          <p:nvPr>
+            <p:ph idx="1"/>
+          </p:nvPr>
+        </p:nvSpPr>
+        <p:spPr>
           <a:xfrm>
-            <a:off x="9822143" y="2486416"/>
-            <a:ext cx="1791354" cy="3682229"/>
-            <a:chOff x="8168706" y="1743409"/>
-            <a:chExt cx="2436176" cy="5007697"/>
+            <a:off x="838200" y="2327275"/>
+            <a:ext cx="7065723" cy="3864693"/>
           </a:xfrm>
-        </p:grpSpPr>
-        <p:pic>
-          <p:nvPicPr>
-            <p:cNvPr id="22" name="Grafik 21">
-              <a:extLst>
-                <a:ext uri="{FF2B5EF4-FFF2-40B4-BE49-F238E27FC236}">
-                  <a16:creationId xmlns:a16="http://schemas.microsoft.com/office/drawing/2014/main" id="{EBFAD278-F71E-422C-91FB-93DDFA0DF54E}"/>
-                </a:ext>
-              </a:extLst>
-            </p:cNvPr>
-            <p:cNvPicPr>
-              <a:picLocks noChangeAspect="1"/>
-            </p:cNvPicPr>
-            <p:nvPr/>
-          </p:nvPicPr>
-          <p:blipFill>
-            <a:blip r:embed="rId2"/>
-            <a:stretch>
-              <a:fillRect/>
-            </a:stretch>
-          </p:blipFill>
-          <p:spPr>
-            <a:xfrm>
-              <a:off x="8168706" y="1743409"/>
-              <a:ext cx="2436176" cy="5007697"/>
-            </a:xfrm>
-            <a:prstGeom prst="rect">
-              <a:avLst/>
-            </a:prstGeom>
-            <a:ln>
-              <a:solidFill>
-                <a:schemeClr val="tx1"/>
-              </a:solidFill>
-            </a:ln>
-          </p:spPr>
-        </p:pic>
-        <p:sp>
-          <p:nvSpPr>
-            <p:cNvPr id="23" name="Pfeil: nach unten 22">
-              <a:extLst>
-                <a:ext uri="{FF2B5EF4-FFF2-40B4-BE49-F238E27FC236}">
-                  <a16:creationId xmlns:a16="http://schemas.microsoft.com/office/drawing/2014/main" id="{915537C9-C652-4536-A534-86F72AEB8490}"/>
-                </a:ext>
-              </a:extLst>
-            </p:cNvPr>
-            <p:cNvSpPr/>
-            <p:nvPr/>
-          </p:nvSpPr>
-          <p:spPr>
-            <a:xfrm rot="16200000">
-              <a:off x="9477650" y="2465376"/>
-              <a:ext cx="323447" cy="422012"/>
-            </a:xfrm>
-            <a:prstGeom prst="downArrow">
-              <a:avLst/>
-            </a:prstGeom>
-          </p:spPr>
-          <p:style>
-            <a:lnRef idx="2">
-              <a:schemeClr val="accent1">
-                <a:shade val="50000"/>
-              </a:schemeClr>
-            </a:lnRef>
-            <a:fillRef idx="1">
-              <a:schemeClr val="accent1"/>
-            </a:fillRef>
-            <a:effectRef idx="0">
-              <a:schemeClr val="accent1"/>
-            </a:effectRef>
-            <a:fontRef idx="minor">
-              <a:schemeClr val="lt1"/>
-            </a:fontRef>
-          </p:style>
-          <p:txBody>
-            <a:bodyPr rot="0" spcFirstLastPara="0" vert="horz" wrap="square" lIns="91440" tIns="45720" rIns="91440" bIns="45720" numCol="1" spcCol="0" rtlCol="0" fromWordArt="0" anchor="ctr" anchorCtr="0" forceAA="0" compatLnSpc="1">
-              <a:prstTxWarp prst="textNoShape">
-                <a:avLst/>
-              </a:prstTxWarp>
-              <a:noAutofit/>
-            </a:bodyPr>
-            <a:lstStyle/>
-            <a:p>
-              <a:endParaRPr lang="de-DE" dirty="0"/>
-            </a:p>
-          </p:txBody>
-        </p:sp>
-      </p:grpSp>
-      <p:sp>
-        <p:nvSpPr>
-          <p:cNvPr id="2" name="Titel 1">
+        </p:spPr>
+        <p:txBody>
+          <a:bodyPr/>
+          <a:lstStyle/>
+          <a:p>
+            <a:r>
+              <a:rPr lang="de-DE" dirty="0">
+                <a:hlinkClick r:id="rId2"/>
+              </a:rPr>
+              <a:t>https://ruuvi.com/</a:t>
+            </a:r>
+            <a:endParaRPr lang="de-DE" dirty="0"/>
+          </a:p>
+          <a:p>
+            <a:r>
+              <a:rPr lang="de-DE" dirty="0"/>
+              <a:t>BLE </a:t>
+            </a:r>
+            <a:r>
+              <a:rPr lang="de-DE" dirty="0" err="1"/>
+              <a:t>Beacon</a:t>
+            </a:r>
+            <a:endParaRPr lang="de-DE" dirty="0"/>
+          </a:p>
+          <a:p>
+            <a:r>
+              <a:rPr lang="de-DE" dirty="0" err="1"/>
+              <a:t>Temperature</a:t>
+            </a:r>
+            <a:r>
+              <a:rPr lang="de-DE" dirty="0"/>
+              <a:t>, </a:t>
+            </a:r>
+            <a:r>
+              <a:rPr lang="de-DE" dirty="0" err="1"/>
+              <a:t>Humidity</a:t>
+            </a:r>
+            <a:r>
+              <a:rPr lang="de-DE" dirty="0"/>
+              <a:t>, Air </a:t>
+            </a:r>
+            <a:r>
+              <a:rPr lang="de-DE" dirty="0" err="1"/>
+              <a:t>Pressure</a:t>
+            </a:r>
+            <a:endParaRPr lang="de-DE" dirty="0"/>
+          </a:p>
+        </p:txBody>
+      </p:sp>
+      <p:sp>
+        <p:nvSpPr>
+          <p:cNvPr id="3" name="Datumsplatzhalter 2">
             <a:extLst>
               <a:ext uri="{FF2B5EF4-FFF2-40B4-BE49-F238E27FC236}">
-                <a16:creationId xmlns:a16="http://schemas.microsoft.com/office/drawing/2014/main" id="{7A2E130B-94E8-4CAA-B302-7DE06D746F64}"/>
+                <a16:creationId xmlns:a16="http://schemas.microsoft.com/office/drawing/2014/main" id="{89BBE96F-580B-4408-8074-D09B927AF84E}"/>
+              </a:ext>
+            </a:extLst>
+          </p:cNvPr>
+          <p:cNvSpPr>
+            <a:spLocks noGrp="1"/>
+          </p:cNvSpPr>
+          <p:nvPr>
+            <p:ph type="dt" sz="half" idx="10"/>
+          </p:nvPr>
+        </p:nvSpPr>
+        <p:spPr/>
+        <p:txBody>
+          <a:bodyPr/>
+          <a:lstStyle/>
+          <a:p>
+            <a:fld id="{9B7FDC79-3A10-4D3E-8D3A-910B010F3C2E}" type="datetime1">
+              <a:rPr lang="de-DE" smtClean="0"/>
+              <a:t>02.06.2022</a:t>
+            </a:fld>
+            <a:endParaRPr lang="de-DE"/>
+          </a:p>
+        </p:txBody>
+      </p:sp>
+      <p:sp>
+        <p:nvSpPr>
+          <p:cNvPr id="4" name="Fußzeilenplatzhalter 3">
+            <a:extLst>
+              <a:ext uri="{FF2B5EF4-FFF2-40B4-BE49-F238E27FC236}">
+                <a16:creationId xmlns:a16="http://schemas.microsoft.com/office/drawing/2014/main" id="{D0A77508-E411-47F1-A6A7-99B1389931F6}"/>
+              </a:ext>
+            </a:extLst>
+          </p:cNvPr>
+          <p:cNvSpPr>
+            <a:spLocks noGrp="1"/>
+          </p:cNvSpPr>
+          <p:nvPr>
+            <p:ph type="ftr" sz="quarter" idx="11"/>
+          </p:nvPr>
+        </p:nvSpPr>
+        <p:spPr/>
+        <p:txBody>
+          <a:bodyPr/>
+          <a:lstStyle/>
+          <a:p>
+            <a:r>
+              <a:rPr lang="de-DE"/>
+              <a:t>InfAI</a:t>
+            </a:r>
+          </a:p>
+        </p:txBody>
+      </p:sp>
+      <p:sp>
+        <p:nvSpPr>
+          <p:cNvPr id="5" name="Foliennummernplatzhalter 4">
+            <a:extLst>
+              <a:ext uri="{FF2B5EF4-FFF2-40B4-BE49-F238E27FC236}">
+                <a16:creationId xmlns:a16="http://schemas.microsoft.com/office/drawing/2014/main" id="{FB7EF22D-1082-4B7F-B5EA-CBE3003266C7}"/>
+              </a:ext>
+            </a:extLst>
+          </p:cNvPr>
+          <p:cNvSpPr>
+            <a:spLocks noGrp="1"/>
+          </p:cNvSpPr>
+          <p:nvPr>
+            <p:ph type="sldNum" sz="quarter" idx="12"/>
+          </p:nvPr>
+        </p:nvSpPr>
+        <p:spPr/>
+        <p:txBody>
+          <a:bodyPr/>
+          <a:lstStyle/>
+          <a:p>
+            <a:fld id="{C6EF3B3B-EC1F-4A1A-87ED-86BA59647E28}" type="slidenum">
+              <a:rPr lang="de-DE" smtClean="0"/>
+              <a:t>5</a:t>
+            </a:fld>
+            <a:endParaRPr lang="de-DE"/>
+          </a:p>
+        </p:txBody>
+      </p:sp>
+      <p:sp>
+        <p:nvSpPr>
+          <p:cNvPr id="6" name="Titel 5">
+            <a:extLst>
+              <a:ext uri="{FF2B5EF4-FFF2-40B4-BE49-F238E27FC236}">
+                <a16:creationId xmlns:a16="http://schemas.microsoft.com/office/drawing/2014/main" id="{3E7FAD67-5804-47A6-A7CF-ADBE66F1E442}"/>
               </a:ext>
             </a:extLst>
           </p:cNvPr>
@@ -5894,498 +7014,67 @@
           <a:lstStyle/>
           <a:p>
             <a:r>
+              <a:rPr lang="de-DE" dirty="0" err="1"/>
+              <a:t>Ruuvi</a:t>
+            </a:r>
+            <a:r>
               <a:rPr lang="de-DE" dirty="0"/>
-              <a:t>App – Link Sensor (</a:t>
-            </a:r>
-            <a:r>
-              <a:rPr lang="de-DE" dirty="0" err="1"/>
-              <a:t>only</a:t>
-            </a:r>
-            <a:r>
-              <a:rPr lang="de-DE" dirty="0"/>
-              <a:t> </a:t>
-            </a:r>
-            <a:r>
-              <a:rPr lang="de-DE" dirty="0" err="1"/>
-              <a:t>once</a:t>
-            </a:r>
-            <a:r>
-              <a:rPr lang="de-DE" dirty="0"/>
-              <a:t>)</a:t>
-            </a:r>
-          </a:p>
-        </p:txBody>
-      </p:sp>
-      <p:sp>
-        <p:nvSpPr>
-          <p:cNvPr id="3" name="Inhaltsplatzhalter 2">
+              <a:t> Tag</a:t>
+            </a:r>
+          </a:p>
+        </p:txBody>
+      </p:sp>
+      <p:pic>
+        <p:nvPicPr>
+          <p:cNvPr id="1026" name="Picture 2" descr="https://ruuvi.com/i/u/ruuvitag-product-sensors-en.jpg">
             <a:extLst>
               <a:ext uri="{FF2B5EF4-FFF2-40B4-BE49-F238E27FC236}">
-                <a16:creationId xmlns:a16="http://schemas.microsoft.com/office/drawing/2014/main" id="{139C6279-4AF5-4A5E-B910-C568905D5428}"/>
+                <a16:creationId xmlns:a16="http://schemas.microsoft.com/office/drawing/2014/main" id="{176D601C-E662-4BCE-9186-C3A86FEB709E}"/>
               </a:ext>
             </a:extLst>
           </p:cNvPr>
-          <p:cNvSpPr>
-            <a:spLocks noGrp="1"/>
-          </p:cNvSpPr>
-          <p:nvPr>
-            <p:ph idx="1"/>
-          </p:nvPr>
-        </p:nvSpPr>
-        <p:spPr>
+          <p:cNvPicPr>
+            <a:picLocks noChangeAspect="1" noChangeArrowheads="1"/>
+          </p:cNvPicPr>
+          <p:nvPr/>
+        </p:nvPicPr>
+        <p:blipFill>
+          <a:blip r:embed="rId3" cstate="print">
+            <a:extLst>
+              <a:ext uri="{28A0092B-C50C-407E-A947-70E740481C1C}">
+                <a14:useLocalDpi xmlns:a14="http://schemas.microsoft.com/office/drawing/2010/main" val="0"/>
+              </a:ext>
+            </a:extLst>
+          </a:blip>
+          <a:srcRect/>
+          <a:stretch>
+            <a:fillRect/>
+          </a:stretch>
+        </p:blipFill>
+        <p:spPr bwMode="auto">
           <a:xfrm>
-            <a:off x="677334" y="2160589"/>
-            <a:ext cx="4094387" cy="3880773"/>
+            <a:off x="7407057" y="1006193"/>
+            <a:ext cx="4183693" cy="4183693"/>
           </a:xfrm>
+          <a:prstGeom prst="rect">
+            <a:avLst/>
+          </a:prstGeom>
+          <a:noFill/>
+          <a:extLst>
+            <a:ext uri="{909E8E84-426E-40DD-AFC4-6F175D3DCCD1}">
+              <a14:hiddenFill xmlns:a14="http://schemas.microsoft.com/office/drawing/2010/main">
+                <a:solidFill>
+                  <a:srgbClr val="FFFFFF"/>
+                </a:solidFill>
+              </a14:hiddenFill>
+            </a:ext>
+          </a:extLst>
         </p:spPr>
-        <p:txBody>
-          <a:bodyPr>
-            <a:normAutofit/>
-          </a:bodyPr>
-          <a:lstStyle/>
-          <a:p>
-            <a:r>
-              <a:rPr lang="de-DE" sz="1600" dirty="0"/>
-              <a:t>Link AirBeam2 </a:t>
-            </a:r>
-            <a:r>
-              <a:rPr lang="de-DE" sz="1600" dirty="0" err="1"/>
-              <a:t>sensor</a:t>
-            </a:r>
-            <a:r>
-              <a:rPr lang="de-DE" sz="1600" dirty="0"/>
-              <a:t> </a:t>
-            </a:r>
-            <a:r>
-              <a:rPr lang="de-DE" sz="1600" dirty="0" err="1"/>
-              <a:t>with</a:t>
-            </a:r>
-            <a:r>
-              <a:rPr lang="de-DE" sz="1600" dirty="0"/>
-              <a:t> </a:t>
-            </a:r>
-            <a:r>
-              <a:rPr lang="de-DE" sz="1600" dirty="0" err="1"/>
-              <a:t>app</a:t>
-            </a:r>
-            <a:endParaRPr lang="de-DE" sz="1600" dirty="0"/>
-          </a:p>
-        </p:txBody>
-      </p:sp>
-      <p:sp>
-        <p:nvSpPr>
-          <p:cNvPr id="9" name="Foliennummernplatzhalter 8">
-            <a:extLst>
-              <a:ext uri="{FF2B5EF4-FFF2-40B4-BE49-F238E27FC236}">
-                <a16:creationId xmlns:a16="http://schemas.microsoft.com/office/drawing/2014/main" id="{39591CCC-4827-407E-8E7B-BEB99FBB1D9F}"/>
-              </a:ext>
-            </a:extLst>
-          </p:cNvPr>
-          <p:cNvSpPr>
-            <a:spLocks noGrp="1"/>
-          </p:cNvSpPr>
-          <p:nvPr>
-            <p:ph type="sldNum" sz="quarter" idx="12"/>
-          </p:nvPr>
-        </p:nvSpPr>
-        <p:spPr>
-          <a:xfrm>
-            <a:off x="9761300" y="5974005"/>
-            <a:ext cx="2105186" cy="211357"/>
-          </a:xfrm>
-        </p:spPr>
-        <p:txBody>
-          <a:bodyPr/>
-          <a:lstStyle/>
-          <a:p>
-            <a:fld id="{519954A3-9DFD-4C44-94BA-B95130A3BA1C}" type="slidenum">
-              <a:rPr lang="en-US" smtClean="0"/>
-              <a:t>5</a:t>
-            </a:fld>
-            <a:endParaRPr lang="en-US" dirty="0"/>
-          </a:p>
-        </p:txBody>
-      </p:sp>
-      <p:grpSp>
-        <p:nvGrpSpPr>
-          <p:cNvPr id="26" name="Gruppieren 25">
-            <a:extLst>
-              <a:ext uri="{FF2B5EF4-FFF2-40B4-BE49-F238E27FC236}">
-                <a16:creationId xmlns:a16="http://schemas.microsoft.com/office/drawing/2014/main" id="{9BABF69E-B66A-448B-A8F4-3B74745B6FE1}"/>
-              </a:ext>
-            </a:extLst>
-          </p:cNvPr>
-          <p:cNvGrpSpPr/>
-          <p:nvPr/>
-        </p:nvGrpSpPr>
-        <p:grpSpPr>
-          <a:xfrm>
-            <a:off x="5975164" y="1971320"/>
-            <a:ext cx="1826382" cy="4197325"/>
-            <a:chOff x="2639952" y="1042893"/>
-            <a:chExt cx="2483815" cy="5708213"/>
-          </a:xfrm>
-        </p:grpSpPr>
-        <p:pic>
-          <p:nvPicPr>
-            <p:cNvPr id="11" name="Grafik 10">
-              <a:extLst>
-                <a:ext uri="{FF2B5EF4-FFF2-40B4-BE49-F238E27FC236}">
-                  <a16:creationId xmlns:a16="http://schemas.microsoft.com/office/drawing/2014/main" id="{06295F4C-50E4-4B53-804B-A268F109E877}"/>
-                </a:ext>
-              </a:extLst>
-            </p:cNvPr>
-            <p:cNvPicPr>
-              <a:picLocks noChangeAspect="1"/>
-            </p:cNvPicPr>
-            <p:nvPr/>
-          </p:nvPicPr>
-          <p:blipFill>
-            <a:blip r:embed="rId3"/>
-            <a:stretch>
-              <a:fillRect/>
-            </a:stretch>
-          </p:blipFill>
-          <p:spPr>
-            <a:xfrm>
-              <a:off x="2687590" y="1743409"/>
-              <a:ext cx="2436177" cy="5007697"/>
-            </a:xfrm>
-            <a:prstGeom prst="rect">
-              <a:avLst/>
-            </a:prstGeom>
-            <a:ln>
-              <a:solidFill>
-                <a:schemeClr val="tx1"/>
-              </a:solidFill>
-            </a:ln>
-          </p:spPr>
-        </p:pic>
-        <p:sp>
-          <p:nvSpPr>
-            <p:cNvPr id="12" name="Pfeil: nach unten 11">
-              <a:extLst>
-                <a:ext uri="{FF2B5EF4-FFF2-40B4-BE49-F238E27FC236}">
-                  <a16:creationId xmlns:a16="http://schemas.microsoft.com/office/drawing/2014/main" id="{C3672642-F7B6-4052-BFBF-AFE0C1C0E794}"/>
-                </a:ext>
-              </a:extLst>
-            </p:cNvPr>
-            <p:cNvSpPr/>
-            <p:nvPr/>
-          </p:nvSpPr>
-          <p:spPr>
-            <a:xfrm>
-              <a:off x="3011388" y="1510819"/>
-              <a:ext cx="323447" cy="422012"/>
-            </a:xfrm>
-            <a:prstGeom prst="downArrow">
-              <a:avLst/>
-            </a:prstGeom>
-          </p:spPr>
-          <p:style>
-            <a:lnRef idx="2">
-              <a:schemeClr val="accent1">
-                <a:shade val="50000"/>
-              </a:schemeClr>
-            </a:lnRef>
-            <a:fillRef idx="1">
-              <a:schemeClr val="accent1"/>
-            </a:fillRef>
-            <a:effectRef idx="0">
-              <a:schemeClr val="accent1"/>
-            </a:effectRef>
-            <a:fontRef idx="minor">
-              <a:schemeClr val="lt1"/>
-            </a:fontRef>
-          </p:style>
-          <p:txBody>
-            <a:bodyPr rot="0" spcFirstLastPara="0" vert="horz" wrap="square" lIns="91440" tIns="45720" rIns="91440" bIns="45720" numCol="1" spcCol="0" rtlCol="0" fromWordArt="0" anchor="ctr" anchorCtr="0" forceAA="0" compatLnSpc="1">
-              <a:prstTxWarp prst="textNoShape">
-                <a:avLst/>
-              </a:prstTxWarp>
-              <a:noAutofit/>
-            </a:bodyPr>
-            <a:lstStyle/>
-            <a:p>
-              <a:endParaRPr lang="de-DE" dirty="0"/>
-            </a:p>
-          </p:txBody>
-        </p:sp>
-        <p:sp>
-          <p:nvSpPr>
-            <p:cNvPr id="13" name="Pfeil: nach unten 12">
-              <a:extLst>
-                <a:ext uri="{FF2B5EF4-FFF2-40B4-BE49-F238E27FC236}">
-                  <a16:creationId xmlns:a16="http://schemas.microsoft.com/office/drawing/2014/main" id="{73A6A4F4-805E-4FFC-85F1-70DCFF37F976}"/>
-                </a:ext>
-              </a:extLst>
-            </p:cNvPr>
-            <p:cNvSpPr/>
-            <p:nvPr/>
-          </p:nvSpPr>
-          <p:spPr>
-            <a:xfrm>
-              <a:off x="3743954" y="5645053"/>
-              <a:ext cx="323447" cy="422012"/>
-            </a:xfrm>
-            <a:prstGeom prst="downArrow">
-              <a:avLst/>
-            </a:prstGeom>
-          </p:spPr>
-          <p:style>
-            <a:lnRef idx="2">
-              <a:schemeClr val="accent1">
-                <a:shade val="50000"/>
-              </a:schemeClr>
-            </a:lnRef>
-            <a:fillRef idx="1">
-              <a:schemeClr val="accent1"/>
-            </a:fillRef>
-            <a:effectRef idx="0">
-              <a:schemeClr val="accent1"/>
-            </a:effectRef>
-            <a:fontRef idx="minor">
-              <a:schemeClr val="lt1"/>
-            </a:fontRef>
-          </p:style>
-          <p:txBody>
-            <a:bodyPr rot="0" spcFirstLastPara="0" vert="horz" wrap="square" lIns="91440" tIns="45720" rIns="91440" bIns="45720" numCol="1" spcCol="0" rtlCol="0" fromWordArt="0" anchor="ctr" anchorCtr="0" forceAA="0" compatLnSpc="1">
-              <a:prstTxWarp prst="textNoShape">
-                <a:avLst/>
-              </a:prstTxWarp>
-              <a:noAutofit/>
-            </a:bodyPr>
-            <a:lstStyle/>
-            <a:p>
-              <a:endParaRPr lang="de-DE"/>
-            </a:p>
-          </p:txBody>
-        </p:sp>
-        <p:sp>
-          <p:nvSpPr>
-            <p:cNvPr id="14" name="Textfeld 13">
-              <a:extLst>
-                <a:ext uri="{FF2B5EF4-FFF2-40B4-BE49-F238E27FC236}">
-                  <a16:creationId xmlns:a16="http://schemas.microsoft.com/office/drawing/2014/main" id="{3B9EDC62-6CBE-4789-99DD-7E3FF69D6914}"/>
-                </a:ext>
-              </a:extLst>
-            </p:cNvPr>
-            <p:cNvSpPr txBox="1"/>
-            <p:nvPr/>
-          </p:nvSpPr>
-          <p:spPr>
-            <a:xfrm>
-              <a:off x="2639952" y="1042893"/>
-              <a:ext cx="1066318" cy="369332"/>
-            </a:xfrm>
-            <a:prstGeom prst="rect">
-              <a:avLst/>
-            </a:prstGeom>
-            <a:noFill/>
-          </p:spPr>
-          <p:txBody>
-            <a:bodyPr wrap="none" rtlCol="0">
-              <a:spAutoFit/>
-            </a:bodyPr>
-            <a:lstStyle/>
-            <a:p>
-              <a:r>
-                <a:rPr lang="de-DE" dirty="0"/>
-                <a:t>Option 1</a:t>
-              </a:r>
-            </a:p>
-          </p:txBody>
-        </p:sp>
-        <p:sp>
-          <p:nvSpPr>
-            <p:cNvPr id="15" name="Textfeld 14">
-              <a:extLst>
-                <a:ext uri="{FF2B5EF4-FFF2-40B4-BE49-F238E27FC236}">
-                  <a16:creationId xmlns:a16="http://schemas.microsoft.com/office/drawing/2014/main" id="{87DA6F4E-48BB-4235-AFDC-2F78466D069E}"/>
-                </a:ext>
-              </a:extLst>
-            </p:cNvPr>
-            <p:cNvSpPr txBox="1"/>
-            <p:nvPr/>
-          </p:nvSpPr>
-          <p:spPr>
-            <a:xfrm>
-              <a:off x="3334835" y="5125513"/>
-              <a:ext cx="1066318" cy="369332"/>
-            </a:xfrm>
-            <a:prstGeom prst="rect">
-              <a:avLst/>
-            </a:prstGeom>
-            <a:noFill/>
-          </p:spPr>
-          <p:txBody>
-            <a:bodyPr wrap="none" rtlCol="0">
-              <a:spAutoFit/>
-            </a:bodyPr>
-            <a:lstStyle/>
-            <a:p>
-              <a:r>
-                <a:rPr lang="de-DE" dirty="0"/>
-                <a:t>Option 2</a:t>
-              </a:r>
-            </a:p>
-          </p:txBody>
-        </p:sp>
-      </p:grpSp>
-      <p:grpSp>
-        <p:nvGrpSpPr>
-          <p:cNvPr id="25" name="Gruppieren 24">
-            <a:extLst>
-              <a:ext uri="{FF2B5EF4-FFF2-40B4-BE49-F238E27FC236}">
-                <a16:creationId xmlns:a16="http://schemas.microsoft.com/office/drawing/2014/main" id="{21061D93-88BD-47E5-B1BD-083C2418485C}"/>
-              </a:ext>
-            </a:extLst>
-          </p:cNvPr>
-          <p:cNvGrpSpPr/>
-          <p:nvPr/>
-        </p:nvGrpSpPr>
-        <p:grpSpPr>
-          <a:xfrm>
-            <a:off x="7962688" y="2488216"/>
-            <a:ext cx="1798612" cy="3697146"/>
-            <a:chOff x="5365291" y="1763915"/>
-            <a:chExt cx="2436177" cy="5007697"/>
-          </a:xfrm>
-        </p:grpSpPr>
-        <p:pic>
-          <p:nvPicPr>
-            <p:cNvPr id="17" name="Grafik 16">
-              <a:extLst>
-                <a:ext uri="{FF2B5EF4-FFF2-40B4-BE49-F238E27FC236}">
-                  <a16:creationId xmlns:a16="http://schemas.microsoft.com/office/drawing/2014/main" id="{E0579AFE-4BE5-4023-A46A-DA8D5CF7D523}"/>
-                </a:ext>
-              </a:extLst>
-            </p:cNvPr>
-            <p:cNvPicPr>
-              <a:picLocks noChangeAspect="1"/>
-            </p:cNvPicPr>
-            <p:nvPr/>
-          </p:nvPicPr>
-          <p:blipFill>
-            <a:blip r:embed="rId4"/>
-            <a:stretch>
-              <a:fillRect/>
-            </a:stretch>
-          </p:blipFill>
-          <p:spPr>
-            <a:xfrm>
-              <a:off x="5365291" y="1763915"/>
-              <a:ext cx="2436177" cy="5007697"/>
-            </a:xfrm>
-            <a:prstGeom prst="rect">
-              <a:avLst/>
-            </a:prstGeom>
-            <a:ln>
-              <a:solidFill>
-                <a:schemeClr val="tx1"/>
-              </a:solidFill>
-            </a:ln>
-          </p:spPr>
-        </p:pic>
-        <p:sp>
-          <p:nvSpPr>
-            <p:cNvPr id="18" name="Pfeil: nach unten 17">
-              <a:extLst>
-                <a:ext uri="{FF2B5EF4-FFF2-40B4-BE49-F238E27FC236}">
-                  <a16:creationId xmlns:a16="http://schemas.microsoft.com/office/drawing/2014/main" id="{CF26BF4B-1226-4C61-A54A-D2A5BB30C795}"/>
-                </a:ext>
-              </a:extLst>
-            </p:cNvPr>
-            <p:cNvSpPr/>
-            <p:nvPr/>
-          </p:nvSpPr>
-          <p:spPr>
-            <a:xfrm rot="19382115">
-              <a:off x="6986876" y="5168204"/>
-              <a:ext cx="323447" cy="422012"/>
-            </a:xfrm>
-            <a:prstGeom prst="downArrow">
-              <a:avLst/>
-            </a:prstGeom>
-          </p:spPr>
-          <p:style>
-            <a:lnRef idx="2">
-              <a:schemeClr val="accent1">
-                <a:shade val="50000"/>
-              </a:schemeClr>
-            </a:lnRef>
-            <a:fillRef idx="1">
-              <a:schemeClr val="accent1"/>
-            </a:fillRef>
-            <a:effectRef idx="0">
-              <a:schemeClr val="accent1"/>
-            </a:effectRef>
-            <a:fontRef idx="minor">
-              <a:schemeClr val="lt1"/>
-            </a:fontRef>
-          </p:style>
-          <p:txBody>
-            <a:bodyPr rot="0" spcFirstLastPara="0" vert="horz" wrap="square" lIns="91440" tIns="45720" rIns="91440" bIns="45720" numCol="1" spcCol="0" rtlCol="0" fromWordArt="0" anchor="ctr" anchorCtr="0" forceAA="0" compatLnSpc="1">
-              <a:prstTxWarp prst="textNoShape">
-                <a:avLst/>
-              </a:prstTxWarp>
-              <a:noAutofit/>
-            </a:bodyPr>
-            <a:lstStyle/>
-            <a:p>
-              <a:endParaRPr lang="de-DE" dirty="0"/>
-            </a:p>
-          </p:txBody>
-        </p:sp>
-        <p:sp>
-          <p:nvSpPr>
-            <p:cNvPr id="19" name="Textfeld 18">
-              <a:extLst>
-                <a:ext uri="{FF2B5EF4-FFF2-40B4-BE49-F238E27FC236}">
-                  <a16:creationId xmlns:a16="http://schemas.microsoft.com/office/drawing/2014/main" id="{EBD5C9A3-E379-4FA9-A3DC-08C5171109FE}"/>
-                </a:ext>
-              </a:extLst>
-            </p:cNvPr>
-            <p:cNvSpPr txBox="1"/>
-            <p:nvPr/>
-          </p:nvSpPr>
-          <p:spPr>
-            <a:xfrm>
-              <a:off x="5365291" y="4744034"/>
-              <a:ext cx="2217916" cy="369332"/>
-            </a:xfrm>
-            <a:prstGeom prst="rect">
-              <a:avLst/>
-            </a:prstGeom>
-            <a:noFill/>
-          </p:spPr>
-          <p:txBody>
-            <a:bodyPr wrap="none" rtlCol="0">
-              <a:spAutoFit/>
-            </a:bodyPr>
-            <a:lstStyle/>
-            <a:p>
-              <a:r>
-                <a:rPr lang="de-DE" dirty="0" err="1"/>
-                <a:t>Discover</a:t>
-              </a:r>
-              <a:r>
-                <a:rPr lang="de-DE" dirty="0"/>
-                <a:t> BT </a:t>
-              </a:r>
-              <a:r>
-                <a:rPr lang="de-DE" dirty="0" err="1"/>
-                <a:t>devices</a:t>
-              </a:r>
-              <a:endParaRPr lang="de-DE" dirty="0"/>
-            </a:p>
-          </p:txBody>
-        </p:sp>
-      </p:grpSp>
+      </p:pic>
     </p:spTree>
     <p:extLst>
       <p:ext uri="{BB962C8B-B14F-4D97-AF65-F5344CB8AC3E}">
-        <p14:creationId xmlns:p14="http://schemas.microsoft.com/office/powerpoint/2010/main" val="3219777229"/>
+        <p14:creationId xmlns:p14="http://schemas.microsoft.com/office/powerpoint/2010/main" val="2615899154"/>
       </p:ext>
     </p:extLst>
   </p:cSld>
@@ -6417,7 +7106,7 @@
           <p:cNvPr id="2" name="Titel 1">
             <a:extLst>
               <a:ext uri="{FF2B5EF4-FFF2-40B4-BE49-F238E27FC236}">
-                <a16:creationId xmlns:a16="http://schemas.microsoft.com/office/drawing/2014/main" id="{7A2E130B-94E8-4CAA-B302-7DE06D746F64}"/>
+                <a16:creationId xmlns:a16="http://schemas.microsoft.com/office/drawing/2014/main" id="{9264AD3F-86AB-4360-883C-56271EA2C893}"/>
               </a:ext>
             </a:extLst>
           </p:cNvPr>
@@ -6435,7 +7124,15 @@
           <a:p>
             <a:r>
               <a:rPr lang="de-DE" dirty="0"/>
-              <a:t>App – Connect Sensor</a:t>
+              <a:t>App – </a:t>
+            </a:r>
+            <a:r>
+              <a:rPr lang="de-DE" dirty="0" err="1"/>
+              <a:t>Permissions</a:t>
+            </a:r>
+            <a:r>
+              <a:rPr lang="de-DE" dirty="0"/>
+              <a:t> - Location</a:t>
             </a:r>
           </a:p>
         </p:txBody>
@@ -6445,7 +7142,7 @@
           <p:cNvPr id="3" name="Inhaltsplatzhalter 2">
             <a:extLst>
               <a:ext uri="{FF2B5EF4-FFF2-40B4-BE49-F238E27FC236}">
-                <a16:creationId xmlns:a16="http://schemas.microsoft.com/office/drawing/2014/main" id="{139C6279-4AF5-4A5E-B910-C568905D5428}"/>
+                <a16:creationId xmlns:a16="http://schemas.microsoft.com/office/drawing/2014/main" id="{C42120DB-69B1-465B-B677-085C180D6509}"/>
               </a:ext>
             </a:extLst>
           </p:cNvPr>
@@ -6458,29 +7155,21 @@
         </p:nvSpPr>
         <p:spPr>
           <a:xfrm>
-            <a:off x="677335" y="2160589"/>
-            <a:ext cx="2637366" cy="3880773"/>
+            <a:off x="838200" y="2327275"/>
+            <a:ext cx="4466573" cy="3864693"/>
           </a:xfrm>
         </p:spPr>
         <p:txBody>
-          <a:bodyPr>
-            <a:noAutofit/>
-          </a:bodyPr>
+          <a:bodyPr/>
           <a:lstStyle/>
           <a:p>
             <a:r>
               <a:rPr lang="de-DE" sz="1600" dirty="0"/>
-              <a:t>Press „Connect“ in „Devices“ screen</a:t>
-            </a:r>
-          </a:p>
-          <a:p>
-            <a:r>
-              <a:rPr lang="de-DE" sz="1600" dirty="0"/>
-              <a:t>Connection </a:t>
+              <a:t>App </a:t>
             </a:r>
             <a:r>
               <a:rPr lang="de-DE" sz="1600" dirty="0" err="1"/>
-              <a:t>process</a:t>
+              <a:t>uses</a:t>
             </a:r>
             <a:r>
               <a:rPr lang="de-DE" sz="1600" dirty="0"/>
@@ -6488,15 +7177,7 @@
             </a:r>
             <a:r>
               <a:rPr lang="de-DE" sz="1600" dirty="0" err="1"/>
-              <a:t>can</a:t>
-            </a:r>
-            <a:r>
-              <a:rPr lang="de-DE" sz="1600" dirty="0"/>
-              <a:t> last </a:t>
-            </a:r>
-            <a:r>
-              <a:rPr lang="de-DE" sz="1600" dirty="0" err="1"/>
-              <a:t>up</a:t>
+              <a:t>location</a:t>
             </a:r>
             <a:r>
               <a:rPr lang="de-DE" sz="1600" dirty="0"/>
@@ -6504,22 +7185,23 @@
             </a:r>
             <a:r>
               <a:rPr lang="de-DE" sz="1600" dirty="0" err="1"/>
-              <a:t>to</a:t>
+              <a:t>services</a:t>
             </a:r>
             <a:r>
               <a:rPr lang="de-DE" sz="1600" dirty="0"/>
-              <a:t> 60 </a:t>
+              <a:t> and </a:t>
             </a:r>
             <a:r>
               <a:rPr lang="de-DE" sz="1600" dirty="0" err="1"/>
-              <a:t>seconds</a:t>
-            </a:r>
-            <a:endParaRPr lang="de-DE" sz="1600" dirty="0"/>
-          </a:p>
-          <a:p>
+              <a:t>within</a:t>
+            </a:r>
+            <a:r>
+              <a:rPr lang="de-DE" sz="1600" dirty="0"/>
+              <a:t> a </a:t>
+            </a:r>
             <a:r>
               <a:rPr lang="de-DE" sz="1600" dirty="0" err="1"/>
-              <a:t>When</a:t>
+              <a:t>foreground</a:t>
             </a:r>
             <a:r>
               <a:rPr lang="de-DE" sz="1600" dirty="0"/>
@@ -6527,15 +7209,7 @@
             </a:r>
             <a:r>
               <a:rPr lang="de-DE" sz="1600" dirty="0" err="1"/>
-              <a:t>the</a:t>
-            </a:r>
-            <a:r>
-              <a:rPr lang="de-DE" sz="1600" dirty="0"/>
-              <a:t> AirBeam2 </a:t>
-            </a:r>
-            <a:r>
-              <a:rPr lang="de-DE" sz="1600" dirty="0" err="1"/>
-              <a:t>is</a:t>
+              <a:t>service</a:t>
             </a:r>
             <a:r>
               <a:rPr lang="de-DE" sz="1600" dirty="0"/>
@@ -6543,7 +7217,7 @@
             </a:r>
             <a:r>
               <a:rPr lang="de-DE" sz="1600" dirty="0" err="1"/>
-              <a:t>connected</a:t>
+              <a:t>when</a:t>
             </a:r>
             <a:r>
               <a:rPr lang="de-DE" sz="1600" dirty="0"/>
@@ -6551,7 +7225,15 @@
             </a:r>
             <a:r>
               <a:rPr lang="de-DE" sz="1600" dirty="0" err="1"/>
-              <a:t>the</a:t>
+              <a:t>active</a:t>
+            </a:r>
+            <a:r>
+              <a:rPr lang="de-DE" sz="1600" dirty="0"/>
+              <a:t> - </a:t>
+            </a:r>
+            <a:r>
+              <a:rPr lang="de-DE" sz="1600" dirty="0" err="1"/>
+              <a:t>no</a:t>
             </a:r>
             <a:r>
               <a:rPr lang="de-DE" sz="1600" dirty="0"/>
@@ -6559,15 +7241,7 @@
             </a:r>
             <a:r>
               <a:rPr lang="de-DE" sz="1600" dirty="0" err="1"/>
-              <a:t>first</a:t>
-            </a:r>
-            <a:r>
-              <a:rPr lang="de-DE" sz="1600" dirty="0"/>
-              <a:t> time, a </a:t>
-            </a:r>
-            <a:r>
-              <a:rPr lang="de-DE" sz="1600" dirty="0" err="1"/>
-              <a:t>pairing</a:t>
+              <a:t>hidden</a:t>
             </a:r>
             <a:r>
               <a:rPr lang="de-DE" sz="1600" dirty="0"/>
@@ -6575,7 +7249,7 @@
             </a:r>
             <a:r>
               <a:rPr lang="de-DE" sz="1600" dirty="0" err="1"/>
-              <a:t>notification</a:t>
+              <a:t>location</a:t>
             </a:r>
             <a:r>
               <a:rPr lang="de-DE" sz="1600" dirty="0"/>
@@ -6583,163 +7257,31 @@
             </a:r>
             <a:r>
               <a:rPr lang="de-DE" sz="1600" dirty="0" err="1"/>
-              <a:t>is</a:t>
-            </a:r>
-            <a:r>
-              <a:rPr lang="de-DE" sz="1600" dirty="0"/>
-              <a:t> </a:t>
-            </a:r>
-            <a:r>
-              <a:rPr lang="de-DE" sz="1600" dirty="0" err="1"/>
-              <a:t>shown</a:t>
-            </a:r>
-            <a:r>
-              <a:rPr lang="de-DE" sz="1600" dirty="0"/>
-              <a:t> </a:t>
-            </a:r>
-            <a:r>
-              <a:rPr lang="de-DE" sz="1600" dirty="0" err="1"/>
-              <a:t>by</a:t>
-            </a:r>
-            <a:r>
-              <a:rPr lang="de-DE" sz="1600" dirty="0"/>
-              <a:t> Android</a:t>
-            </a:r>
-          </a:p>
-          <a:p>
-            <a:r>
-              <a:rPr lang="de-DE" sz="1600" dirty="0"/>
-              <a:t>On </a:t>
-            </a:r>
-            <a:r>
-              <a:rPr lang="de-DE" sz="1600" dirty="0" err="1"/>
-              <a:t>success</a:t>
-            </a:r>
-            <a:r>
-              <a:rPr lang="de-DE" sz="1600" dirty="0"/>
-              <a:t>, </a:t>
-            </a:r>
-            <a:r>
-              <a:rPr lang="de-DE" sz="1600" dirty="0" err="1"/>
-              <a:t>the</a:t>
-            </a:r>
-            <a:r>
-              <a:rPr lang="de-DE" sz="1600" dirty="0"/>
-              <a:t> </a:t>
-            </a:r>
-            <a:r>
-              <a:rPr lang="de-DE" sz="1600" dirty="0" err="1"/>
-              <a:t>white</a:t>
-            </a:r>
-            <a:r>
-              <a:rPr lang="de-DE" sz="1600" dirty="0"/>
-              <a:t> LED </a:t>
-            </a:r>
-            <a:r>
-              <a:rPr lang="de-DE" sz="1600" dirty="0" err="1"/>
-              <a:t>of</a:t>
-            </a:r>
-            <a:r>
-              <a:rPr lang="de-DE" sz="1600" dirty="0"/>
-              <a:t> </a:t>
-            </a:r>
-            <a:r>
-              <a:rPr lang="de-DE" sz="1600" dirty="0" err="1"/>
-              <a:t>the</a:t>
-            </a:r>
-            <a:r>
-              <a:rPr lang="de-DE" sz="1600" dirty="0"/>
-              <a:t> AirBeam2 </a:t>
-            </a:r>
-            <a:r>
-              <a:rPr lang="de-DE" sz="1600" dirty="0" err="1"/>
-              <a:t>lights</a:t>
-            </a:r>
-            <a:r>
-              <a:rPr lang="de-DE" sz="1600" dirty="0"/>
-              <a:t> </a:t>
-            </a:r>
-            <a:r>
-              <a:rPr lang="de-DE" sz="1600" dirty="0" err="1"/>
-              <a:t>up</a:t>
-            </a:r>
-            <a:r>
-              <a:rPr lang="de-DE" sz="1600" dirty="0"/>
-              <a:t> in </a:t>
-            </a:r>
-            <a:r>
-              <a:rPr lang="de-DE" sz="1600" dirty="0" err="1"/>
-              <a:t>white</a:t>
-            </a:r>
-            <a:r>
-              <a:rPr lang="de-DE" sz="1600" dirty="0"/>
-              <a:t> </a:t>
-            </a:r>
-            <a:r>
-              <a:rPr lang="de-DE" sz="1600" dirty="0" err="1"/>
-              <a:t>color</a:t>
-            </a:r>
-            <a:r>
-              <a:rPr lang="de-DE" sz="1600" dirty="0"/>
-              <a:t> and </a:t>
-            </a:r>
-            <a:r>
-              <a:rPr lang="de-DE" sz="1600" dirty="0" err="1"/>
-              <a:t>the</a:t>
-            </a:r>
-            <a:r>
-              <a:rPr lang="de-DE" sz="1600" dirty="0"/>
-              <a:t> </a:t>
-            </a:r>
-            <a:r>
-              <a:rPr lang="de-DE" sz="1600" dirty="0" err="1"/>
-              <a:t>app</a:t>
-            </a:r>
-            <a:r>
-              <a:rPr lang="de-DE" sz="1600" dirty="0"/>
-              <a:t> </a:t>
-            </a:r>
-            <a:r>
-              <a:rPr lang="de-DE" sz="1600" dirty="0" err="1"/>
-              <a:t>automatically</a:t>
-            </a:r>
-            <a:r>
-              <a:rPr lang="de-DE" sz="1600" dirty="0"/>
-              <a:t> </a:t>
-            </a:r>
-            <a:r>
-              <a:rPr lang="de-DE" sz="1600" dirty="0" err="1"/>
-              <a:t>switches</a:t>
-            </a:r>
-            <a:r>
-              <a:rPr lang="de-DE" sz="1600" dirty="0"/>
-              <a:t> </a:t>
-            </a:r>
-            <a:r>
-              <a:rPr lang="de-DE" sz="1600" dirty="0" err="1"/>
-              <a:t>to</a:t>
-            </a:r>
-            <a:r>
-              <a:rPr lang="de-DE" sz="1600" dirty="0"/>
-              <a:t> </a:t>
-            </a:r>
-            <a:r>
-              <a:rPr lang="de-DE" sz="1600" dirty="0" err="1"/>
-              <a:t>the</a:t>
-            </a:r>
-            <a:r>
-              <a:rPr lang="de-DE" sz="1600" dirty="0"/>
-              <a:t> „Home“ screen</a:t>
-            </a:r>
-          </a:p>
-        </p:txBody>
-      </p:sp>
-      <p:sp>
-        <p:nvSpPr>
-          <p:cNvPr id="9" name="Foliennummernplatzhalter 8">
+              <a:t>tracking</a:t>
+            </a:r>
+            <a:endParaRPr lang="de-DE" sz="1600" dirty="0"/>
+          </a:p>
+          <a:p>
+            <a:r>
+              <a:rPr lang="en-US" sz="1600" dirty="0"/>
+              <a:t>Select “Allowed only while in use” when asked for permission</a:t>
+            </a:r>
+            <a:endParaRPr lang="de-DE" sz="1600" dirty="0"/>
+          </a:p>
+          <a:p>
+            <a:pPr marL="0" indent="0">
+              <a:buNone/>
+            </a:pPr>
+            <a:endParaRPr lang="de-DE" dirty="0"/>
+          </a:p>
+        </p:txBody>
+      </p:sp>
+      <p:sp>
+        <p:nvSpPr>
+          <p:cNvPr id="4" name="Foliennummernplatzhalter 3">
             <a:extLst>
               <a:ext uri="{FF2B5EF4-FFF2-40B4-BE49-F238E27FC236}">
-                <a16:creationId xmlns:a16="http://schemas.microsoft.com/office/drawing/2014/main" id="{39591CCC-4827-407E-8E7B-BEB99FBB1D9F}"/>
+                <a16:creationId xmlns:a16="http://schemas.microsoft.com/office/drawing/2014/main" id="{3D9D80E7-CB1C-47A0-996A-1DC6B992F558}"/>
               </a:ext>
             </a:extLst>
           </p:cNvPr>
@@ -6765,10 +7307,10 @@
       </p:sp>
       <p:pic>
         <p:nvPicPr>
-          <p:cNvPr id="22" name="Grafik 21">
+          <p:cNvPr id="7" name="Inhaltsplatzhalter 7">
             <a:extLst>
               <a:ext uri="{FF2B5EF4-FFF2-40B4-BE49-F238E27FC236}">
-                <a16:creationId xmlns:a16="http://schemas.microsoft.com/office/drawing/2014/main" id="{CFA48EA8-623A-42F2-ACAA-00B5E9384861}"/>
+                <a16:creationId xmlns:a16="http://schemas.microsoft.com/office/drawing/2014/main" id="{6DDBCE55-C144-4576-83D2-8FE71E36844D}"/>
               </a:ext>
             </a:extLst>
           </p:cNvPr>
@@ -6785,25 +7327,20 @@
         </p:blipFill>
         <p:spPr>
           <a:xfrm>
-            <a:off x="3713478" y="2019138"/>
-            <a:ext cx="1822217" cy="3745669"/>
+            <a:off x="8430087" y="2170399"/>
+            <a:ext cx="1888266" cy="3881437"/>
           </a:xfrm>
           <a:prstGeom prst="rect">
             <a:avLst/>
           </a:prstGeom>
-          <a:ln>
-            <a:solidFill>
-              <a:schemeClr val="tx1"/>
-            </a:solidFill>
-          </a:ln>
         </p:spPr>
       </p:pic>
       <p:sp>
         <p:nvSpPr>
-          <p:cNvPr id="23" name="Pfeil: nach unten 22">
+          <p:cNvPr id="8" name="Pfeil: nach unten 7">
             <a:extLst>
               <a:ext uri="{FF2B5EF4-FFF2-40B4-BE49-F238E27FC236}">
-                <a16:creationId xmlns:a16="http://schemas.microsoft.com/office/drawing/2014/main" id="{5AD12DD1-329A-4FD5-A4FF-5647B8B8ADE1}"/>
+                <a16:creationId xmlns:a16="http://schemas.microsoft.com/office/drawing/2014/main" id="{15B21F98-89CC-40E4-9163-3707FB1A6DB9}"/>
               </a:ext>
             </a:extLst>
           </p:cNvPr>
@@ -6811,8 +7348,1004 @@
           <p:nvPr/>
         </p:nvSpPr>
         <p:spPr>
+          <a:xfrm rot="5400000">
+            <a:off x="10462038" y="5141415"/>
+            <a:ext cx="323447" cy="422012"/>
+          </a:xfrm>
+          <a:prstGeom prst="downArrow">
+            <a:avLst/>
+          </a:prstGeom>
+        </p:spPr>
+        <p:style>
+          <a:lnRef idx="2">
+            <a:schemeClr val="accent1">
+              <a:shade val="50000"/>
+            </a:schemeClr>
+          </a:lnRef>
+          <a:fillRef idx="1">
+            <a:schemeClr val="accent1"/>
+          </a:fillRef>
+          <a:effectRef idx="0">
+            <a:schemeClr val="accent1"/>
+          </a:effectRef>
+          <a:fontRef idx="minor">
+            <a:schemeClr val="lt1"/>
+          </a:fontRef>
+        </p:style>
+        <p:txBody>
+          <a:bodyPr rot="0" spcFirstLastPara="0" vert="horz" wrap="square" lIns="91440" tIns="45720" rIns="91440" bIns="45720" numCol="1" spcCol="0" rtlCol="0" fromWordArt="0" anchor="ctr" anchorCtr="0" forceAA="0" compatLnSpc="1">
+            <a:prstTxWarp prst="textNoShape">
+              <a:avLst/>
+            </a:prstTxWarp>
+            <a:noAutofit/>
+          </a:bodyPr>
+          <a:lstStyle/>
+          <a:p>
+            <a:endParaRPr lang="de-DE"/>
+          </a:p>
+        </p:txBody>
+      </p:sp>
+    </p:spTree>
+    <p:extLst>
+      <p:ext uri="{BB962C8B-B14F-4D97-AF65-F5344CB8AC3E}">
+        <p14:creationId xmlns:p14="http://schemas.microsoft.com/office/powerpoint/2010/main" val="2818590253"/>
+      </p:ext>
+    </p:extLst>
+  </p:cSld>
+  <p:clrMapOvr>
+    <a:masterClrMapping/>
+  </p:clrMapOvr>
+</p:sld>
+</file>
+
+<file path=ppt/slides/slide7.xml><?xml version="1.0" encoding="utf-8"?>
+<p:sld xmlns:a="http://schemas.openxmlformats.org/drawingml/2006/main" xmlns:r="http://schemas.openxmlformats.org/officeDocument/2006/relationships" xmlns:p="http://schemas.openxmlformats.org/presentationml/2006/main">
+  <p:cSld>
+    <p:spTree>
+      <p:nvGrpSpPr>
+        <p:cNvPr id="1" name=""/>
+        <p:cNvGrpSpPr/>
+        <p:nvPr/>
+      </p:nvGrpSpPr>
+      <p:grpSpPr>
+        <a:xfrm>
+          <a:off x="0" y="0"/>
+          <a:ext cx="0" cy="0"/>
+          <a:chOff x="0" y="0"/>
+          <a:chExt cx="0" cy="0"/>
+        </a:xfrm>
+      </p:grpSpPr>
+      <p:pic>
+        <p:nvPicPr>
+          <p:cNvPr id="27" name="Grafik 26">
+            <a:extLst>
+              <a:ext uri="{FF2B5EF4-FFF2-40B4-BE49-F238E27FC236}">
+                <a16:creationId xmlns:a16="http://schemas.microsoft.com/office/drawing/2014/main" id="{5A75E247-B020-4171-87A0-0788892C28BB}"/>
+              </a:ext>
+            </a:extLst>
+          </p:cNvPr>
+          <p:cNvPicPr>
+            <a:picLocks noChangeAspect="1"/>
+          </p:cNvPicPr>
+          <p:nvPr/>
+        </p:nvPicPr>
+        <p:blipFill>
+          <a:blip r:embed="rId2" cstate="print">
+            <a:extLst>
+              <a:ext uri="{28A0092B-C50C-407E-A947-70E740481C1C}">
+                <a14:useLocalDpi xmlns:a14="http://schemas.microsoft.com/office/drawing/2010/main" val="0"/>
+              </a:ext>
+            </a:extLst>
+          </a:blip>
+          <a:stretch>
+            <a:fillRect/>
+          </a:stretch>
+        </p:blipFill>
+        <p:spPr>
+          <a:xfrm>
+            <a:off x="9722220" y="2486417"/>
+            <a:ext cx="1706374" cy="3697144"/>
+          </a:xfrm>
+          <a:prstGeom prst="rect">
+            <a:avLst/>
+          </a:prstGeom>
+        </p:spPr>
+      </p:pic>
+      <p:pic>
+        <p:nvPicPr>
+          <p:cNvPr id="7" name="Grafik 6">
+            <a:extLst>
+              <a:ext uri="{FF2B5EF4-FFF2-40B4-BE49-F238E27FC236}">
+                <a16:creationId xmlns:a16="http://schemas.microsoft.com/office/drawing/2014/main" id="{1BCAAFD9-7840-411E-B159-21C719CA1C68}"/>
+              </a:ext>
+            </a:extLst>
+          </p:cNvPr>
+          <p:cNvPicPr>
+            <a:picLocks noChangeAspect="1"/>
+          </p:cNvPicPr>
+          <p:nvPr/>
+        </p:nvPicPr>
+        <p:blipFill>
+          <a:blip r:embed="rId3" cstate="print">
+            <a:extLst>
+              <a:ext uri="{28A0092B-C50C-407E-A947-70E740481C1C}">
+                <a14:useLocalDpi xmlns:a14="http://schemas.microsoft.com/office/drawing/2010/main" val="0"/>
+              </a:ext>
+            </a:extLst>
+          </a:blip>
+          <a:stretch>
+            <a:fillRect/>
+          </a:stretch>
+        </p:blipFill>
+        <p:spPr>
+          <a:xfrm>
+            <a:off x="6011626" y="2486474"/>
+            <a:ext cx="1706375" cy="3697146"/>
+          </a:xfrm>
+          <a:prstGeom prst="rect">
+            <a:avLst/>
+          </a:prstGeom>
+        </p:spPr>
+      </p:pic>
+      <p:sp>
+        <p:nvSpPr>
+          <p:cNvPr id="23" name="Pfeil: nach unten 22">
+            <a:extLst>
+              <a:ext uri="{FF2B5EF4-FFF2-40B4-BE49-F238E27FC236}">
+                <a16:creationId xmlns:a16="http://schemas.microsoft.com/office/drawing/2014/main" id="{915537C9-C652-4536-A534-86F72AEB8490}"/>
+              </a:ext>
+            </a:extLst>
+          </p:cNvPr>
+          <p:cNvSpPr/>
+          <p:nvPr/>
+        </p:nvSpPr>
+        <p:spPr>
           <a:xfrm rot="16200000">
-            <a:off x="4496714" y="2367766"/>
+            <a:off x="10629470" y="3109727"/>
+            <a:ext cx="237835" cy="310311"/>
+          </a:xfrm>
+          <a:prstGeom prst="downArrow">
+            <a:avLst/>
+          </a:prstGeom>
+        </p:spPr>
+        <p:style>
+          <a:lnRef idx="2">
+            <a:schemeClr val="accent1">
+              <a:shade val="50000"/>
+            </a:schemeClr>
+          </a:lnRef>
+          <a:fillRef idx="1">
+            <a:schemeClr val="accent1"/>
+          </a:fillRef>
+          <a:effectRef idx="0">
+            <a:schemeClr val="accent1"/>
+          </a:effectRef>
+          <a:fontRef idx="minor">
+            <a:schemeClr val="lt1"/>
+          </a:fontRef>
+        </p:style>
+        <p:txBody>
+          <a:bodyPr rot="0" spcFirstLastPara="0" vert="horz" wrap="square" lIns="91440" tIns="45720" rIns="91440" bIns="45720" numCol="1" spcCol="0" rtlCol="0" fromWordArt="0" anchor="ctr" anchorCtr="0" forceAA="0" compatLnSpc="1">
+            <a:prstTxWarp prst="textNoShape">
+              <a:avLst/>
+            </a:prstTxWarp>
+            <a:noAutofit/>
+          </a:bodyPr>
+          <a:lstStyle/>
+          <a:p>
+            <a:endParaRPr lang="de-DE" dirty="0"/>
+          </a:p>
+        </p:txBody>
+      </p:sp>
+      <p:sp>
+        <p:nvSpPr>
+          <p:cNvPr id="2" name="Titel 1">
+            <a:extLst>
+              <a:ext uri="{FF2B5EF4-FFF2-40B4-BE49-F238E27FC236}">
+                <a16:creationId xmlns:a16="http://schemas.microsoft.com/office/drawing/2014/main" id="{7A2E130B-94E8-4CAA-B302-7DE06D746F64}"/>
+              </a:ext>
+            </a:extLst>
+          </p:cNvPr>
+          <p:cNvSpPr>
+            <a:spLocks noGrp="1"/>
+          </p:cNvSpPr>
+          <p:nvPr>
+            <p:ph type="title"/>
+          </p:nvPr>
+        </p:nvSpPr>
+        <p:spPr>
+          <a:xfrm>
+            <a:off x="838200" y="1219863"/>
+            <a:ext cx="10515600" cy="950536"/>
+          </a:xfrm>
+        </p:spPr>
+        <p:txBody>
+          <a:bodyPr/>
+          <a:lstStyle/>
+          <a:p>
+            <a:r>
+              <a:rPr lang="de-DE" dirty="0"/>
+              <a:t>App – Link Sensor (</a:t>
+            </a:r>
+            <a:r>
+              <a:rPr lang="de-DE" dirty="0" err="1"/>
+              <a:t>only</a:t>
+            </a:r>
+            <a:r>
+              <a:rPr lang="de-DE" dirty="0"/>
+              <a:t> </a:t>
+            </a:r>
+            <a:r>
+              <a:rPr lang="de-DE" dirty="0" err="1"/>
+              <a:t>once</a:t>
+            </a:r>
+            <a:r>
+              <a:rPr lang="de-DE" dirty="0"/>
+              <a:t>)</a:t>
+            </a:r>
+          </a:p>
+        </p:txBody>
+      </p:sp>
+      <p:sp>
+        <p:nvSpPr>
+          <p:cNvPr id="3" name="Inhaltsplatzhalter 2">
+            <a:extLst>
+              <a:ext uri="{FF2B5EF4-FFF2-40B4-BE49-F238E27FC236}">
+                <a16:creationId xmlns:a16="http://schemas.microsoft.com/office/drawing/2014/main" id="{139C6279-4AF5-4A5E-B910-C568905D5428}"/>
+              </a:ext>
+            </a:extLst>
+          </p:cNvPr>
+          <p:cNvSpPr>
+            <a:spLocks noGrp="1"/>
+          </p:cNvSpPr>
+          <p:nvPr>
+            <p:ph idx="1"/>
+          </p:nvPr>
+        </p:nvSpPr>
+        <p:spPr>
+          <a:xfrm>
+            <a:off x="677334" y="2160589"/>
+            <a:ext cx="4094387" cy="3880773"/>
+          </a:xfrm>
+        </p:spPr>
+        <p:txBody>
+          <a:bodyPr>
+            <a:normAutofit/>
+          </a:bodyPr>
+          <a:lstStyle/>
+          <a:p>
+            <a:r>
+              <a:rPr lang="de-DE" sz="1600" dirty="0"/>
+              <a:t>Link Sensor </a:t>
+            </a:r>
+            <a:r>
+              <a:rPr lang="de-DE" sz="1600" dirty="0" err="1"/>
+              <a:t>sensor</a:t>
+            </a:r>
+            <a:r>
+              <a:rPr lang="de-DE" sz="1600" dirty="0"/>
+              <a:t> </a:t>
+            </a:r>
+            <a:r>
+              <a:rPr lang="de-DE" sz="1600" dirty="0" err="1"/>
+              <a:t>with</a:t>
+            </a:r>
+            <a:r>
+              <a:rPr lang="de-DE" sz="1600" dirty="0"/>
+              <a:t> </a:t>
+            </a:r>
+            <a:r>
+              <a:rPr lang="de-DE" sz="1600" dirty="0" err="1"/>
+              <a:t>app</a:t>
+            </a:r>
+            <a:endParaRPr lang="de-DE" sz="1600" dirty="0"/>
+          </a:p>
+          <a:p>
+            <a:r>
+              <a:rPr lang="de-DE" sz="1600" dirty="0"/>
+              <a:t>Default </a:t>
+            </a:r>
+            <a:r>
+              <a:rPr lang="de-DE" sz="1600" dirty="0" err="1"/>
+              <a:t>scan</a:t>
+            </a:r>
+            <a:r>
+              <a:rPr lang="de-DE" sz="1600" dirty="0"/>
+              <a:t> </a:t>
+            </a:r>
+            <a:r>
+              <a:rPr lang="de-DE" sz="1600" dirty="0" err="1"/>
+              <a:t>is</a:t>
+            </a:r>
+            <a:r>
+              <a:rPr lang="de-DE" sz="1600" dirty="0"/>
+              <a:t> </a:t>
+            </a:r>
+            <a:r>
+              <a:rPr lang="de-DE" sz="1600" dirty="0" err="1"/>
+              <a:t>for</a:t>
+            </a:r>
+            <a:r>
+              <a:rPr lang="de-DE" sz="1600" dirty="0"/>
+              <a:t> BLE </a:t>
+            </a:r>
+            <a:r>
+              <a:rPr lang="de-DE" sz="1600" dirty="0" err="1"/>
+              <a:t>devices</a:t>
+            </a:r>
+            <a:r>
+              <a:rPr lang="de-DE" sz="1600" dirty="0"/>
+              <a:t> </a:t>
+            </a:r>
+            <a:r>
+              <a:rPr lang="de-DE" sz="1600" dirty="0" err="1"/>
+              <a:t>only</a:t>
+            </a:r>
+            <a:endParaRPr lang="de-DE" sz="1600" dirty="0"/>
+          </a:p>
+          <a:p>
+            <a:r>
+              <a:rPr lang="de-DE" sz="1600" dirty="0" err="1"/>
+              <a:t>Enable</a:t>
+            </a:r>
+            <a:r>
+              <a:rPr lang="de-DE" sz="1600" dirty="0"/>
+              <a:t> Legacy Scan </a:t>
+            </a:r>
+            <a:r>
+              <a:rPr lang="de-DE" sz="1600" dirty="0" err="1"/>
+              <a:t>to</a:t>
+            </a:r>
+            <a:r>
+              <a:rPr lang="de-DE" sz="1600" dirty="0"/>
+              <a:t> </a:t>
+            </a:r>
+            <a:r>
+              <a:rPr lang="de-DE" sz="1600" dirty="0" err="1"/>
+              <a:t>scan</a:t>
+            </a:r>
+            <a:r>
+              <a:rPr lang="de-DE" sz="1600" dirty="0"/>
+              <a:t> </a:t>
+            </a:r>
+            <a:r>
+              <a:rPr lang="de-DE" sz="1600" dirty="0" err="1"/>
+              <a:t>for</a:t>
+            </a:r>
+            <a:r>
+              <a:rPr lang="de-DE" sz="1600" dirty="0"/>
+              <a:t> BT classic </a:t>
+            </a:r>
+            <a:r>
+              <a:rPr lang="de-DE" sz="1600" dirty="0" err="1"/>
+              <a:t>devices</a:t>
+            </a:r>
+            <a:r>
+              <a:rPr lang="de-DE" sz="1600" dirty="0"/>
+              <a:t> like AirBeam2</a:t>
+            </a:r>
+          </a:p>
+          <a:p>
+            <a:endParaRPr lang="de-DE" sz="1600" dirty="0"/>
+          </a:p>
+        </p:txBody>
+      </p:sp>
+      <p:sp>
+        <p:nvSpPr>
+          <p:cNvPr id="9" name="Foliennummernplatzhalter 8">
+            <a:extLst>
+              <a:ext uri="{FF2B5EF4-FFF2-40B4-BE49-F238E27FC236}">
+                <a16:creationId xmlns:a16="http://schemas.microsoft.com/office/drawing/2014/main" id="{39591CCC-4827-407E-8E7B-BEB99FBB1D9F}"/>
+              </a:ext>
+            </a:extLst>
+          </p:cNvPr>
+          <p:cNvSpPr>
+            <a:spLocks noGrp="1"/>
+          </p:cNvSpPr>
+          <p:nvPr>
+            <p:ph type="sldNum" sz="quarter" idx="12"/>
+          </p:nvPr>
+        </p:nvSpPr>
+        <p:spPr>
+          <a:xfrm>
+            <a:off x="9761300" y="5974005"/>
+            <a:ext cx="2105186" cy="211357"/>
+          </a:xfrm>
+        </p:spPr>
+        <p:txBody>
+          <a:bodyPr/>
+          <a:lstStyle/>
+          <a:p>
+            <a:fld id="{519954A3-9DFD-4C44-94BA-B95130A3BA1C}" type="slidenum">
+              <a:rPr lang="en-US" smtClean="0"/>
+              <a:t>7</a:t>
+            </a:fld>
+            <a:endParaRPr lang="en-US" dirty="0"/>
+          </a:p>
+        </p:txBody>
+      </p:sp>
+      <p:sp>
+        <p:nvSpPr>
+          <p:cNvPr id="12" name="Pfeil: nach unten 11">
+            <a:extLst>
+              <a:ext uri="{FF2B5EF4-FFF2-40B4-BE49-F238E27FC236}">
+                <a16:creationId xmlns:a16="http://schemas.microsoft.com/office/drawing/2014/main" id="{C3672642-F7B6-4052-BFBF-AFE0C1C0E794}"/>
+              </a:ext>
+            </a:extLst>
+          </p:cNvPr>
+          <p:cNvSpPr/>
+          <p:nvPr/>
+        </p:nvSpPr>
+        <p:spPr>
+          <a:xfrm>
+            <a:off x="6247088" y="2383776"/>
+            <a:ext cx="237835" cy="310311"/>
+          </a:xfrm>
+          <a:prstGeom prst="downArrow">
+            <a:avLst/>
+          </a:prstGeom>
+        </p:spPr>
+        <p:style>
+          <a:lnRef idx="2">
+            <a:schemeClr val="accent1">
+              <a:shade val="50000"/>
+            </a:schemeClr>
+          </a:lnRef>
+          <a:fillRef idx="1">
+            <a:schemeClr val="accent1"/>
+          </a:fillRef>
+          <a:effectRef idx="0">
+            <a:schemeClr val="accent1"/>
+          </a:effectRef>
+          <a:fontRef idx="minor">
+            <a:schemeClr val="lt1"/>
+          </a:fontRef>
+        </p:style>
+        <p:txBody>
+          <a:bodyPr rot="0" spcFirstLastPara="0" vert="horz" wrap="square" lIns="91440" tIns="45720" rIns="91440" bIns="45720" numCol="1" spcCol="0" rtlCol="0" fromWordArt="0" anchor="ctr" anchorCtr="0" forceAA="0" compatLnSpc="1">
+            <a:prstTxWarp prst="textNoShape">
+              <a:avLst/>
+            </a:prstTxWarp>
+            <a:noAutofit/>
+          </a:bodyPr>
+          <a:lstStyle/>
+          <a:p>
+            <a:endParaRPr lang="de-DE" dirty="0"/>
+          </a:p>
+        </p:txBody>
+      </p:sp>
+      <p:sp>
+        <p:nvSpPr>
+          <p:cNvPr id="13" name="Pfeil: nach unten 12">
+            <a:extLst>
+              <a:ext uri="{FF2B5EF4-FFF2-40B4-BE49-F238E27FC236}">
+                <a16:creationId xmlns:a16="http://schemas.microsoft.com/office/drawing/2014/main" id="{73A6A4F4-805E-4FFC-85F1-70DCFF37F976}"/>
+              </a:ext>
+            </a:extLst>
+          </p:cNvPr>
+          <p:cNvSpPr/>
+          <p:nvPr/>
+        </p:nvSpPr>
+        <p:spPr>
+          <a:xfrm>
+            <a:off x="6521407" y="5517360"/>
+            <a:ext cx="237835" cy="310311"/>
+          </a:xfrm>
+          <a:prstGeom prst="downArrow">
+            <a:avLst/>
+          </a:prstGeom>
+        </p:spPr>
+        <p:style>
+          <a:lnRef idx="2">
+            <a:schemeClr val="accent1">
+              <a:shade val="50000"/>
+            </a:schemeClr>
+          </a:lnRef>
+          <a:fillRef idx="1">
+            <a:schemeClr val="accent1"/>
+          </a:fillRef>
+          <a:effectRef idx="0">
+            <a:schemeClr val="accent1"/>
+          </a:effectRef>
+          <a:fontRef idx="minor">
+            <a:schemeClr val="lt1"/>
+          </a:fontRef>
+        </p:style>
+        <p:txBody>
+          <a:bodyPr rot="0" spcFirstLastPara="0" vert="horz" wrap="square" lIns="91440" tIns="45720" rIns="91440" bIns="45720" numCol="1" spcCol="0" rtlCol="0" fromWordArt="0" anchor="ctr" anchorCtr="0" forceAA="0" compatLnSpc="1">
+            <a:prstTxWarp prst="textNoShape">
+              <a:avLst/>
+            </a:prstTxWarp>
+            <a:noAutofit/>
+          </a:bodyPr>
+          <a:lstStyle/>
+          <a:p>
+            <a:endParaRPr lang="de-DE"/>
+          </a:p>
+        </p:txBody>
+      </p:sp>
+      <p:sp>
+        <p:nvSpPr>
+          <p:cNvPr id="14" name="Textfeld 13">
+            <a:extLst>
+              <a:ext uri="{FF2B5EF4-FFF2-40B4-BE49-F238E27FC236}">
+                <a16:creationId xmlns:a16="http://schemas.microsoft.com/office/drawing/2014/main" id="{3B9EDC62-6CBE-4789-99DD-7E3FF69D6914}"/>
+              </a:ext>
+            </a:extLst>
+          </p:cNvPr>
+          <p:cNvSpPr txBox="1"/>
+          <p:nvPr/>
+        </p:nvSpPr>
+        <p:spPr>
+          <a:xfrm>
+            <a:off x="5975164" y="1971320"/>
+            <a:ext cx="784078" cy="271575"/>
+          </a:xfrm>
+          <a:prstGeom prst="rect">
+            <a:avLst/>
+          </a:prstGeom>
+          <a:noFill/>
+        </p:spPr>
+        <p:txBody>
+          <a:bodyPr wrap="none" rtlCol="0">
+            <a:spAutoFit/>
+          </a:bodyPr>
+          <a:lstStyle/>
+          <a:p>
+            <a:r>
+              <a:rPr lang="de-DE" dirty="0"/>
+              <a:t>Option 1</a:t>
+            </a:r>
+          </a:p>
+        </p:txBody>
+      </p:sp>
+      <p:sp>
+        <p:nvSpPr>
+          <p:cNvPr id="15" name="Textfeld 14">
+            <a:extLst>
+              <a:ext uri="{FF2B5EF4-FFF2-40B4-BE49-F238E27FC236}">
+                <a16:creationId xmlns:a16="http://schemas.microsoft.com/office/drawing/2014/main" id="{87DA6F4E-48BB-4235-AFDC-2F78466D069E}"/>
+              </a:ext>
+            </a:extLst>
+          </p:cNvPr>
+          <p:cNvSpPr txBox="1"/>
+          <p:nvPr/>
+        </p:nvSpPr>
+        <p:spPr>
+          <a:xfrm>
+            <a:off x="6247088" y="5157362"/>
+            <a:ext cx="784078" cy="271575"/>
+          </a:xfrm>
+          <a:prstGeom prst="rect">
+            <a:avLst/>
+          </a:prstGeom>
+          <a:noFill/>
+        </p:spPr>
+        <p:txBody>
+          <a:bodyPr wrap="none" rtlCol="0">
+            <a:spAutoFit/>
+          </a:bodyPr>
+          <a:lstStyle/>
+          <a:p>
+            <a:r>
+              <a:rPr lang="de-DE" dirty="0"/>
+              <a:t>Option 2</a:t>
+            </a:r>
+          </a:p>
+        </p:txBody>
+      </p:sp>
+      <p:pic>
+        <p:nvPicPr>
+          <p:cNvPr id="10" name="Grafik 9">
+            <a:extLst>
+              <a:ext uri="{FF2B5EF4-FFF2-40B4-BE49-F238E27FC236}">
+                <a16:creationId xmlns:a16="http://schemas.microsoft.com/office/drawing/2014/main" id="{24D3CA47-FF18-4680-B581-68C9A5D0A478}"/>
+              </a:ext>
+            </a:extLst>
+          </p:cNvPr>
+          <p:cNvPicPr>
+            <a:picLocks noChangeAspect="1"/>
+          </p:cNvPicPr>
+          <p:nvPr/>
+        </p:nvPicPr>
+        <p:blipFill>
+          <a:blip r:embed="rId4" cstate="print">
+            <a:extLst>
+              <a:ext uri="{28A0092B-C50C-407E-A947-70E740481C1C}">
+                <a14:useLocalDpi xmlns:a14="http://schemas.microsoft.com/office/drawing/2010/main" val="0"/>
+              </a:ext>
+            </a:extLst>
+          </a:blip>
+          <a:stretch>
+            <a:fillRect/>
+          </a:stretch>
+        </p:blipFill>
+        <p:spPr>
+          <a:xfrm>
+            <a:off x="7834874" y="2486416"/>
+            <a:ext cx="1706374" cy="3697144"/>
+          </a:xfrm>
+          <a:prstGeom prst="rect">
+            <a:avLst/>
+          </a:prstGeom>
+        </p:spPr>
+      </p:pic>
+    </p:spTree>
+    <p:extLst>
+      <p:ext uri="{BB962C8B-B14F-4D97-AF65-F5344CB8AC3E}">
+        <p14:creationId xmlns:p14="http://schemas.microsoft.com/office/powerpoint/2010/main" val="3219777229"/>
+      </p:ext>
+    </p:extLst>
+  </p:cSld>
+  <p:clrMapOvr>
+    <a:masterClrMapping/>
+  </p:clrMapOvr>
+</p:sld>
+</file>
+
+<file path=ppt/slides/slide8.xml><?xml version="1.0" encoding="utf-8"?>
+<p:sld xmlns:a="http://schemas.openxmlformats.org/drawingml/2006/main" xmlns:r="http://schemas.openxmlformats.org/officeDocument/2006/relationships" xmlns:p="http://schemas.openxmlformats.org/presentationml/2006/main">
+  <p:cSld>
+    <p:spTree>
+      <p:nvGrpSpPr>
+        <p:cNvPr id="1" name=""/>
+        <p:cNvGrpSpPr/>
+        <p:nvPr/>
+      </p:nvGrpSpPr>
+      <p:grpSpPr>
+        <a:xfrm>
+          <a:off x="0" y="0"/>
+          <a:ext cx="0" cy="0"/>
+          <a:chOff x="0" y="0"/>
+          <a:chExt cx="0" cy="0"/>
+        </a:xfrm>
+      </p:grpSpPr>
+      <p:pic>
+        <p:nvPicPr>
+          <p:cNvPr id="5" name="Grafik 4">
+            <a:extLst>
+              <a:ext uri="{FF2B5EF4-FFF2-40B4-BE49-F238E27FC236}">
+                <a16:creationId xmlns:a16="http://schemas.microsoft.com/office/drawing/2014/main" id="{4481D48E-246F-4A06-8E89-662BECC7E8A7}"/>
+              </a:ext>
+            </a:extLst>
+          </p:cNvPr>
+          <p:cNvPicPr>
+            <a:picLocks noChangeAspect="1"/>
+          </p:cNvPicPr>
+          <p:nvPr/>
+        </p:nvPicPr>
+        <p:blipFill>
+          <a:blip r:embed="rId2" cstate="print">
+            <a:extLst>
+              <a:ext uri="{28A0092B-C50C-407E-A947-70E740481C1C}">
+                <a14:useLocalDpi xmlns:a14="http://schemas.microsoft.com/office/drawing/2010/main" val="0"/>
+              </a:ext>
+            </a:extLst>
+          </a:blip>
+          <a:stretch>
+            <a:fillRect/>
+          </a:stretch>
+        </p:blipFill>
+        <p:spPr>
+          <a:xfrm>
+            <a:off x="3524911" y="2019136"/>
+            <a:ext cx="1728770" cy="3745668"/>
+          </a:xfrm>
+          <a:prstGeom prst="rect">
+            <a:avLst/>
+          </a:prstGeom>
+        </p:spPr>
+      </p:pic>
+      <p:sp>
+        <p:nvSpPr>
+          <p:cNvPr id="2" name="Titel 1">
+            <a:extLst>
+              <a:ext uri="{FF2B5EF4-FFF2-40B4-BE49-F238E27FC236}">
+                <a16:creationId xmlns:a16="http://schemas.microsoft.com/office/drawing/2014/main" id="{7A2E130B-94E8-4CAA-B302-7DE06D746F64}"/>
+              </a:ext>
+            </a:extLst>
+          </p:cNvPr>
+          <p:cNvSpPr>
+            <a:spLocks noGrp="1"/>
+          </p:cNvSpPr>
+          <p:nvPr>
+            <p:ph type="title"/>
+          </p:nvPr>
+        </p:nvSpPr>
+        <p:spPr/>
+        <p:txBody>
+          <a:bodyPr/>
+          <a:lstStyle/>
+          <a:p>
+            <a:r>
+              <a:rPr lang="de-DE" dirty="0"/>
+              <a:t>App – Connect Sensor</a:t>
+            </a:r>
+          </a:p>
+        </p:txBody>
+      </p:sp>
+      <p:sp>
+        <p:nvSpPr>
+          <p:cNvPr id="3" name="Inhaltsplatzhalter 2">
+            <a:extLst>
+              <a:ext uri="{FF2B5EF4-FFF2-40B4-BE49-F238E27FC236}">
+                <a16:creationId xmlns:a16="http://schemas.microsoft.com/office/drawing/2014/main" id="{139C6279-4AF5-4A5E-B910-C568905D5428}"/>
+              </a:ext>
+            </a:extLst>
+          </p:cNvPr>
+          <p:cNvSpPr>
+            <a:spLocks noGrp="1"/>
+          </p:cNvSpPr>
+          <p:nvPr>
+            <p:ph idx="1"/>
+          </p:nvPr>
+        </p:nvSpPr>
+        <p:spPr>
+          <a:xfrm>
+            <a:off x="677335" y="2160589"/>
+            <a:ext cx="2637366" cy="3880773"/>
+          </a:xfrm>
+        </p:spPr>
+        <p:txBody>
+          <a:bodyPr>
+            <a:noAutofit/>
+          </a:bodyPr>
+          <a:lstStyle/>
+          <a:p>
+            <a:r>
+              <a:rPr lang="de-DE" sz="1600" dirty="0"/>
+              <a:t>Press „Connect“ in „Devices“ screen</a:t>
+            </a:r>
+          </a:p>
+          <a:p>
+            <a:r>
+              <a:rPr lang="de-DE" sz="1600" dirty="0"/>
+              <a:t>Connection </a:t>
+            </a:r>
+            <a:r>
+              <a:rPr lang="de-DE" sz="1600" dirty="0" err="1"/>
+              <a:t>process</a:t>
+            </a:r>
+            <a:r>
+              <a:rPr lang="de-DE" sz="1600" dirty="0"/>
+              <a:t> </a:t>
+            </a:r>
+            <a:r>
+              <a:rPr lang="de-DE" sz="1600" dirty="0" err="1"/>
+              <a:t>can</a:t>
+            </a:r>
+            <a:r>
+              <a:rPr lang="de-DE" sz="1600" dirty="0"/>
+              <a:t> last </a:t>
+            </a:r>
+            <a:r>
+              <a:rPr lang="de-DE" sz="1600" dirty="0" err="1"/>
+              <a:t>up</a:t>
+            </a:r>
+            <a:r>
+              <a:rPr lang="de-DE" sz="1600" dirty="0"/>
+              <a:t> </a:t>
+            </a:r>
+            <a:r>
+              <a:rPr lang="de-DE" sz="1600" dirty="0" err="1"/>
+              <a:t>to</a:t>
+            </a:r>
+            <a:r>
+              <a:rPr lang="de-DE" sz="1600" dirty="0"/>
+              <a:t> 60 </a:t>
+            </a:r>
+            <a:r>
+              <a:rPr lang="de-DE" sz="1600" dirty="0" err="1"/>
+              <a:t>seconds</a:t>
+            </a:r>
+            <a:endParaRPr lang="de-DE" sz="1600" dirty="0"/>
+          </a:p>
+          <a:p>
+            <a:r>
+              <a:rPr lang="de-DE" sz="1600" dirty="0" err="1"/>
+              <a:t>When</a:t>
+            </a:r>
+            <a:r>
+              <a:rPr lang="de-DE" sz="1600" dirty="0"/>
+              <a:t> </a:t>
+            </a:r>
+            <a:r>
+              <a:rPr lang="de-DE" sz="1600" dirty="0" err="1"/>
+              <a:t>the</a:t>
+            </a:r>
+            <a:r>
+              <a:rPr lang="de-DE" sz="1600" dirty="0"/>
+              <a:t> </a:t>
+            </a:r>
+            <a:r>
+              <a:rPr lang="de-DE" sz="1600" dirty="0" err="1"/>
+              <a:t>sensor</a:t>
+            </a:r>
+            <a:r>
+              <a:rPr lang="de-DE" sz="1600" dirty="0"/>
+              <a:t> </a:t>
+            </a:r>
+            <a:r>
+              <a:rPr lang="de-DE" sz="1600" dirty="0" err="1"/>
+              <a:t>is</a:t>
+            </a:r>
+            <a:r>
+              <a:rPr lang="de-DE" sz="1600" dirty="0"/>
+              <a:t> </a:t>
+            </a:r>
+            <a:r>
+              <a:rPr lang="de-DE" sz="1600" dirty="0" err="1"/>
+              <a:t>connected</a:t>
+            </a:r>
+            <a:r>
+              <a:rPr lang="de-DE" sz="1600" dirty="0"/>
+              <a:t> </a:t>
+            </a:r>
+            <a:r>
+              <a:rPr lang="de-DE" sz="1600" dirty="0" err="1"/>
+              <a:t>the</a:t>
+            </a:r>
+            <a:r>
+              <a:rPr lang="de-DE" sz="1600" dirty="0"/>
+              <a:t> </a:t>
+            </a:r>
+            <a:r>
+              <a:rPr lang="de-DE" sz="1600" dirty="0" err="1"/>
+              <a:t>first</a:t>
+            </a:r>
+            <a:r>
+              <a:rPr lang="de-DE" sz="1600" dirty="0"/>
+              <a:t> time, a </a:t>
+            </a:r>
+            <a:r>
+              <a:rPr lang="de-DE" sz="1600" dirty="0" err="1"/>
+              <a:t>pairing</a:t>
+            </a:r>
+            <a:r>
+              <a:rPr lang="de-DE" sz="1600" dirty="0"/>
+              <a:t> </a:t>
+            </a:r>
+            <a:r>
+              <a:rPr lang="de-DE" sz="1600" dirty="0" err="1"/>
+              <a:t>notification</a:t>
+            </a:r>
+            <a:r>
+              <a:rPr lang="de-DE" sz="1600" dirty="0"/>
+              <a:t> </a:t>
+            </a:r>
+            <a:r>
+              <a:rPr lang="de-DE" sz="1600" dirty="0" err="1"/>
+              <a:t>is</a:t>
+            </a:r>
+            <a:r>
+              <a:rPr lang="de-DE" sz="1600" dirty="0"/>
+              <a:t> </a:t>
+            </a:r>
+            <a:r>
+              <a:rPr lang="de-DE" sz="1600" dirty="0" err="1"/>
+              <a:t>shown</a:t>
+            </a:r>
+            <a:r>
+              <a:rPr lang="de-DE" sz="1600" dirty="0"/>
+              <a:t> </a:t>
+            </a:r>
+            <a:r>
+              <a:rPr lang="de-DE" sz="1600" dirty="0" err="1"/>
+              <a:t>by</a:t>
+            </a:r>
+            <a:r>
+              <a:rPr lang="de-DE" sz="1600" dirty="0"/>
+              <a:t> Android</a:t>
+            </a:r>
+          </a:p>
+          <a:p>
+            <a:r>
+              <a:rPr lang="de-DE" sz="1600" dirty="0"/>
+              <a:t>On </a:t>
+            </a:r>
+            <a:r>
+              <a:rPr lang="de-DE" sz="1600" dirty="0" err="1"/>
+              <a:t>success</a:t>
+            </a:r>
+            <a:r>
+              <a:rPr lang="de-DE" sz="1600" dirty="0"/>
+              <a:t>, </a:t>
+            </a:r>
+            <a:r>
+              <a:rPr lang="de-DE" sz="1600" dirty="0" err="1"/>
+              <a:t>the</a:t>
+            </a:r>
+            <a:r>
+              <a:rPr lang="de-DE" sz="1600" dirty="0"/>
+              <a:t> </a:t>
+            </a:r>
+            <a:r>
+              <a:rPr lang="de-DE" sz="1600" dirty="0" err="1"/>
+              <a:t>app</a:t>
+            </a:r>
+            <a:r>
+              <a:rPr lang="de-DE" sz="1600" dirty="0"/>
+              <a:t> </a:t>
+            </a:r>
+            <a:r>
+              <a:rPr lang="de-DE" sz="1600" dirty="0" err="1"/>
+              <a:t>automatically</a:t>
+            </a:r>
+            <a:r>
+              <a:rPr lang="de-DE" sz="1600" dirty="0"/>
+              <a:t> </a:t>
+            </a:r>
+            <a:r>
+              <a:rPr lang="de-DE" sz="1600" dirty="0" err="1"/>
+              <a:t>switches</a:t>
+            </a:r>
+            <a:r>
+              <a:rPr lang="de-DE" sz="1600" dirty="0"/>
+              <a:t> </a:t>
+            </a:r>
+            <a:r>
+              <a:rPr lang="de-DE" sz="1600" dirty="0" err="1"/>
+              <a:t>to</a:t>
+            </a:r>
+            <a:r>
+              <a:rPr lang="de-DE" sz="1600" dirty="0"/>
+              <a:t> </a:t>
+            </a:r>
+            <a:r>
+              <a:rPr lang="de-DE" sz="1600" dirty="0" err="1"/>
+              <a:t>the</a:t>
+            </a:r>
+            <a:r>
+              <a:rPr lang="de-DE" sz="1600" dirty="0"/>
+              <a:t> „Home“ screen</a:t>
+            </a:r>
+          </a:p>
+        </p:txBody>
+      </p:sp>
+      <p:sp>
+        <p:nvSpPr>
+          <p:cNvPr id="9" name="Foliennummernplatzhalter 8">
+            <a:extLst>
+              <a:ext uri="{FF2B5EF4-FFF2-40B4-BE49-F238E27FC236}">
+                <a16:creationId xmlns:a16="http://schemas.microsoft.com/office/drawing/2014/main" id="{39591CCC-4827-407E-8E7B-BEB99FBB1D9F}"/>
+              </a:ext>
+            </a:extLst>
+          </p:cNvPr>
+          <p:cNvSpPr>
+            <a:spLocks noGrp="1"/>
+          </p:cNvSpPr>
+          <p:nvPr>
+            <p:ph type="sldNum" sz="quarter" idx="12"/>
+          </p:nvPr>
+        </p:nvSpPr>
+        <p:spPr/>
+        <p:txBody>
+          <a:bodyPr/>
+          <a:lstStyle/>
+          <a:p>
+            <a:fld id="{519954A3-9DFD-4C44-94BA-B95130A3BA1C}" type="slidenum">
+              <a:rPr lang="en-US" smtClean="0"/>
+              <a:t>8</a:t>
+            </a:fld>
+            <a:endParaRPr lang="en-US" dirty="0"/>
+          </a:p>
+        </p:txBody>
+      </p:sp>
+      <p:sp>
+        <p:nvSpPr>
+          <p:cNvPr id="23" name="Pfeil: nach unten 22">
+            <a:extLst>
+              <a:ext uri="{FF2B5EF4-FFF2-40B4-BE49-F238E27FC236}">
+                <a16:creationId xmlns:a16="http://schemas.microsoft.com/office/drawing/2014/main" id="{5AD12DD1-329A-4FD5-A4FF-5647B8B8ADE1}"/>
+              </a:ext>
+            </a:extLst>
+          </p:cNvPr>
+          <p:cNvSpPr/>
+          <p:nvPr/>
+        </p:nvSpPr>
+        <p:spPr>
+          <a:xfrm rot="16200000">
+            <a:off x="3261470" y="2367766"/>
             <a:ext cx="255747" cy="367541"/>
           </a:xfrm>
           <a:prstGeom prst="downArrow">
@@ -6848,76 +8381,6 @@
           </a:p>
         </p:txBody>
       </p:sp>
-      <p:pic>
-        <p:nvPicPr>
-          <p:cNvPr id="26" name="Grafik 25">
-            <a:extLst>
-              <a:ext uri="{FF2B5EF4-FFF2-40B4-BE49-F238E27FC236}">
-                <a16:creationId xmlns:a16="http://schemas.microsoft.com/office/drawing/2014/main" id="{E5EAEFF7-CD99-4335-9388-365757136C70}"/>
-              </a:ext>
-            </a:extLst>
-          </p:cNvPr>
-          <p:cNvPicPr>
-            <a:picLocks noChangeAspect="1"/>
-          </p:cNvPicPr>
-          <p:nvPr/>
-        </p:nvPicPr>
-        <p:blipFill>
-          <a:blip r:embed="rId3"/>
-          <a:stretch>
-            <a:fillRect/>
-          </a:stretch>
-        </p:blipFill>
-        <p:spPr>
-          <a:xfrm>
-            <a:off x="5648107" y="2019138"/>
-            <a:ext cx="1822217" cy="3745669"/>
-          </a:xfrm>
-          <a:prstGeom prst="rect">
-            <a:avLst/>
-          </a:prstGeom>
-          <a:ln>
-            <a:solidFill>
-              <a:schemeClr val="tx1"/>
-            </a:solidFill>
-          </a:ln>
-        </p:spPr>
-      </p:pic>
-      <p:pic>
-        <p:nvPicPr>
-          <p:cNvPr id="28" name="Grafik 27">
-            <a:extLst>
-              <a:ext uri="{FF2B5EF4-FFF2-40B4-BE49-F238E27FC236}">
-                <a16:creationId xmlns:a16="http://schemas.microsoft.com/office/drawing/2014/main" id="{27F6D574-8706-4CDD-9B17-D9C1E02BBD1E}"/>
-              </a:ext>
-            </a:extLst>
-          </p:cNvPr>
-          <p:cNvPicPr>
-            <a:picLocks noChangeAspect="1"/>
-          </p:cNvPicPr>
-          <p:nvPr/>
-        </p:nvPicPr>
-        <p:blipFill>
-          <a:blip r:embed="rId4"/>
-          <a:stretch>
-            <a:fillRect/>
-          </a:stretch>
-        </p:blipFill>
-        <p:spPr>
-          <a:xfrm>
-            <a:off x="9536941" y="2019136"/>
-            <a:ext cx="1822217" cy="3745670"/>
-          </a:xfrm>
-          <a:prstGeom prst="rect">
-            <a:avLst/>
-          </a:prstGeom>
-          <a:ln>
-            <a:solidFill>
-              <a:schemeClr val="tx1"/>
-            </a:solidFill>
-          </a:ln>
-        </p:spPr>
-      </p:pic>
       <p:sp>
         <p:nvSpPr>
           <p:cNvPr id="30" name="Rechteck 29">
@@ -6932,7 +8395,7 @@
         </p:nvSpPr>
         <p:spPr>
           <a:xfrm>
-            <a:off x="4407385" y="5290811"/>
+            <a:off x="4319866" y="5424616"/>
             <a:ext cx="400973" cy="255747"/>
           </a:xfrm>
           <a:prstGeom prst="rect">
@@ -6985,14 +8448,14 @@
           <p:nvPr/>
         </p:nvPicPr>
         <p:blipFill>
-          <a:blip r:embed="rId5"/>
+          <a:blip r:embed="rId3"/>
           <a:stretch>
             <a:fillRect/>
           </a:stretch>
         </p:blipFill>
         <p:spPr>
           <a:xfrm>
-            <a:off x="7592524" y="2019136"/>
+            <a:off x="7447681" y="2019136"/>
             <a:ext cx="1822217" cy="3745668"/>
           </a:xfrm>
           <a:prstGeom prst="rect">
@@ -7114,135 +8577,12 @@
           </a:p>
         </p:txBody>
       </p:sp>
-    </p:spTree>
-    <p:extLst>
-      <p:ext uri="{BB962C8B-B14F-4D97-AF65-F5344CB8AC3E}">
-        <p14:creationId xmlns:p14="http://schemas.microsoft.com/office/powerpoint/2010/main" val="3963639534"/>
-      </p:ext>
-    </p:extLst>
-  </p:cSld>
-  <p:clrMapOvr>
-    <a:masterClrMapping/>
-  </p:clrMapOvr>
-</p:sld>
-</file>
-
-<file path=ppt/slides/slide7.xml><?xml version="1.0" encoding="utf-8"?>
-<p:sld xmlns:a="http://schemas.openxmlformats.org/drawingml/2006/main" xmlns:r="http://schemas.openxmlformats.org/officeDocument/2006/relationships" xmlns:p="http://schemas.openxmlformats.org/presentationml/2006/main">
-  <p:cSld>
-    <p:spTree>
-      <p:nvGrpSpPr>
-        <p:cNvPr id="1" name=""/>
-        <p:cNvGrpSpPr/>
-        <p:nvPr/>
-      </p:nvGrpSpPr>
-      <p:grpSpPr>
-        <a:xfrm>
-          <a:off x="0" y="0"/>
-          <a:ext cx="0" cy="0"/>
-          <a:chOff x="0" y="0"/>
-          <a:chExt cx="0" cy="0"/>
-        </a:xfrm>
-      </p:grpSpPr>
-      <p:sp>
-        <p:nvSpPr>
-          <p:cNvPr id="3" name="Inhaltsplatzhalter 2">
-            <a:extLst>
-              <a:ext uri="{FF2B5EF4-FFF2-40B4-BE49-F238E27FC236}">
-                <a16:creationId xmlns:a16="http://schemas.microsoft.com/office/drawing/2014/main" id="{139C6279-4AF5-4A5E-B910-C568905D5428}"/>
-              </a:ext>
-            </a:extLst>
-          </p:cNvPr>
-          <p:cNvSpPr>
-            <a:spLocks noGrp="1"/>
-          </p:cNvSpPr>
-          <p:nvPr>
-            <p:ph idx="1"/>
-          </p:nvPr>
-        </p:nvSpPr>
-        <p:spPr>
-          <a:xfrm>
-            <a:off x="677334" y="2160589"/>
-            <a:ext cx="4243581" cy="3880773"/>
-          </a:xfrm>
-        </p:spPr>
-        <p:txBody>
-          <a:bodyPr>
-            <a:normAutofit/>
-          </a:bodyPr>
-          <a:lstStyle/>
-          <a:p>
-            <a:r>
-              <a:rPr lang="de-DE" sz="1600" dirty="0"/>
-              <a:t>Use </a:t>
-            </a:r>
-            <a:r>
-              <a:rPr lang="de-DE" sz="1600" dirty="0" err="1"/>
-              <a:t>your</a:t>
-            </a:r>
-            <a:r>
-              <a:rPr lang="de-DE" sz="1600" dirty="0"/>
-              <a:t> OAuth2 </a:t>
-            </a:r>
-            <a:r>
-              <a:rPr lang="de-DE" sz="1600" dirty="0" err="1"/>
-              <a:t>account</a:t>
-            </a:r>
-            <a:r>
-              <a:rPr lang="de-DE" sz="1600" dirty="0"/>
-              <a:t> </a:t>
-            </a:r>
-            <a:r>
-              <a:rPr lang="de-DE" sz="1600" dirty="0" err="1"/>
-              <a:t>to</a:t>
-            </a:r>
-            <a:r>
-              <a:rPr lang="de-DE" sz="1600" dirty="0"/>
-              <a:t> </a:t>
-            </a:r>
-            <a:r>
-              <a:rPr lang="de-DE" sz="1600" dirty="0" err="1"/>
-              <a:t>login</a:t>
-            </a:r>
-            <a:endParaRPr lang="de-DE" sz="1600" dirty="0"/>
-          </a:p>
-        </p:txBody>
-      </p:sp>
-      <p:sp>
-        <p:nvSpPr>
-          <p:cNvPr id="4" name="Foliennummernplatzhalter 3">
-            <a:extLst>
-              <a:ext uri="{FF2B5EF4-FFF2-40B4-BE49-F238E27FC236}">
-                <a16:creationId xmlns:a16="http://schemas.microsoft.com/office/drawing/2014/main" id="{87EFF630-05C1-41BE-84A7-A49B73E82BCB}"/>
-              </a:ext>
-            </a:extLst>
-          </p:cNvPr>
-          <p:cNvSpPr>
-            <a:spLocks noGrp="1"/>
-          </p:cNvSpPr>
-          <p:nvPr>
-            <p:ph type="sldNum" sz="quarter" idx="12"/>
-          </p:nvPr>
-        </p:nvSpPr>
-        <p:spPr/>
-        <p:txBody>
-          <a:bodyPr/>
-          <a:lstStyle/>
-          <a:p>
-            <a:fld id="{519954A3-9DFD-4C44-94BA-B95130A3BA1C}" type="slidenum">
-              <a:rPr lang="en-US" smtClean="0"/>
-              <a:t>7</a:t>
-            </a:fld>
-            <a:endParaRPr lang="en-US" dirty="0"/>
-          </a:p>
-        </p:txBody>
-      </p:sp>
       <p:pic>
         <p:nvPicPr>
-          <p:cNvPr id="17" name="Grafik 16">
+          <p:cNvPr id="7" name="Grafik 6">
             <a:extLst>
               <a:ext uri="{FF2B5EF4-FFF2-40B4-BE49-F238E27FC236}">
-                <a16:creationId xmlns:a16="http://schemas.microsoft.com/office/drawing/2014/main" id="{45C23C6E-4451-41EB-9B30-48D9642245A2}"/>
+                <a16:creationId xmlns:a16="http://schemas.microsoft.com/office/drawing/2014/main" id="{43F42DDF-1F0A-4FCE-A0DF-E139FEB11AEF}"/>
               </a:ext>
             </a:extLst>
           </p:cNvPr>
@@ -7252,339 +8592,33 @@
           <p:nvPr/>
         </p:nvPicPr>
         <p:blipFill>
-          <a:blip r:embed="rId2"/>
+          <a:blip r:embed="rId4" cstate="print">
+            <a:extLst>
+              <a:ext uri="{28A0092B-C50C-407E-A947-70E740481C1C}">
+                <a14:useLocalDpi xmlns:a14="http://schemas.microsoft.com/office/drawing/2010/main" val="0"/>
+              </a:ext>
+            </a:extLst>
+          </a:blip>
           <a:stretch>
             <a:fillRect/>
           </a:stretch>
         </p:blipFill>
         <p:spPr>
           <a:xfrm>
-            <a:off x="5011163" y="2160589"/>
-            <a:ext cx="1811566" cy="3723774"/>
-          </a:xfrm>
-          <a:prstGeom prst="rect">
-            <a:avLst/>
-          </a:prstGeom>
-          <a:ln>
-            <a:solidFill>
-              <a:schemeClr val="tx1"/>
-            </a:solidFill>
-          </a:ln>
-        </p:spPr>
-      </p:pic>
-      <p:sp>
-        <p:nvSpPr>
-          <p:cNvPr id="18" name="Pfeil: nach unten 17">
-            <a:extLst>
-              <a:ext uri="{FF2B5EF4-FFF2-40B4-BE49-F238E27FC236}">
-                <a16:creationId xmlns:a16="http://schemas.microsoft.com/office/drawing/2014/main" id="{74EFDB4F-2091-4E29-B46A-9EE7366FD488}"/>
-              </a:ext>
-            </a:extLst>
-          </p:cNvPr>
-          <p:cNvSpPr/>
-          <p:nvPr/>
-        </p:nvSpPr>
-        <p:spPr>
-          <a:xfrm>
-            <a:off x="5755222" y="1893384"/>
-            <a:ext cx="323447" cy="422012"/>
-          </a:xfrm>
-          <a:prstGeom prst="downArrow">
-            <a:avLst/>
-          </a:prstGeom>
-        </p:spPr>
-        <p:style>
-          <a:lnRef idx="2">
-            <a:schemeClr val="accent1">
-              <a:shade val="50000"/>
-            </a:schemeClr>
-          </a:lnRef>
-          <a:fillRef idx="1">
-            <a:schemeClr val="accent1"/>
-          </a:fillRef>
-          <a:effectRef idx="0">
-            <a:schemeClr val="accent1"/>
-          </a:effectRef>
-          <a:fontRef idx="minor">
-            <a:schemeClr val="lt1"/>
-          </a:fontRef>
-        </p:style>
-        <p:txBody>
-          <a:bodyPr rot="0" spcFirstLastPara="0" vert="horz" wrap="square" lIns="91440" tIns="45720" rIns="91440" bIns="45720" numCol="1" spcCol="0" rtlCol="0" fromWordArt="0" anchor="ctr" anchorCtr="0" forceAA="0" compatLnSpc="1">
-            <a:prstTxWarp prst="textNoShape">
-              <a:avLst/>
-            </a:prstTxWarp>
-            <a:noAutofit/>
-          </a:bodyPr>
-          <a:lstStyle/>
-          <a:p>
-            <a:endParaRPr lang="de-DE"/>
-          </a:p>
-        </p:txBody>
-      </p:sp>
-      <p:sp>
-        <p:nvSpPr>
-          <p:cNvPr id="8" name="Titel 1">
-            <a:extLst>
-              <a:ext uri="{FF2B5EF4-FFF2-40B4-BE49-F238E27FC236}">
-                <a16:creationId xmlns:a16="http://schemas.microsoft.com/office/drawing/2014/main" id="{75EE5649-DDB4-46C8-8086-B6BE64E0499B}"/>
-              </a:ext>
-            </a:extLst>
-          </p:cNvPr>
-          <p:cNvSpPr txBox="1">
-            <a:spLocks/>
-          </p:cNvSpPr>
-          <p:nvPr/>
-        </p:nvSpPr>
-        <p:spPr>
-          <a:xfrm>
-            <a:off x="838200" y="1219863"/>
-            <a:ext cx="10515600" cy="950536"/>
+            <a:off x="5463891" y="2019136"/>
+            <a:ext cx="1728770" cy="3745668"/>
           </a:xfrm>
           <a:prstGeom prst="rect">
             <a:avLst/>
           </a:prstGeom>
         </p:spPr>
-        <p:txBody>
-          <a:bodyPr vert="horz" lIns="91440" tIns="45720" rIns="91440" bIns="45720" rtlCol="0" anchor="ctr">
-            <a:normAutofit/>
-          </a:bodyPr>
-          <a:lstStyle>
-            <a:lvl1pPr algn="l" defTabSz="914400" rtl="0" eaLnBrk="1" latinLnBrk="0" hangingPunct="1">
-              <a:lnSpc>
-                <a:spcPct val="90000"/>
-              </a:lnSpc>
-              <a:spcBef>
-                <a:spcPct val="0"/>
-              </a:spcBef>
-              <a:buNone/>
-              <a:defRPr sz="3600" kern="1200">
-                <a:solidFill>
-                  <a:srgbClr val="65A3C4"/>
-                </a:solidFill>
-                <a:latin typeface="Trebuchet MS (Überschriften)"/>
-                <a:ea typeface="+mj-ea"/>
-                <a:cs typeface="+mj-cs"/>
-              </a:defRPr>
-            </a:lvl1pPr>
-          </a:lstStyle>
-          <a:p>
-            <a:r>
-              <a:rPr lang="de-DE" dirty="0"/>
-              <a:t>App – Login</a:t>
-            </a:r>
-          </a:p>
-        </p:txBody>
-      </p:sp>
-    </p:spTree>
-    <p:extLst>
-      <p:ext uri="{BB962C8B-B14F-4D97-AF65-F5344CB8AC3E}">
-        <p14:creationId xmlns:p14="http://schemas.microsoft.com/office/powerpoint/2010/main" val="3099247052"/>
-      </p:ext>
-    </p:extLst>
-  </p:cSld>
-  <p:clrMapOvr>
-    <a:masterClrMapping/>
-  </p:clrMapOvr>
-</p:sld>
-</file>
-
-<file path=ppt/slides/slide8.xml><?xml version="1.0" encoding="utf-8"?>
-<p:sld xmlns:a="http://schemas.openxmlformats.org/drawingml/2006/main" xmlns:r="http://schemas.openxmlformats.org/officeDocument/2006/relationships" xmlns:p="http://schemas.openxmlformats.org/presentationml/2006/main">
-  <p:cSld>
-    <p:spTree>
-      <p:nvGrpSpPr>
-        <p:cNvPr id="1" name=""/>
-        <p:cNvGrpSpPr/>
-        <p:nvPr/>
-      </p:nvGrpSpPr>
-      <p:grpSpPr>
-        <a:xfrm>
-          <a:off x="0" y="0"/>
-          <a:ext cx="0" cy="0"/>
-          <a:chOff x="0" y="0"/>
-          <a:chExt cx="0" cy="0"/>
-        </a:xfrm>
-      </p:grpSpPr>
-      <p:sp>
-        <p:nvSpPr>
-          <p:cNvPr id="2" name="Titel 1">
-            <a:extLst>
-              <a:ext uri="{FF2B5EF4-FFF2-40B4-BE49-F238E27FC236}">
-                <a16:creationId xmlns:a16="http://schemas.microsoft.com/office/drawing/2014/main" id="{05D33809-8A21-41B0-AEE4-6E14BDBCF535}"/>
-              </a:ext>
-            </a:extLst>
-          </p:cNvPr>
-          <p:cNvSpPr>
-            <a:spLocks noGrp="1"/>
-          </p:cNvSpPr>
-          <p:nvPr>
-            <p:ph type="title"/>
-          </p:nvPr>
-        </p:nvSpPr>
-        <p:spPr/>
-        <p:txBody>
-          <a:bodyPr/>
-          <a:lstStyle/>
-          <a:p>
-            <a:r>
-              <a:rPr lang="de-DE" dirty="0"/>
-              <a:t>App – Start Tracking</a:t>
-            </a:r>
-          </a:p>
-        </p:txBody>
-      </p:sp>
-      <p:sp>
-        <p:nvSpPr>
-          <p:cNvPr id="3" name="Inhaltsplatzhalter 2">
-            <a:extLst>
-              <a:ext uri="{FF2B5EF4-FFF2-40B4-BE49-F238E27FC236}">
-                <a16:creationId xmlns:a16="http://schemas.microsoft.com/office/drawing/2014/main" id="{E8E1A594-BDAB-4674-B822-BD2B5AC824D8}"/>
-              </a:ext>
-            </a:extLst>
-          </p:cNvPr>
-          <p:cNvSpPr>
-            <a:spLocks noGrp="1"/>
-          </p:cNvSpPr>
-          <p:nvPr>
-            <p:ph idx="1"/>
-          </p:nvPr>
-        </p:nvSpPr>
-        <p:spPr>
-          <a:xfrm>
-            <a:off x="677334" y="2160589"/>
-            <a:ext cx="4395707" cy="3880773"/>
-          </a:xfrm>
-        </p:spPr>
-        <p:txBody>
-          <a:bodyPr/>
-          <a:lstStyle/>
-          <a:p>
-            <a:r>
-              <a:rPr lang="de-DE" sz="1600" dirty="0"/>
-              <a:t>Tracking </a:t>
-            </a:r>
-            <a:r>
-              <a:rPr lang="de-DE" sz="1600" dirty="0" err="1"/>
-              <a:t>can</a:t>
-            </a:r>
-            <a:r>
-              <a:rPr lang="de-DE" sz="1600" dirty="0"/>
-              <a:t> </a:t>
-            </a:r>
-            <a:r>
-              <a:rPr lang="de-DE" sz="1600" dirty="0" err="1"/>
-              <a:t>only</a:t>
-            </a:r>
-            <a:r>
-              <a:rPr lang="de-DE" sz="1600" dirty="0"/>
-              <a:t> </a:t>
-            </a:r>
-            <a:r>
-              <a:rPr lang="de-DE" sz="1600" dirty="0" err="1"/>
-              <a:t>be</a:t>
-            </a:r>
-            <a:r>
-              <a:rPr lang="de-DE" sz="1600" dirty="0"/>
-              <a:t> </a:t>
-            </a:r>
-            <a:r>
-              <a:rPr lang="de-DE" sz="1600" dirty="0" err="1"/>
-              <a:t>started</a:t>
-            </a:r>
-            <a:r>
-              <a:rPr lang="de-DE" sz="1600" dirty="0"/>
-              <a:t> </a:t>
-            </a:r>
-            <a:r>
-              <a:rPr lang="de-DE" sz="1600" dirty="0" err="1"/>
-              <a:t>when</a:t>
-            </a:r>
-            <a:r>
-              <a:rPr lang="de-DE" sz="1600" dirty="0"/>
-              <a:t> a </a:t>
-            </a:r>
-            <a:r>
-              <a:rPr lang="de-DE" sz="1600" dirty="0" err="1"/>
-              <a:t>sensor</a:t>
-            </a:r>
-            <a:r>
-              <a:rPr lang="de-DE" sz="1600" dirty="0"/>
-              <a:t> </a:t>
-            </a:r>
-            <a:r>
-              <a:rPr lang="de-DE" sz="1600" dirty="0" err="1"/>
-              <a:t>is</a:t>
-            </a:r>
-            <a:r>
-              <a:rPr lang="de-DE" sz="1600" dirty="0"/>
-              <a:t> </a:t>
-            </a:r>
-            <a:r>
-              <a:rPr lang="de-DE" sz="1600" dirty="0" err="1"/>
-              <a:t>connected</a:t>
-            </a:r>
-            <a:r>
-              <a:rPr lang="de-DE" sz="1600" dirty="0"/>
-              <a:t> and a </a:t>
-            </a:r>
-            <a:r>
-              <a:rPr lang="de-DE" sz="1600" dirty="0" err="1"/>
-              <a:t>user</a:t>
-            </a:r>
-            <a:r>
-              <a:rPr lang="de-DE" sz="1600" dirty="0"/>
-              <a:t> </a:t>
-            </a:r>
-            <a:r>
-              <a:rPr lang="de-DE" sz="1600" dirty="0" err="1"/>
-              <a:t>logged</a:t>
-            </a:r>
-            <a:r>
-              <a:rPr lang="de-DE" sz="1600" dirty="0"/>
-              <a:t> in</a:t>
-            </a:r>
-          </a:p>
-          <a:p>
-            <a:endParaRPr lang="de-DE" dirty="0"/>
-          </a:p>
-        </p:txBody>
-      </p:sp>
-      <p:sp>
-        <p:nvSpPr>
-          <p:cNvPr id="4" name="Foliennummernplatzhalter 3">
-            <a:extLst>
-              <a:ext uri="{FF2B5EF4-FFF2-40B4-BE49-F238E27FC236}">
-                <a16:creationId xmlns:a16="http://schemas.microsoft.com/office/drawing/2014/main" id="{50B7BBC7-9902-4D6E-A458-9C2FC00B0D3F}"/>
-              </a:ext>
-            </a:extLst>
-          </p:cNvPr>
-          <p:cNvSpPr>
-            <a:spLocks noGrp="1"/>
-          </p:cNvSpPr>
-          <p:nvPr>
-            <p:ph type="sldNum" sz="quarter" idx="12"/>
-          </p:nvPr>
-        </p:nvSpPr>
-        <p:spPr/>
-        <p:txBody>
-          <a:bodyPr/>
-          <a:lstStyle/>
-          <a:p>
-            <a:fld id="{519954A3-9DFD-4C44-94BA-B95130A3BA1C}" type="slidenum">
-              <a:rPr lang="en-US" smtClean="0"/>
-              <a:t>8</a:t>
-            </a:fld>
-            <a:endParaRPr lang="en-US" dirty="0"/>
-          </a:p>
-        </p:txBody>
-      </p:sp>
+      </p:pic>
       <p:pic>
         <p:nvPicPr>
-          <p:cNvPr id="6" name="Grafik 5">
+          <p:cNvPr id="12" name="Grafik 11">
             <a:extLst>
               <a:ext uri="{FF2B5EF4-FFF2-40B4-BE49-F238E27FC236}">
-                <a16:creationId xmlns:a16="http://schemas.microsoft.com/office/drawing/2014/main" id="{BE8D998C-BD3F-4792-B45F-54541AAAFA6B}"/>
+                <a16:creationId xmlns:a16="http://schemas.microsoft.com/office/drawing/2014/main" id="{093EF7C1-F470-4D87-9956-3DAD6BC4B03A}"/>
               </a:ext>
             </a:extLst>
           </p:cNvPr>
@@ -7594,75 +8628,31 @@
           <p:nvPr/>
         </p:nvPicPr>
         <p:blipFill>
-          <a:blip r:embed="rId2"/>
+          <a:blip r:embed="rId5" cstate="print">
+            <a:extLst>
+              <a:ext uri="{28A0092B-C50C-407E-A947-70E740481C1C}">
+                <a14:useLocalDpi xmlns:a14="http://schemas.microsoft.com/office/drawing/2010/main" val="0"/>
+              </a:ext>
+            </a:extLst>
+          </a:blip>
           <a:stretch>
             <a:fillRect/>
           </a:stretch>
         </p:blipFill>
         <p:spPr>
           <a:xfrm>
-            <a:off x="6096000" y="779911"/>
-            <a:ext cx="2528582" cy="5197642"/>
+            <a:off x="9524918" y="2019136"/>
+            <a:ext cx="1728770" cy="3745668"/>
           </a:xfrm>
           <a:prstGeom prst="rect">
             <a:avLst/>
           </a:prstGeom>
         </p:spPr>
       </p:pic>
-      <p:sp>
-        <p:nvSpPr>
-          <p:cNvPr id="7" name="Pfeil: nach unten 6">
-            <a:extLst>
-              <a:ext uri="{FF2B5EF4-FFF2-40B4-BE49-F238E27FC236}">
-                <a16:creationId xmlns:a16="http://schemas.microsoft.com/office/drawing/2014/main" id="{11477B4C-A9BA-408E-A58F-EAF3A2B79811}"/>
-              </a:ext>
-            </a:extLst>
-          </p:cNvPr>
-          <p:cNvSpPr/>
-          <p:nvPr/>
-        </p:nvSpPr>
-        <p:spPr>
-          <a:xfrm rot="5400000">
-            <a:off x="8405421" y="1170610"/>
-            <a:ext cx="323447" cy="422012"/>
-          </a:xfrm>
-          <a:prstGeom prst="downArrow">
-            <a:avLst/>
-          </a:prstGeom>
-        </p:spPr>
-        <p:style>
-          <a:lnRef idx="2">
-            <a:schemeClr val="accent1">
-              <a:shade val="50000"/>
-            </a:schemeClr>
-          </a:lnRef>
-          <a:fillRef idx="1">
-            <a:schemeClr val="accent1"/>
-          </a:fillRef>
-          <a:effectRef idx="0">
-            <a:schemeClr val="accent1"/>
-          </a:effectRef>
-          <a:fontRef idx="minor">
-            <a:schemeClr val="lt1"/>
-          </a:fontRef>
-        </p:style>
-        <p:txBody>
-          <a:bodyPr rot="0" spcFirstLastPara="0" vert="horz" wrap="square" lIns="91440" tIns="45720" rIns="91440" bIns="45720" numCol="1" spcCol="0" rtlCol="0" fromWordArt="0" anchor="ctr" anchorCtr="0" forceAA="0" compatLnSpc="1">
-            <a:prstTxWarp prst="textNoShape">
-              <a:avLst/>
-            </a:prstTxWarp>
-            <a:noAutofit/>
-          </a:bodyPr>
-          <a:lstStyle/>
-          <a:p>
-            <a:endParaRPr lang="de-DE"/>
-          </a:p>
-        </p:txBody>
-      </p:sp>
     </p:spTree>
     <p:extLst>
       <p:ext uri="{BB962C8B-B14F-4D97-AF65-F5344CB8AC3E}">
-        <p14:creationId xmlns:p14="http://schemas.microsoft.com/office/powerpoint/2010/main" val="335423106"/>
+        <p14:creationId xmlns:p14="http://schemas.microsoft.com/office/powerpoint/2010/main" val="3963639534"/>
       </p:ext>
     </p:extLst>
   </p:cSld>
@@ -7689,261 +8679,12 @@
           <a:chExt cx="0" cy="0"/>
         </a:xfrm>
       </p:grpSpPr>
-      <p:sp>
-        <p:nvSpPr>
-          <p:cNvPr id="4" name="Inhaltsplatzhalter 3">
-            <a:extLst>
-              <a:ext uri="{FF2B5EF4-FFF2-40B4-BE49-F238E27FC236}">
-                <a16:creationId xmlns:a16="http://schemas.microsoft.com/office/drawing/2014/main" id="{1992DFB9-A614-498E-9446-3FA83C7617EA}"/>
-              </a:ext>
-            </a:extLst>
-          </p:cNvPr>
-          <p:cNvSpPr>
-            <a:spLocks noGrp="1"/>
-          </p:cNvSpPr>
-          <p:nvPr>
-            <p:ph idx="1"/>
-          </p:nvPr>
-        </p:nvSpPr>
-        <p:spPr>
-          <a:xfrm>
-            <a:off x="677333" y="2160589"/>
-            <a:ext cx="4851178" cy="3880773"/>
-          </a:xfrm>
-        </p:spPr>
-        <p:txBody>
-          <a:bodyPr>
-            <a:normAutofit/>
-          </a:bodyPr>
-          <a:lstStyle/>
-          <a:p>
-            <a:r>
-              <a:rPr lang="de-DE" sz="1600" dirty="0"/>
-              <a:t>1. </a:t>
-            </a:r>
-            <a:r>
-              <a:rPr lang="de-DE" sz="1600" dirty="0" err="1"/>
-              <a:t>Disconnect</a:t>
-            </a:r>
-            <a:r>
-              <a:rPr lang="de-DE" sz="1600" dirty="0"/>
-              <a:t> Sensor</a:t>
-            </a:r>
-          </a:p>
-          <a:p>
-            <a:pPr marL="457200" lvl="1" indent="0">
-              <a:buNone/>
-            </a:pPr>
-            <a:r>
-              <a:rPr lang="de-DE" sz="1600" i="1" dirty="0"/>
-              <a:t>(Data </a:t>
-            </a:r>
-            <a:r>
-              <a:rPr lang="de-DE" sz="1600" i="1" dirty="0" err="1"/>
-              <a:t>transmission</a:t>
-            </a:r>
-            <a:r>
-              <a:rPr lang="de-DE" sz="1600" i="1" dirty="0"/>
-              <a:t> and </a:t>
-            </a:r>
-            <a:r>
-              <a:rPr lang="de-DE" sz="1600" i="1" dirty="0" err="1"/>
-              <a:t>tracking</a:t>
-            </a:r>
-            <a:r>
-              <a:rPr lang="de-DE" sz="1600" i="1" dirty="0"/>
-              <a:t> </a:t>
-            </a:r>
-            <a:r>
-              <a:rPr lang="de-DE" sz="1600" i="1" dirty="0" err="1"/>
-              <a:t>is</a:t>
-            </a:r>
-            <a:r>
-              <a:rPr lang="de-DE" sz="1600" i="1" dirty="0"/>
-              <a:t> </a:t>
-            </a:r>
-            <a:r>
-              <a:rPr lang="de-DE" sz="1600" i="1" dirty="0" err="1"/>
-              <a:t>stopped</a:t>
-            </a:r>
-            <a:r>
-              <a:rPr lang="de-DE" sz="1600" i="1" dirty="0"/>
-              <a:t> </a:t>
-            </a:r>
-            <a:r>
-              <a:rPr lang="de-DE" sz="1600" i="1" dirty="0" err="1"/>
-              <a:t>automatically</a:t>
-            </a:r>
-            <a:r>
-              <a:rPr lang="de-DE" sz="1600" i="1" dirty="0"/>
-              <a:t>)</a:t>
-            </a:r>
-          </a:p>
-          <a:p>
-            <a:r>
-              <a:rPr lang="de-DE" sz="1600" dirty="0"/>
-              <a:t>2. Log out</a:t>
-            </a:r>
-          </a:p>
-          <a:p>
-            <a:pPr marL="457200" lvl="1" indent="0">
-              <a:buNone/>
-            </a:pPr>
-            <a:r>
-              <a:rPr lang="de-DE" sz="1600" i="1" dirty="0"/>
-              <a:t>(Data </a:t>
-            </a:r>
-            <a:r>
-              <a:rPr lang="de-DE" sz="1600" i="1" dirty="0" err="1"/>
-              <a:t>transmission</a:t>
-            </a:r>
-            <a:r>
-              <a:rPr lang="de-DE" sz="1600" i="1" dirty="0"/>
-              <a:t> and </a:t>
-            </a:r>
-            <a:r>
-              <a:rPr lang="de-DE" sz="1600" i="1" dirty="0" err="1"/>
-              <a:t>tracking</a:t>
-            </a:r>
-            <a:r>
-              <a:rPr lang="de-DE" sz="1600" i="1" dirty="0"/>
-              <a:t> </a:t>
-            </a:r>
-            <a:r>
-              <a:rPr lang="de-DE" sz="1600" i="1" dirty="0" err="1"/>
-              <a:t>is</a:t>
-            </a:r>
-            <a:r>
-              <a:rPr lang="de-DE" sz="1600" i="1" dirty="0"/>
-              <a:t> </a:t>
-            </a:r>
-            <a:r>
-              <a:rPr lang="de-DE" sz="1600" i="1" dirty="0" err="1"/>
-              <a:t>stopped</a:t>
-            </a:r>
-            <a:r>
-              <a:rPr lang="de-DE" sz="1600" i="1" dirty="0"/>
-              <a:t> </a:t>
-            </a:r>
-            <a:r>
-              <a:rPr lang="de-DE" sz="1600" i="1" dirty="0" err="1"/>
-              <a:t>automatically</a:t>
-            </a:r>
-            <a:r>
-              <a:rPr lang="de-DE" sz="1600" i="1" dirty="0"/>
-              <a:t>)</a:t>
-            </a:r>
-          </a:p>
-          <a:p>
-            <a:r>
-              <a:rPr lang="de-DE" sz="1600" dirty="0"/>
-              <a:t>3. </a:t>
-            </a:r>
-            <a:r>
-              <a:rPr lang="de-DE" sz="1600" dirty="0" err="1"/>
-              <a:t>Stop</a:t>
-            </a:r>
-            <a:r>
-              <a:rPr lang="de-DE" sz="1600" dirty="0"/>
-              <a:t> Tracking</a:t>
-            </a:r>
-          </a:p>
-          <a:p>
-            <a:pPr marL="0" indent="0">
-              <a:buNone/>
-            </a:pPr>
-            <a:endParaRPr lang="de-DE" sz="1600" dirty="0"/>
-          </a:p>
-          <a:p>
-            <a:pPr marL="0" indent="0">
-              <a:buNone/>
-            </a:pPr>
-            <a:r>
-              <a:rPr lang="de-DE" sz="1600" dirty="0" err="1"/>
-              <a:t>Notification</a:t>
-            </a:r>
-            <a:r>
-              <a:rPr lang="de-DE" sz="1600" dirty="0"/>
-              <a:t> in </a:t>
-            </a:r>
-            <a:r>
-              <a:rPr lang="de-DE" sz="1600" dirty="0" err="1"/>
-              <a:t>status</a:t>
-            </a:r>
-            <a:r>
-              <a:rPr lang="de-DE" sz="1600" dirty="0"/>
-              <a:t> bar</a:t>
-            </a:r>
-          </a:p>
-          <a:p>
-            <a:r>
-              <a:rPr lang="de-DE" sz="1600" dirty="0"/>
-              <a:t>4. </a:t>
-            </a:r>
-            <a:r>
-              <a:rPr lang="de-DE" sz="1600" dirty="0" err="1"/>
-              <a:t>Stop</a:t>
-            </a:r>
-            <a:r>
-              <a:rPr lang="de-DE" sz="1600" dirty="0"/>
-              <a:t> Tracking and </a:t>
-            </a:r>
-            <a:r>
-              <a:rPr lang="de-DE" sz="1600" dirty="0" err="1"/>
-              <a:t>disconnect</a:t>
-            </a:r>
-            <a:r>
-              <a:rPr lang="de-DE" sz="1600" dirty="0"/>
-              <a:t> </a:t>
-            </a:r>
-            <a:r>
-              <a:rPr lang="de-DE" sz="1600" dirty="0" err="1"/>
-              <a:t>sensor</a:t>
-            </a:r>
-            <a:endParaRPr lang="de-DE" sz="1600" dirty="0"/>
-          </a:p>
-        </p:txBody>
-      </p:sp>
-      <p:sp>
-        <p:nvSpPr>
-          <p:cNvPr id="12" name="Foliennummernplatzhalter 11">
-            <a:extLst>
-              <a:ext uri="{FF2B5EF4-FFF2-40B4-BE49-F238E27FC236}">
-                <a16:creationId xmlns:a16="http://schemas.microsoft.com/office/drawing/2014/main" id="{6E4F5A51-010B-4E6E-9631-876509AB5EF1}"/>
-              </a:ext>
-            </a:extLst>
-          </p:cNvPr>
-          <p:cNvSpPr>
-            <a:spLocks noGrp="1"/>
-          </p:cNvSpPr>
-          <p:nvPr>
-            <p:ph type="sldNum" sz="quarter" idx="12"/>
-          </p:nvPr>
-        </p:nvSpPr>
-        <p:spPr>
-          <a:xfrm>
-            <a:off x="9617250" y="5967311"/>
-            <a:ext cx="2359025" cy="236842"/>
-          </a:xfrm>
-        </p:spPr>
-        <p:txBody>
-          <a:bodyPr/>
-          <a:lstStyle/>
-          <a:p>
-            <a:fld id="{519954A3-9DFD-4C44-94BA-B95130A3BA1C}" type="slidenum">
-              <a:rPr lang="en-US" smtClean="0"/>
-              <a:t>9</a:t>
-            </a:fld>
-            <a:endParaRPr lang="en-US" dirty="0"/>
-          </a:p>
-        </p:txBody>
-      </p:sp>
       <p:pic>
         <p:nvPicPr>
-          <p:cNvPr id="5" name="Grafik 4">
+          <p:cNvPr id="7" name="Grafik 6">
             <a:extLst>
               <a:ext uri="{FF2B5EF4-FFF2-40B4-BE49-F238E27FC236}">
-                <a16:creationId xmlns:a16="http://schemas.microsoft.com/office/drawing/2014/main" id="{95272418-47D7-426E-994D-3343919EE68D}"/>
+                <a16:creationId xmlns:a16="http://schemas.microsoft.com/office/drawing/2014/main" id="{7DB3B72F-F6B8-4111-8AD1-347FA8539F60}"/>
               </a:ext>
             </a:extLst>
           </p:cNvPr>
@@ -7953,15 +8694,21 @@
           <p:nvPr/>
         </p:nvPicPr>
         <p:blipFill>
-          <a:blip r:embed="rId2"/>
+          <a:blip r:embed="rId2" cstate="print">
+            <a:extLst>
+              <a:ext uri="{28A0092B-C50C-407E-A947-70E740481C1C}">
+                <a14:useLocalDpi xmlns:a14="http://schemas.microsoft.com/office/drawing/2010/main" val="0"/>
+              </a:ext>
+            </a:extLst>
+          </a:blip>
           <a:stretch>
             <a:fillRect/>
           </a:stretch>
         </p:blipFill>
         <p:spPr>
           <a:xfrm>
-            <a:off x="5638027" y="1296190"/>
-            <a:ext cx="2397211" cy="4927600"/>
+            <a:off x="4971139" y="2041759"/>
+            <a:ext cx="1886859" cy="4088194"/>
           </a:xfrm>
           <a:prstGeom prst="rect">
             <a:avLst/>
@@ -7970,10 +8717,103 @@
       </p:pic>
       <p:sp>
         <p:nvSpPr>
-          <p:cNvPr id="9" name="Pfeil: nach unten 8">
+          <p:cNvPr id="3" name="Inhaltsplatzhalter 2">
             <a:extLst>
               <a:ext uri="{FF2B5EF4-FFF2-40B4-BE49-F238E27FC236}">
-                <a16:creationId xmlns:a16="http://schemas.microsoft.com/office/drawing/2014/main" id="{155E3093-D228-472B-8BE8-8A6C01A4DA4B}"/>
+                <a16:creationId xmlns:a16="http://schemas.microsoft.com/office/drawing/2014/main" id="{139C6279-4AF5-4A5E-B910-C568905D5428}"/>
+              </a:ext>
+            </a:extLst>
+          </p:cNvPr>
+          <p:cNvSpPr>
+            <a:spLocks noGrp="1"/>
+          </p:cNvSpPr>
+          <p:nvPr>
+            <p:ph idx="1"/>
+          </p:nvPr>
+        </p:nvSpPr>
+        <p:spPr>
+          <a:xfrm>
+            <a:off x="677334" y="2160589"/>
+            <a:ext cx="4243581" cy="3880773"/>
+          </a:xfrm>
+        </p:spPr>
+        <p:txBody>
+          <a:bodyPr>
+            <a:normAutofit/>
+          </a:bodyPr>
+          <a:lstStyle/>
+          <a:p>
+            <a:r>
+              <a:rPr lang="de-DE" sz="1600" dirty="0"/>
+              <a:t>Use </a:t>
+            </a:r>
+            <a:r>
+              <a:rPr lang="de-DE" sz="1600" dirty="0" err="1"/>
+              <a:t>your</a:t>
+            </a:r>
+            <a:r>
+              <a:rPr lang="de-DE" sz="1600" dirty="0"/>
+              <a:t> OAuth2 </a:t>
+            </a:r>
+            <a:r>
+              <a:rPr lang="de-DE" sz="1600" dirty="0" err="1"/>
+              <a:t>account</a:t>
+            </a:r>
+            <a:r>
+              <a:rPr lang="de-DE" sz="1600" dirty="0"/>
+              <a:t> </a:t>
+            </a:r>
+            <a:r>
+              <a:rPr lang="de-DE" sz="1600" dirty="0" err="1"/>
+              <a:t>to</a:t>
+            </a:r>
+            <a:r>
+              <a:rPr lang="de-DE" sz="1600" dirty="0"/>
+              <a:t> </a:t>
+            </a:r>
+            <a:r>
+              <a:rPr lang="de-DE" sz="1600" dirty="0" err="1"/>
+              <a:t>login</a:t>
+            </a:r>
+            <a:endParaRPr lang="de-DE" sz="1600" dirty="0"/>
+          </a:p>
+        </p:txBody>
+      </p:sp>
+      <p:sp>
+        <p:nvSpPr>
+          <p:cNvPr id="4" name="Foliennummernplatzhalter 3">
+            <a:extLst>
+              <a:ext uri="{FF2B5EF4-FFF2-40B4-BE49-F238E27FC236}">
+                <a16:creationId xmlns:a16="http://schemas.microsoft.com/office/drawing/2014/main" id="{87EFF630-05C1-41BE-84A7-A49B73E82BCB}"/>
+              </a:ext>
+            </a:extLst>
+          </p:cNvPr>
+          <p:cNvSpPr>
+            <a:spLocks noGrp="1"/>
+          </p:cNvSpPr>
+          <p:nvPr>
+            <p:ph type="sldNum" sz="quarter" idx="12"/>
+          </p:nvPr>
+        </p:nvSpPr>
+        <p:spPr/>
+        <p:txBody>
+          <a:bodyPr/>
+          <a:lstStyle/>
+          <a:p>
+            <a:fld id="{519954A3-9DFD-4C44-94BA-B95130A3BA1C}" type="slidenum">
+              <a:rPr lang="en-US" smtClean="0"/>
+              <a:t>9</a:t>
+            </a:fld>
+            <a:endParaRPr lang="en-US" dirty="0"/>
+          </a:p>
+        </p:txBody>
+      </p:sp>
+      <p:sp>
+        <p:nvSpPr>
+          <p:cNvPr id="18" name="Pfeil: nach unten 17">
+            <a:extLst>
+              <a:ext uri="{FF2B5EF4-FFF2-40B4-BE49-F238E27FC236}">
+                <a16:creationId xmlns:a16="http://schemas.microsoft.com/office/drawing/2014/main" id="{74EFDB4F-2091-4E29-B46A-9EE7366FD488}"/>
               </a:ext>
             </a:extLst>
           </p:cNvPr>
@@ -7982,7 +8822,7 @@
         </p:nvSpPr>
         <p:spPr>
           <a:xfrm>
-            <a:off x="5930695" y="1075661"/>
+            <a:off x="5755222" y="1893384"/>
             <a:ext cx="323447" cy="422012"/>
           </a:xfrm>
           <a:prstGeom prst="downArrow">
@@ -8020,330 +8860,10 @@
       </p:sp>
       <p:sp>
         <p:nvSpPr>
-          <p:cNvPr id="11" name="Pfeil: nach unten 10">
+          <p:cNvPr id="8" name="Titel 1">
             <a:extLst>
               <a:ext uri="{FF2B5EF4-FFF2-40B4-BE49-F238E27FC236}">
-                <a16:creationId xmlns:a16="http://schemas.microsoft.com/office/drawing/2014/main" id="{F0BE4876-F68B-4A03-A1A8-2A385991779D}"/>
-              </a:ext>
-            </a:extLst>
-          </p:cNvPr>
-          <p:cNvSpPr/>
-          <p:nvPr/>
-        </p:nvSpPr>
-        <p:spPr>
-          <a:xfrm>
-            <a:off x="6659519" y="1075661"/>
-            <a:ext cx="323447" cy="422012"/>
-          </a:xfrm>
-          <a:prstGeom prst="downArrow">
-            <a:avLst/>
-          </a:prstGeom>
-        </p:spPr>
-        <p:style>
-          <a:lnRef idx="2">
-            <a:schemeClr val="accent1">
-              <a:shade val="50000"/>
-            </a:schemeClr>
-          </a:lnRef>
-          <a:fillRef idx="1">
-            <a:schemeClr val="accent1"/>
-          </a:fillRef>
-          <a:effectRef idx="0">
-            <a:schemeClr val="accent1"/>
-          </a:effectRef>
-          <a:fontRef idx="minor">
-            <a:schemeClr val="lt1"/>
-          </a:fontRef>
-        </p:style>
-        <p:txBody>
-          <a:bodyPr rot="0" spcFirstLastPara="0" vert="horz" wrap="square" lIns="91440" tIns="45720" rIns="91440" bIns="45720" numCol="1" spcCol="0" rtlCol="0" fromWordArt="0" anchor="ctr" anchorCtr="0" forceAA="0" compatLnSpc="1">
-            <a:prstTxWarp prst="textNoShape">
-              <a:avLst/>
-            </a:prstTxWarp>
-            <a:noAutofit/>
-          </a:bodyPr>
-          <a:lstStyle/>
-          <a:p>
-            <a:endParaRPr lang="de-DE"/>
-          </a:p>
-        </p:txBody>
-      </p:sp>
-      <p:sp>
-        <p:nvSpPr>
-          <p:cNvPr id="13" name="Pfeil: nach unten 12">
-            <a:extLst>
-              <a:ext uri="{FF2B5EF4-FFF2-40B4-BE49-F238E27FC236}">
-                <a16:creationId xmlns:a16="http://schemas.microsoft.com/office/drawing/2014/main" id="{3F5638FE-3C5A-40DD-9C7D-9840C97A8989}"/>
-              </a:ext>
-            </a:extLst>
-          </p:cNvPr>
-          <p:cNvSpPr/>
-          <p:nvPr/>
-        </p:nvSpPr>
-        <p:spPr>
-          <a:xfrm>
-            <a:off x="7390455" y="1075661"/>
-            <a:ext cx="323447" cy="422012"/>
-          </a:xfrm>
-          <a:prstGeom prst="downArrow">
-            <a:avLst/>
-          </a:prstGeom>
-        </p:spPr>
-        <p:style>
-          <a:lnRef idx="2">
-            <a:schemeClr val="accent1">
-              <a:shade val="50000"/>
-            </a:schemeClr>
-          </a:lnRef>
-          <a:fillRef idx="1">
-            <a:schemeClr val="accent1"/>
-          </a:fillRef>
-          <a:effectRef idx="0">
-            <a:schemeClr val="accent1"/>
-          </a:effectRef>
-          <a:fontRef idx="minor">
-            <a:schemeClr val="lt1"/>
-          </a:fontRef>
-        </p:style>
-        <p:txBody>
-          <a:bodyPr rot="0" spcFirstLastPara="0" vert="horz" wrap="square" lIns="91440" tIns="45720" rIns="91440" bIns="45720" numCol="1" spcCol="0" rtlCol="0" fromWordArt="0" anchor="ctr" anchorCtr="0" forceAA="0" compatLnSpc="1">
-            <a:prstTxWarp prst="textNoShape">
-              <a:avLst/>
-            </a:prstTxWarp>
-            <a:noAutofit/>
-          </a:bodyPr>
-          <a:lstStyle/>
-          <a:p>
-            <a:endParaRPr lang="de-DE"/>
-          </a:p>
-        </p:txBody>
-      </p:sp>
-      <p:sp>
-        <p:nvSpPr>
-          <p:cNvPr id="7" name="Textfeld 6">
-            <a:extLst>
-              <a:ext uri="{FF2B5EF4-FFF2-40B4-BE49-F238E27FC236}">
-                <a16:creationId xmlns:a16="http://schemas.microsoft.com/office/drawing/2014/main" id="{4048FB40-7856-48E8-9FA1-1F7B50960A7C}"/>
-              </a:ext>
-            </a:extLst>
-          </p:cNvPr>
-          <p:cNvSpPr txBox="1"/>
-          <p:nvPr/>
-        </p:nvSpPr>
-        <p:spPr>
-          <a:xfrm>
-            <a:off x="5904706" y="682266"/>
-            <a:ext cx="391454" cy="369332"/>
-          </a:xfrm>
-          <a:prstGeom prst="rect">
-            <a:avLst/>
-          </a:prstGeom>
-          <a:noFill/>
-        </p:spPr>
-        <p:txBody>
-          <a:bodyPr wrap="none" rtlCol="0">
-            <a:spAutoFit/>
-          </a:bodyPr>
-          <a:lstStyle/>
-          <a:p>
-            <a:r>
-              <a:rPr lang="de-DE" dirty="0"/>
-              <a:t>1.</a:t>
-            </a:r>
-          </a:p>
-        </p:txBody>
-      </p:sp>
-      <p:sp>
-        <p:nvSpPr>
-          <p:cNvPr id="14" name="Textfeld 13">
-            <a:extLst>
-              <a:ext uri="{FF2B5EF4-FFF2-40B4-BE49-F238E27FC236}">
-                <a16:creationId xmlns:a16="http://schemas.microsoft.com/office/drawing/2014/main" id="{05DEC054-0264-4024-8708-EB7DFB63EFF3}"/>
-              </a:ext>
-            </a:extLst>
-          </p:cNvPr>
-          <p:cNvSpPr txBox="1"/>
-          <p:nvPr/>
-        </p:nvSpPr>
-        <p:spPr>
-          <a:xfrm>
-            <a:off x="6659518" y="685303"/>
-            <a:ext cx="391454" cy="369332"/>
-          </a:xfrm>
-          <a:prstGeom prst="rect">
-            <a:avLst/>
-          </a:prstGeom>
-          <a:noFill/>
-        </p:spPr>
-        <p:txBody>
-          <a:bodyPr wrap="none" rtlCol="0">
-            <a:spAutoFit/>
-          </a:bodyPr>
-          <a:lstStyle/>
-          <a:p>
-            <a:r>
-              <a:rPr lang="de-DE" dirty="0"/>
-              <a:t>2.</a:t>
-            </a:r>
-          </a:p>
-        </p:txBody>
-      </p:sp>
-      <p:sp>
-        <p:nvSpPr>
-          <p:cNvPr id="15" name="Textfeld 14">
-            <a:extLst>
-              <a:ext uri="{FF2B5EF4-FFF2-40B4-BE49-F238E27FC236}">
-                <a16:creationId xmlns:a16="http://schemas.microsoft.com/office/drawing/2014/main" id="{AC96B3FF-955C-4A84-9789-A6145DBE732D}"/>
-              </a:ext>
-            </a:extLst>
-          </p:cNvPr>
-          <p:cNvSpPr txBox="1"/>
-          <p:nvPr/>
-        </p:nvSpPr>
-        <p:spPr>
-          <a:xfrm>
-            <a:off x="7390455" y="682266"/>
-            <a:ext cx="391454" cy="369332"/>
-          </a:xfrm>
-          <a:prstGeom prst="rect">
-            <a:avLst/>
-          </a:prstGeom>
-          <a:noFill/>
-        </p:spPr>
-        <p:txBody>
-          <a:bodyPr wrap="none" rtlCol="0">
-            <a:spAutoFit/>
-          </a:bodyPr>
-          <a:lstStyle/>
-          <a:p>
-            <a:r>
-              <a:rPr lang="de-DE" dirty="0"/>
-              <a:t>3.</a:t>
-            </a:r>
-          </a:p>
-        </p:txBody>
-      </p:sp>
-      <p:pic>
-        <p:nvPicPr>
-          <p:cNvPr id="16" name="Inhaltsplatzhalter 5">
-            <a:extLst>
-              <a:ext uri="{FF2B5EF4-FFF2-40B4-BE49-F238E27FC236}">
-                <a16:creationId xmlns:a16="http://schemas.microsoft.com/office/drawing/2014/main" id="{0224D1DC-D87C-4D2B-82E7-F9216F8BCB85}"/>
-              </a:ext>
-            </a:extLst>
-          </p:cNvPr>
-          <p:cNvPicPr>
-            <a:picLocks noChangeAspect="1"/>
-          </p:cNvPicPr>
-          <p:nvPr/>
-        </p:nvPicPr>
-        <p:blipFill>
-          <a:blip r:embed="rId3"/>
-          <a:stretch>
-            <a:fillRect/>
-          </a:stretch>
-        </p:blipFill>
-        <p:spPr>
-          <a:xfrm>
-            <a:off x="9048560" y="1280341"/>
-            <a:ext cx="2397210" cy="4927600"/>
-          </a:xfrm>
-          <a:prstGeom prst="rect">
-            <a:avLst/>
-          </a:prstGeom>
-        </p:spPr>
-      </p:pic>
-      <p:sp>
-        <p:nvSpPr>
-          <p:cNvPr id="17" name="Pfeil: nach unten 16">
-            <a:extLst>
-              <a:ext uri="{FF2B5EF4-FFF2-40B4-BE49-F238E27FC236}">
-                <a16:creationId xmlns:a16="http://schemas.microsoft.com/office/drawing/2014/main" id="{DDEF5F96-B951-48D5-9EBA-55A224AB3E1D}"/>
-              </a:ext>
-            </a:extLst>
-          </p:cNvPr>
-          <p:cNvSpPr/>
-          <p:nvPr/>
-        </p:nvSpPr>
-        <p:spPr>
-          <a:xfrm rot="16200000">
-            <a:off x="9687467" y="2816046"/>
-            <a:ext cx="323447" cy="422012"/>
-          </a:xfrm>
-          <a:prstGeom prst="downArrow">
-            <a:avLst/>
-          </a:prstGeom>
-        </p:spPr>
-        <p:style>
-          <a:lnRef idx="2">
-            <a:schemeClr val="accent1">
-              <a:shade val="50000"/>
-            </a:schemeClr>
-          </a:lnRef>
-          <a:fillRef idx="1">
-            <a:schemeClr val="accent1"/>
-          </a:fillRef>
-          <a:effectRef idx="0">
-            <a:schemeClr val="accent1"/>
-          </a:effectRef>
-          <a:fontRef idx="minor">
-            <a:schemeClr val="lt1"/>
-          </a:fontRef>
-        </p:style>
-        <p:txBody>
-          <a:bodyPr rot="0" spcFirstLastPara="0" vert="horz" wrap="square" lIns="91440" tIns="45720" rIns="91440" bIns="45720" numCol="1" spcCol="0" rtlCol="0" fromWordArt="0" anchor="ctr" anchorCtr="0" forceAA="0" compatLnSpc="1">
-            <a:prstTxWarp prst="textNoShape">
-              <a:avLst/>
-            </a:prstTxWarp>
-            <a:noAutofit/>
-          </a:bodyPr>
-          <a:lstStyle/>
-          <a:p>
-            <a:endParaRPr lang="de-DE"/>
-          </a:p>
-        </p:txBody>
-      </p:sp>
-      <p:sp>
-        <p:nvSpPr>
-          <p:cNvPr id="18" name="Textfeld 17">
-            <a:extLst>
-              <a:ext uri="{FF2B5EF4-FFF2-40B4-BE49-F238E27FC236}">
-                <a16:creationId xmlns:a16="http://schemas.microsoft.com/office/drawing/2014/main" id="{9C28B872-0531-441D-A557-53F31C937B40}"/>
-              </a:ext>
-            </a:extLst>
-          </p:cNvPr>
-          <p:cNvSpPr txBox="1"/>
-          <p:nvPr/>
-        </p:nvSpPr>
-        <p:spPr>
-          <a:xfrm>
-            <a:off x="9261476" y="2842386"/>
-            <a:ext cx="391454" cy="369332"/>
-          </a:xfrm>
-          <a:prstGeom prst="rect">
-            <a:avLst/>
-          </a:prstGeom>
-          <a:noFill/>
-        </p:spPr>
-        <p:txBody>
-          <a:bodyPr wrap="none" rtlCol="0">
-            <a:spAutoFit/>
-          </a:bodyPr>
-          <a:lstStyle/>
-          <a:p>
-            <a:r>
-              <a:rPr lang="de-DE" dirty="0"/>
-              <a:t>4.</a:t>
-            </a:r>
-          </a:p>
-        </p:txBody>
-      </p:sp>
-      <p:sp>
-        <p:nvSpPr>
-          <p:cNvPr id="19" name="Titel 1">
-            <a:extLst>
-              <a:ext uri="{FF2B5EF4-FFF2-40B4-BE49-F238E27FC236}">
-                <a16:creationId xmlns:a16="http://schemas.microsoft.com/office/drawing/2014/main" id="{81D7085F-F1FE-494A-87B4-89CE96A74521}"/>
+                <a16:creationId xmlns:a16="http://schemas.microsoft.com/office/drawing/2014/main" id="{75EE5649-DDB4-46C8-8086-B6BE64E0499B}"/>
               </a:ext>
             </a:extLst>
           </p:cNvPr>
@@ -8387,7 +8907,7 @@
           <a:p>
             <a:r>
               <a:rPr lang="de-DE" dirty="0"/>
-              <a:t>App – Start Tracking</a:t>
+              <a:t>App – Login</a:t>
             </a:r>
           </a:p>
         </p:txBody>
@@ -8395,7 +8915,7 @@
     </p:spTree>
     <p:extLst>
       <p:ext uri="{BB962C8B-B14F-4D97-AF65-F5344CB8AC3E}">
-        <p14:creationId xmlns:p14="http://schemas.microsoft.com/office/powerpoint/2010/main" val="3310952278"/>
+        <p14:creationId xmlns:p14="http://schemas.microsoft.com/office/powerpoint/2010/main" val="3099247052"/>
       </p:ext>
     </p:extLst>
   </p:cSld>
